--- a/발표자료/ToDoBest발표-자료.pptx
+++ b/발표자료/ToDoBest발표-자료.pptx
@@ -18,7 +18,7 @@
     <p:sldId id="266" r:id="rId12"/>
     <p:sldId id="267" r:id="rId13"/>
   </p:sldIdLst>
-  <p:sldSz cx="18288000" cy="10287000" type="screen4x3"/>
+  <p:sldSz cx="18288000" cy="10287000"/>
   <p:notesSz cx="10287000" cy="18288000"/>
   <p:defaultTextStyle>
     <a:defPPr>
@@ -117,7 +117,18 @@
   </p:defaultTextStyle>
   <p:extLst>
     <p:ext uri="{EFAFB233-063F-42B5-8137-9DF3F51BA10A}">
-      <p15:sldGuideLst xmlns:p15="http://schemas.microsoft.com/office/powerpoint/2012/main"/>
+      <p15:sldGuideLst xmlns:p15="http://schemas.microsoft.com/office/powerpoint/2012/main">
+        <p15:guide id="1" orient="horz" pos="2160">
+          <p15:clr>
+            <a:srgbClr val="A4A3A4"/>
+          </p15:clr>
+        </p15:guide>
+        <p15:guide id="2" pos="2880">
+          <p15:clr>
+            <a:srgbClr val="A4A3A4"/>
+          </p15:clr>
+        </p15:guide>
+      </p15:sldGuideLst>
     </p:ext>
   </p:extLst>
 </p:presentation>
@@ -469,7 +480,7 @@
           <a:p>
             <a:fld id="{A76116CE-C4A3-4A05-B2D7-7C2E9A889C0F}" type="datetimeFigureOut">
               <a:rPr lang="en-US" smtClean="0"/>
-              <a:t>1/30/2017</a:t>
+              <a:t>5/21/2024</a:t>
             </a:fld>
             <a:endParaRPr lang="en-US"/>
           </a:p>
@@ -644,7 +655,7 @@
           <a:p>
             <a:fld id="{A76116CE-C4A3-4A05-B2D7-7C2E9A889C0F}" type="datetimeFigureOut">
               <a:rPr lang="en-US" smtClean="0"/>
-              <a:t>1/30/2017</a:t>
+              <a:t>5/21/2024</a:t>
             </a:fld>
             <a:endParaRPr lang="en-US"/>
           </a:p>
@@ -1335,7 +1346,7 @@
           <a:p>
             <a:fld id="{A76116CE-C4A3-4A05-B2D7-7C2E9A889C0F}" type="datetimeFigureOut">
               <a:rPr lang="en-US" smtClean="0"/>
-              <a:t>1/30/2017</a:t>
+              <a:t>5/21/2024</a:t>
             </a:fld>
             <a:endParaRPr lang="en-US"/>
           </a:p>
@@ -1752,7 +1763,7 @@
           <a:p>
             <a:fld id="{A76116CE-C4A3-4A05-B2D7-7C2E9A889C0F}" type="datetimeFigureOut">
               <a:rPr lang="en-US" smtClean="0"/>
-              <a:t>1/30/2017</a:t>
+              <a:t>5/21/2024</a:t>
             </a:fld>
             <a:endParaRPr lang="en-US"/>
           </a:p>
@@ -1865,7 +1876,7 @@
           <a:p>
             <a:fld id="{A76116CE-C4A3-4A05-B2D7-7C2E9A889C0F}" type="datetimeFigureOut">
               <a:rPr lang="en-US" smtClean="0"/>
-              <a:t>1/30/2017</a:t>
+              <a:t>5/21/2024</a:t>
             </a:fld>
             <a:endParaRPr lang="en-US"/>
           </a:p>
@@ -1955,7 +1966,7 @@
           <a:p>
             <a:fld id="{A76116CE-C4A3-4A05-B2D7-7C2E9A889C0F}" type="datetimeFigureOut">
               <a:rPr lang="en-US" smtClean="0"/>
-              <a:t>1/30/2017</a:t>
+              <a:t>5/21/2024</a:t>
             </a:fld>
             <a:endParaRPr lang="en-US"/>
           </a:p>
@@ -2227,7 +2238,7 @@
           <a:p>
             <a:fld id="{A76116CE-C4A3-4A05-B2D7-7C2E9A889C0F}" type="datetimeFigureOut">
               <a:rPr lang="en-US" smtClean="0"/>
-              <a:t>1/30/2017</a:t>
+              <a:t>5/21/2024</a:t>
             </a:fld>
             <a:endParaRPr lang="en-US"/>
           </a:p>
@@ -2475,7 +2486,7 @@
           <a:p>
             <a:fld id="{A76116CE-C4A3-4A05-B2D7-7C2E9A889C0F}" type="datetimeFigureOut">
               <a:rPr lang="en-US" smtClean="0"/>
-              <a:t>1/30/2017</a:t>
+              <a:t>5/21/2024</a:t>
             </a:fld>
             <a:endParaRPr lang="en-US"/>
           </a:p>
@@ -2683,7 +2694,7 @@
           <a:p>
             <a:fld id="{F8166F1F-CE9B-4651-A6AA-CD717754106B}" type="datetimeFigureOut">
               <a:rPr lang="en-US" smtClean="0"/>
-              <a:t>6/13/2013</a:t>
+              <a:t>5/21/2024</a:t>
             </a:fld>
             <a:endParaRPr lang="en-US"/>
           </a:p>
@@ -2761,7 +2772,7 @@
           <a:p>
             <a:fld id="{F7021451-1387-4CA6-816F-3879F97B5CBC}" type="slidenum">
               <a:rPr lang="en-US" smtClean="0"/>
-              <a:t>�#�</a:t>
+              <a:t>‹#›</a:t>
             </a:fld>
             <a:endParaRPr lang="en-US"/>
           </a:p>
@@ -2772,16 +2783,16 @@
   <p:clrMap bg1="lt1" tx1="dk1" bg2="lt2" tx2="dk2" accent1="accent1" accent2="accent2" accent3="accent3" accent4="accent4" accent5="accent5" accent6="accent6" hlink="hlink" folHlink="folHlink"/>
   <p:sldLayoutIdLst>
     <p:sldLayoutId id="2147483649" r:id="rId1"/>
-    <p:sldLayoutId id="2147483650" r:id="rId3"/>
-    <p:sldLayoutId id="2147483651" r:id="rId4"/>
-    <p:sldLayoutId id="2147483652" r:id="rId5"/>
-    <p:sldLayoutId id="2147483653" r:id="rId6"/>
-    <p:sldLayoutId id="2147483654" r:id="rId7"/>
-    <p:sldLayoutId id="2147483655" r:id="rId8"/>
-    <p:sldLayoutId id="2147483656" r:id="rId9"/>
-    <p:sldLayoutId id="2147483657" r:id="rId10"/>
-    <p:sldLayoutId id="2147483658" r:id="rId11"/>
-    <p:sldLayoutId id="2147483659" r:id="rId12"/>
+    <p:sldLayoutId id="2147483650" r:id="rId2"/>
+    <p:sldLayoutId id="2147483651" r:id="rId3"/>
+    <p:sldLayoutId id="2147483652" r:id="rId4"/>
+    <p:sldLayoutId id="2147483653" r:id="rId5"/>
+    <p:sldLayoutId id="2147483654" r:id="rId6"/>
+    <p:sldLayoutId id="2147483655" r:id="rId7"/>
+    <p:sldLayoutId id="2147483656" r:id="rId8"/>
+    <p:sldLayoutId id="2147483657" r:id="rId9"/>
+    <p:sldLayoutId id="2147483658" r:id="rId10"/>
+    <p:sldLayoutId id="2147483659" r:id="rId11"/>
   </p:sldLayoutIdLst>
   <p:txStyles>
     <p:titleStyle>
@@ -4398,7 +4409,7 @@
             <p:nvPr/>
           </p:nvPicPr>
           <p:blipFill>
-            <a:blip r:embed="rId6" cstate="print"/>
+            <a:blip r:embed="rId5" cstate="print"/>
             <a:stretch>
               <a:fillRect/>
             </a:stretch>
@@ -4423,7 +4434,7 @@
           <p:nvPr/>
         </p:nvPicPr>
         <p:blipFill>
-          <a:blip r:embed="rId7" cstate="print"/>
+          <a:blip r:embed="rId6" cstate="print"/>
           <a:stretch>
             <a:fillRect/>
           </a:stretch>
@@ -4447,7 +4458,7 @@
           <p:nvPr/>
         </p:nvPicPr>
         <p:blipFill>
-          <a:blip r:embed="rId8" cstate="print"/>
+          <a:blip r:embed="rId7" cstate="print"/>
           <a:stretch>
             <a:fillRect/>
           </a:stretch>
@@ -4471,7 +4482,7 @@
           <p:nvPr/>
         </p:nvPicPr>
         <p:blipFill>
-          <a:blip r:embed="rId9" cstate="print"/>
+          <a:blip r:embed="rId8" cstate="print"/>
           <a:stretch>
             <a:fillRect/>
           </a:stretch>
@@ -4495,7 +4506,7 @@
           <p:nvPr/>
         </p:nvPicPr>
         <p:blipFill>
-          <a:blip r:embed="rId10" cstate="print"/>
+          <a:blip r:embed="rId9" cstate="print"/>
           <a:stretch>
             <a:fillRect/>
           </a:stretch>
@@ -4519,7 +4530,7 @@
           <p:nvPr/>
         </p:nvPicPr>
         <p:blipFill>
-          <a:blip r:embed="rId11" cstate="print"/>
+          <a:blip r:embed="rId10" cstate="print"/>
           <a:stretch>
             <a:fillRect/>
           </a:stretch>
@@ -4543,7 +4554,7 @@
           <p:nvPr/>
         </p:nvPicPr>
         <p:blipFill>
-          <a:blip r:embed="rId12" cstate="print"/>
+          <a:blip r:embed="rId11" cstate="print"/>
           <a:stretch>
             <a:fillRect/>
           </a:stretch>
@@ -4567,7 +4578,7 @@
           <p:nvPr/>
         </p:nvPicPr>
         <p:blipFill>
-          <a:blip r:embed="rId13" cstate="print"/>
+          <a:blip r:embed="rId12" cstate="print"/>
           <a:stretch>
             <a:fillRect/>
           </a:stretch>
@@ -4591,7 +4602,7 @@
           <p:nvPr/>
         </p:nvPicPr>
         <p:blipFill>
-          <a:blip r:embed="rId14" cstate="print"/>
+          <a:blip r:embed="rId13" cstate="print"/>
           <a:stretch>
             <a:fillRect/>
           </a:stretch>
@@ -4615,7 +4626,7 @@
           <p:nvPr/>
         </p:nvPicPr>
         <p:blipFill>
-          <a:blip r:embed="rId15" cstate="print"/>
+          <a:blip r:embed="rId14" cstate="print"/>
           <a:stretch>
             <a:fillRect/>
           </a:stretch>
@@ -4639,7 +4650,7 @@
           <p:nvPr/>
         </p:nvPicPr>
         <p:blipFill>
-          <a:blip r:embed="rId16" cstate="print"/>
+          <a:blip r:embed="rId15" cstate="print"/>
           <a:stretch>
             <a:fillRect/>
           </a:stretch>
@@ -4962,7 +4973,7 @@
             <p:nvPr/>
           </p:nvPicPr>
           <p:blipFill>
-            <a:blip r:embed="rId10" cstate="print"/>
+            <a:blip r:embed="rId7" cstate="print"/>
             <a:stretch>
               <a:fillRect/>
             </a:stretch>
@@ -5001,7 +5012,7 @@
             <p:nvPr/>
           </p:nvPicPr>
           <p:blipFill>
-            <a:blip r:embed="rId11" cstate="print"/>
+            <a:blip r:embed="rId8" cstate="print"/>
             <a:stretch>
               <a:fillRect/>
             </a:stretch>
@@ -5026,7 +5037,7 @@
           <p:nvPr/>
         </p:nvPicPr>
         <p:blipFill>
-          <a:blip r:embed="rId12" cstate="print"/>
+          <a:blip r:embed="rId10" cstate="print"/>
           <a:stretch>
             <a:fillRect/>
           </a:stretch>
@@ -5064,7 +5075,7 @@
             <p:nvPr/>
           </p:nvPicPr>
           <p:blipFill>
-            <a:blip r:embed="rId13" cstate="print"/>
+            <a:blip r:embed="rId7" cstate="print"/>
             <a:stretch>
               <a:fillRect/>
             </a:stretch>
@@ -5103,7 +5114,7 @@
             <p:nvPr/>
           </p:nvPicPr>
           <p:blipFill>
-            <a:blip r:embed="rId14" cstate="print"/>
+            <a:blip r:embed="rId8" cstate="print"/>
             <a:stretch>
               <a:fillRect/>
             </a:stretch>
@@ -5128,7 +5139,7 @@
           <p:nvPr/>
         </p:nvPicPr>
         <p:blipFill>
-          <a:blip r:embed="rId15" cstate="print"/>
+          <a:blip r:embed="rId11" cstate="print"/>
           <a:stretch>
             <a:fillRect/>
           </a:stretch>
@@ -5152,7 +5163,7 @@
           <p:nvPr/>
         </p:nvPicPr>
         <p:blipFill>
-          <a:blip r:embed="rId16" cstate="print"/>
+          <a:blip r:embed="rId12" cstate="print"/>
           <a:stretch>
             <a:fillRect/>
           </a:stretch>
@@ -5190,7 +5201,7 @@
             <p:nvPr/>
           </p:nvPicPr>
           <p:blipFill>
-            <a:blip r:embed="rId17" cstate="print"/>
+            <a:blip r:embed="rId7" cstate="print"/>
             <a:stretch>
               <a:fillRect/>
             </a:stretch>
@@ -5229,7 +5240,7 @@
             <p:nvPr/>
           </p:nvPicPr>
           <p:blipFill>
-            <a:blip r:embed="rId18" cstate="print"/>
+            <a:blip r:embed="rId8" cstate="print"/>
             <a:stretch>
               <a:fillRect/>
             </a:stretch>
@@ -5254,7 +5265,7 @@
           <p:nvPr/>
         </p:nvPicPr>
         <p:blipFill>
-          <a:blip r:embed="rId19" cstate="print"/>
+          <a:blip r:embed="rId13" cstate="print"/>
           <a:stretch>
             <a:fillRect/>
           </a:stretch>
@@ -5278,7 +5289,7 @@
           <p:nvPr/>
         </p:nvPicPr>
         <p:blipFill>
-          <a:blip r:embed="rId20" cstate="print"/>
+          <a:blip r:embed="rId14" cstate="print"/>
           <a:stretch>
             <a:fillRect/>
           </a:stretch>
@@ -5316,7 +5327,7 @@
             <p:nvPr/>
           </p:nvPicPr>
           <p:blipFill>
-            <a:blip r:embed="rId21" cstate="print"/>
+            <a:blip r:embed="rId15" cstate="print"/>
             <a:stretch>
               <a:fillRect/>
             </a:stretch>
@@ -5355,7 +5366,7 @@
             <p:nvPr/>
           </p:nvPicPr>
           <p:blipFill>
-            <a:blip r:embed="rId22" cstate="print"/>
+            <a:blip r:embed="rId7" cstate="print"/>
             <a:stretch>
               <a:fillRect/>
             </a:stretch>
@@ -5394,7 +5405,7 @@
             <p:nvPr/>
           </p:nvPicPr>
           <p:blipFill>
-            <a:blip r:embed="rId23" cstate="print"/>
+            <a:blip r:embed="rId8" cstate="print"/>
             <a:stretch>
               <a:fillRect/>
             </a:stretch>
@@ -5419,7 +5430,7 @@
           <p:nvPr/>
         </p:nvPicPr>
         <p:blipFill>
-          <a:blip r:embed="rId24" cstate="print"/>
+          <a:blip r:embed="rId16" cstate="print"/>
           <a:stretch>
             <a:fillRect/>
           </a:stretch>
@@ -5443,7 +5454,7 @@
           <p:nvPr/>
         </p:nvPicPr>
         <p:blipFill>
-          <a:blip r:embed="rId25" cstate="print"/>
+          <a:blip r:embed="rId17" cstate="print"/>
           <a:stretch>
             <a:fillRect/>
           </a:stretch>
@@ -5481,7 +5492,7 @@
             <p:nvPr/>
           </p:nvPicPr>
           <p:blipFill>
-            <a:blip r:embed="rId26" cstate="print"/>
+            <a:blip r:embed="rId7" cstate="print"/>
             <a:stretch>
               <a:fillRect/>
             </a:stretch>
@@ -5520,7 +5531,7 @@
             <p:nvPr/>
           </p:nvPicPr>
           <p:blipFill>
-            <a:blip r:embed="rId27" cstate="print"/>
+            <a:blip r:embed="rId8" cstate="print"/>
             <a:stretch>
               <a:fillRect/>
             </a:stretch>
@@ -5545,7 +5556,7 @@
           <p:nvPr/>
         </p:nvPicPr>
         <p:blipFill>
-          <a:blip r:embed="rId28" cstate="print"/>
+          <a:blip r:embed="rId18" cstate="print"/>
           <a:stretch>
             <a:fillRect/>
           </a:stretch>
@@ -5569,7 +5580,7 @@
           <p:nvPr/>
         </p:nvPicPr>
         <p:blipFill>
-          <a:blip r:embed="rId29" cstate="print"/>
+          <a:blip r:embed="rId19" cstate="print"/>
           <a:stretch>
             <a:fillRect/>
           </a:stretch>
@@ -5607,7 +5618,7 @@
             <p:nvPr/>
           </p:nvPicPr>
           <p:blipFill>
-            <a:blip r:embed="rId30" cstate="print"/>
+            <a:blip r:embed="rId7" cstate="print"/>
             <a:stretch>
               <a:fillRect/>
             </a:stretch>
@@ -5646,7 +5657,7 @@
             <p:nvPr/>
           </p:nvPicPr>
           <p:blipFill>
-            <a:blip r:embed="rId31" cstate="print"/>
+            <a:blip r:embed="rId8" cstate="print"/>
             <a:stretch>
               <a:fillRect/>
             </a:stretch>
@@ -5671,7 +5682,7 @@
           <p:nvPr/>
         </p:nvPicPr>
         <p:blipFill>
-          <a:blip r:embed="rId32" cstate="print"/>
+          <a:blip r:embed="rId20" cstate="print"/>
           <a:stretch>
             <a:fillRect/>
           </a:stretch>
@@ -5695,7 +5706,7 @@
           <p:nvPr/>
         </p:nvPicPr>
         <p:blipFill>
-          <a:blip r:embed="rId33" cstate="print"/>
+          <a:blip r:embed="rId21" cstate="print"/>
           <a:stretch>
             <a:fillRect/>
           </a:stretch>
@@ -5719,7 +5730,7 @@
           <p:nvPr/>
         </p:nvPicPr>
         <p:blipFill>
-          <a:blip r:embed="rId34" cstate="print"/>
+          <a:blip r:embed="rId22" cstate="print"/>
           <a:stretch>
             <a:fillRect/>
           </a:stretch>
@@ -5757,7 +5768,7 @@
             <p:nvPr/>
           </p:nvPicPr>
           <p:blipFill>
-            <a:blip r:embed="rId35" cstate="print"/>
+            <a:blip r:embed="rId7" cstate="print"/>
             <a:stretch>
               <a:fillRect/>
             </a:stretch>
@@ -5796,7 +5807,7 @@
             <p:nvPr/>
           </p:nvPicPr>
           <p:blipFill>
-            <a:blip r:embed="rId36" cstate="print"/>
+            <a:blip r:embed="rId8" cstate="print"/>
             <a:stretch>
               <a:fillRect/>
             </a:stretch>
@@ -5821,7 +5832,7 @@
           <p:nvPr/>
         </p:nvPicPr>
         <p:blipFill>
-          <a:blip r:embed="rId37" cstate="print"/>
+          <a:blip r:embed="rId23" cstate="print"/>
           <a:stretch>
             <a:fillRect/>
           </a:stretch>
@@ -5845,7 +5856,7 @@
           <p:nvPr/>
         </p:nvPicPr>
         <p:blipFill>
-          <a:blip r:embed="rId38" cstate="print"/>
+          <a:blip r:embed="rId24" cstate="print"/>
           <a:stretch>
             <a:fillRect/>
           </a:stretch>
@@ -5869,7 +5880,7 @@
           <p:nvPr/>
         </p:nvPicPr>
         <p:blipFill>
-          <a:blip r:embed="rId39" cstate="print"/>
+          <a:blip r:embed="rId25" cstate="print"/>
           <a:stretch>
             <a:fillRect/>
           </a:stretch>
@@ -5893,7 +5904,7 @@
           <p:nvPr/>
         </p:nvPicPr>
         <p:blipFill>
-          <a:blip r:embed="rId40" cstate="print"/>
+          <a:blip r:embed="rId26" cstate="print"/>
           <a:stretch>
             <a:fillRect/>
           </a:stretch>
@@ -6268,7 +6279,7 @@
                 <p:nvPr/>
               </p:nvPicPr>
               <p:blipFill>
-                <a:blip r:embed="rId11" cstate="print"/>
+                <a:blip r:embed="rId9" cstate="print"/>
                 <a:stretch>
                   <a:fillRect/>
                 </a:stretch>
@@ -6293,7 +6304,7 @@
               <p:nvPr/>
             </p:nvPicPr>
             <p:blipFill>
-              <a:blip r:embed="rId12" cstate="print"/>
+              <a:blip r:embed="rId11" cstate="print"/>
               <a:stretch>
                 <a:fillRect/>
               </a:stretch>
@@ -6331,7 +6342,7 @@
                 <p:nvPr/>
               </p:nvPicPr>
               <p:blipFill>
-                <a:blip r:embed="rId13" cstate="print"/>
+                <a:blip r:embed="rId9" cstate="print"/>
                 <a:stretch>
                   <a:fillRect/>
                 </a:stretch>
@@ -6356,7 +6367,7 @@
               <p:nvPr/>
             </p:nvPicPr>
             <p:blipFill>
-              <a:blip r:embed="rId14" cstate="print"/>
+              <a:blip r:embed="rId11" cstate="print"/>
               <a:stretch>
                 <a:fillRect/>
               </a:stretch>
@@ -6394,7 +6405,7 @@
                 <p:nvPr/>
               </p:nvPicPr>
               <p:blipFill>
-                <a:blip r:embed="rId15" cstate="print"/>
+                <a:blip r:embed="rId9" cstate="print"/>
                 <a:stretch>
                   <a:fillRect/>
                 </a:stretch>
@@ -6419,7 +6430,7 @@
               <p:nvPr/>
             </p:nvPicPr>
             <p:blipFill>
-              <a:blip r:embed="rId16" cstate="print"/>
+              <a:blip r:embed="rId11" cstate="print"/>
               <a:stretch>
                 <a:fillRect/>
               </a:stretch>
@@ -6472,7 +6483,7 @@
                 <p:nvPr/>
               </p:nvPicPr>
               <p:blipFill>
-                <a:blip r:embed="rId17" cstate="print"/>
+                <a:blip r:embed="rId9" cstate="print"/>
                 <a:stretch>
                   <a:fillRect/>
                 </a:stretch>
@@ -6497,7 +6508,7 @@
               <p:nvPr/>
             </p:nvPicPr>
             <p:blipFill>
-              <a:blip r:embed="rId18" cstate="print"/>
+              <a:blip r:embed="rId12" cstate="print"/>
               <a:stretch>
                 <a:fillRect/>
               </a:stretch>
@@ -6537,7 +6548,7 @@
             <p:nvPr/>
           </p:nvPicPr>
           <p:blipFill>
-            <a:blip r:embed="rId19" cstate="print"/>
+            <a:blip r:embed="rId13" cstate="print"/>
             <a:stretch>
               <a:fillRect/>
             </a:stretch>
@@ -6576,7 +6587,7 @@
             <p:nvPr/>
           </p:nvPicPr>
           <p:blipFill>
-            <a:blip r:embed="rId20" cstate="print"/>
+            <a:blip r:embed="rId13" cstate="print"/>
             <a:stretch>
               <a:fillRect/>
             </a:stretch>
@@ -6615,7 +6626,7 @@
             <p:nvPr/>
           </p:nvPicPr>
           <p:blipFill>
-            <a:blip r:embed="rId21" cstate="print"/>
+            <a:blip r:embed="rId13" cstate="print"/>
             <a:stretch>
               <a:fillRect/>
             </a:stretch>
@@ -6654,7 +6665,7 @@
             <p:nvPr/>
           </p:nvPicPr>
           <p:blipFill>
-            <a:blip r:embed="rId22" cstate="print"/>
+            <a:blip r:embed="rId14" cstate="print"/>
             <a:stretch>
               <a:fillRect/>
             </a:stretch>
@@ -6679,7 +6690,7 @@
           <p:nvPr/>
         </p:nvPicPr>
         <p:blipFill>
-          <a:blip r:embed="rId23" cstate="print"/>
+          <a:blip r:embed="rId15" cstate="print"/>
           <a:stretch>
             <a:fillRect/>
           </a:stretch>
@@ -6703,7 +6714,7 @@
           <p:nvPr/>
         </p:nvPicPr>
         <p:blipFill>
-          <a:blip r:embed="rId24" cstate="print"/>
+          <a:blip r:embed="rId16" cstate="print"/>
           <a:stretch>
             <a:fillRect/>
           </a:stretch>
@@ -6741,7 +6752,7 @@
             <p:nvPr/>
           </p:nvPicPr>
           <p:blipFill>
-            <a:blip r:embed="rId25" cstate="print"/>
+            <a:blip r:embed="rId14" cstate="print"/>
             <a:stretch>
               <a:fillRect/>
             </a:stretch>
@@ -6766,7 +6777,7 @@
           <p:nvPr/>
         </p:nvPicPr>
         <p:blipFill>
-          <a:blip r:embed="rId26" cstate="print"/>
+          <a:blip r:embed="rId17" cstate="print"/>
           <a:stretch>
             <a:fillRect/>
           </a:stretch>
@@ -6790,7 +6801,7 @@
           <p:nvPr/>
         </p:nvPicPr>
         <p:blipFill>
-          <a:blip r:embed="rId27" cstate="print"/>
+          <a:blip r:embed="rId18" cstate="print"/>
           <a:stretch>
             <a:fillRect/>
           </a:stretch>
@@ -6828,7 +6839,7 @@
             <p:nvPr/>
           </p:nvPicPr>
           <p:blipFill>
-            <a:blip r:embed="rId28" cstate="print"/>
+            <a:blip r:embed="rId14" cstate="print"/>
             <a:stretch>
               <a:fillRect/>
             </a:stretch>
@@ -6853,7 +6864,7 @@
           <p:nvPr/>
         </p:nvPicPr>
         <p:blipFill>
-          <a:blip r:embed="rId29" cstate="print"/>
+          <a:blip r:embed="rId19" cstate="print"/>
           <a:stretch>
             <a:fillRect/>
           </a:stretch>
@@ -6877,7 +6888,7 @@
           <p:nvPr/>
         </p:nvPicPr>
         <p:blipFill>
-          <a:blip r:embed="rId30" cstate="print"/>
+          <a:blip r:embed="rId20" cstate="print"/>
           <a:stretch>
             <a:fillRect/>
           </a:stretch>
@@ -6929,7 +6940,7 @@
               <p:nvPr/>
             </p:nvPicPr>
             <p:blipFill>
-              <a:blip r:embed="rId31" cstate="print"/>
+              <a:blip r:embed="rId13" cstate="print"/>
               <a:stretch>
                 <a:fillRect/>
               </a:stretch>
@@ -6968,7 +6979,7 @@
               <p:nvPr/>
             </p:nvPicPr>
             <p:blipFill>
-              <a:blip r:embed="rId32" cstate="print"/>
+              <a:blip r:embed="rId14" cstate="print"/>
               <a:stretch>
                 <a:fillRect/>
               </a:stretch>
@@ -6993,7 +7004,7 @@
             <p:nvPr/>
           </p:nvPicPr>
           <p:blipFill>
-            <a:blip r:embed="rId33" cstate="print"/>
+            <a:blip r:embed="rId21" cstate="print"/>
             <a:stretch>
               <a:fillRect/>
             </a:stretch>
@@ -7017,7 +7028,7 @@
             <p:nvPr/>
           </p:nvPicPr>
           <p:blipFill>
-            <a:blip r:embed="rId34" cstate="print"/>
+            <a:blip r:embed="rId22" cstate="print"/>
             <a:stretch>
               <a:fillRect/>
             </a:stretch>
@@ -7041,10 +7052,10 @@
         </p:nvGrpSpPr>
         <p:grpSpPr>
           <a:xfrm>
-            <a:off x="14318562" y="5142857"/>
-            <a:ext cx="2999021" cy="3440741"/>
-            <a:chOff x="14318562" y="5142857"/>
-            <a:chExt cx="2999021" cy="3440741"/>
+            <a:off x="13702149" y="5363717"/>
+            <a:ext cx="3836294" cy="2999021"/>
+            <a:chOff x="13702149" y="5363717"/>
+            <a:chExt cx="3836294" cy="2999021"/>
           </a:xfrm>
         </p:grpSpPr>
         <p:grpSp>
@@ -7070,7 +7081,7 @@
               <p:nvPr/>
             </p:nvPicPr>
             <p:blipFill>
-              <a:blip r:embed="rId35" cstate="print"/>
+              <a:blip r:embed="rId13" cstate="print"/>
               <a:stretch>
                 <a:fillRect/>
               </a:stretch>
@@ -7109,7 +7120,7 @@
               <p:nvPr/>
             </p:nvPicPr>
             <p:blipFill>
-              <a:blip r:embed="rId36" cstate="print"/>
+              <a:blip r:embed="rId14" cstate="print"/>
               <a:stretch>
                 <a:fillRect/>
               </a:stretch>
@@ -7134,7 +7145,7 @@
             <p:nvPr/>
           </p:nvPicPr>
           <p:blipFill>
-            <a:blip r:embed="rId37" cstate="print"/>
+            <a:blip r:embed="rId23" cstate="print"/>
             <a:stretch>
               <a:fillRect/>
             </a:stretch>
@@ -7158,7 +7169,7 @@
             <p:nvPr/>
           </p:nvPicPr>
           <p:blipFill>
-            <a:blip r:embed="rId38" cstate="print"/>
+            <a:blip r:embed="rId24" cstate="print"/>
             <a:stretch>
               <a:fillRect/>
             </a:stretch>
@@ -7560,7 +7571,7 @@
             <p:nvPr/>
           </p:nvPicPr>
           <p:blipFill>
-            <a:blip r:embed="rId12" cstate="print"/>
+            <a:blip r:embed="rId6" cstate="print"/>
             <a:stretch>
               <a:fillRect/>
             </a:stretch>
@@ -7599,7 +7610,7 @@
             <p:nvPr/>
           </p:nvPicPr>
           <p:blipFill>
-            <a:blip r:embed="rId13" cstate="print"/>
+            <a:blip r:embed="rId7" cstate="print"/>
             <a:stretch>
               <a:fillRect/>
             </a:stretch>
@@ -7638,7 +7649,7 @@
             <p:nvPr/>
           </p:nvPicPr>
           <p:blipFill>
-            <a:blip r:embed="rId14" cstate="print"/>
+            <a:blip r:embed="rId12" cstate="print"/>
             <a:stretch>
               <a:fillRect/>
             </a:stretch>
@@ -7663,7 +7674,7 @@
           <p:nvPr/>
         </p:nvPicPr>
         <p:blipFill>
-          <a:blip r:embed="rId15" cstate="print"/>
+          <a:blip r:embed="rId13" cstate="print"/>
           <a:stretch>
             <a:fillRect/>
           </a:stretch>
@@ -7687,7 +7698,7 @@
           <p:nvPr/>
         </p:nvPicPr>
         <p:blipFill>
-          <a:blip r:embed="rId16" cstate="print"/>
+          <a:blip r:embed="rId14" cstate="print"/>
           <a:stretch>
             <a:fillRect/>
           </a:stretch>
@@ -7711,7 +7722,7 @@
           <p:nvPr/>
         </p:nvPicPr>
         <p:blipFill>
-          <a:blip r:embed="rId17" cstate="print"/>
+          <a:blip r:embed="rId15" cstate="print"/>
           <a:stretch>
             <a:fillRect/>
           </a:stretch>
@@ -7735,7 +7746,7 @@
           <p:nvPr/>
         </p:nvPicPr>
         <p:blipFill>
-          <a:blip r:embed="rId18" cstate="print"/>
+          <a:blip r:embed="rId16" cstate="print"/>
           <a:stretch>
             <a:fillRect/>
           </a:stretch>
@@ -7759,7 +7770,7 @@
           <p:nvPr/>
         </p:nvPicPr>
         <p:blipFill>
-          <a:blip r:embed="rId19" cstate="print"/>
+          <a:blip r:embed="rId17" cstate="print"/>
           <a:stretch>
             <a:fillRect/>
           </a:stretch>
@@ -8121,7 +8132,7 @@
             <p:nvPr/>
           </p:nvPicPr>
           <p:blipFill>
-            <a:blip r:embed="rId11" cstate="print"/>
+            <a:blip r:embed="rId6" cstate="print"/>
             <a:stretch>
               <a:fillRect/>
             </a:stretch>
@@ -8160,7 +8171,7 @@
             <p:nvPr/>
           </p:nvPicPr>
           <p:blipFill>
-            <a:blip r:embed="rId12" cstate="print"/>
+            <a:blip r:embed="rId7" cstate="print"/>
             <a:stretch>
               <a:fillRect/>
             </a:stretch>
@@ -8185,7 +8196,7 @@
           <p:nvPr/>
         </p:nvPicPr>
         <p:blipFill>
-          <a:blip r:embed="rId13" cstate="print"/>
+          <a:blip r:embed="rId11" cstate="print"/>
           <a:stretch>
             <a:fillRect/>
           </a:stretch>
@@ -8209,7 +8220,7 @@
           <p:nvPr/>
         </p:nvPicPr>
         <p:blipFill>
-          <a:blip r:embed="rId14" cstate="print"/>
+          <a:blip r:embed="rId12" cstate="print"/>
           <a:stretch>
             <a:fillRect/>
           </a:stretch>
@@ -8233,7 +8244,7 @@
           <p:nvPr/>
         </p:nvPicPr>
         <p:blipFill>
-          <a:blip r:embed="rId15" cstate="print"/>
+          <a:blip r:embed="rId13" cstate="print"/>
           <a:stretch>
             <a:fillRect/>
           </a:stretch>
@@ -8257,7 +8268,7 @@
           <p:nvPr/>
         </p:nvPicPr>
         <p:blipFill>
-          <a:blip r:embed="rId16" cstate="print"/>
+          <a:blip r:embed="rId14" cstate="print"/>
           <a:stretch>
             <a:fillRect/>
           </a:stretch>
@@ -8619,7 +8630,7 @@
             <p:nvPr/>
           </p:nvPicPr>
           <p:blipFill>
-            <a:blip r:embed="rId11" cstate="print"/>
+            <a:blip r:embed="rId6" cstate="print"/>
             <a:stretch>
               <a:fillRect/>
             </a:stretch>
@@ -8658,7 +8669,7 @@
             <p:nvPr/>
           </p:nvPicPr>
           <p:blipFill>
-            <a:blip r:embed="rId12" cstate="print"/>
+            <a:blip r:embed="rId7" cstate="print"/>
             <a:stretch>
               <a:fillRect/>
             </a:stretch>
@@ -8683,7 +8694,7 @@
           <p:nvPr/>
         </p:nvPicPr>
         <p:blipFill>
-          <a:blip r:embed="rId13" cstate="print"/>
+          <a:blip r:embed="rId11" cstate="print"/>
           <a:stretch>
             <a:fillRect/>
           </a:stretch>
@@ -8707,7 +8718,7 @@
           <p:nvPr/>
         </p:nvPicPr>
         <p:blipFill>
-          <a:blip r:embed="rId14" cstate="print"/>
+          <a:blip r:embed="rId12" cstate="print"/>
           <a:stretch>
             <a:fillRect/>
           </a:stretch>
@@ -8731,7 +8742,7 @@
           <p:nvPr/>
         </p:nvPicPr>
         <p:blipFill>
-          <a:blip r:embed="rId15" cstate="print"/>
+          <a:blip r:embed="rId13" cstate="print"/>
           <a:stretch>
             <a:fillRect/>
           </a:stretch>
@@ -8755,7 +8766,7 @@
           <p:nvPr/>
         </p:nvPicPr>
         <p:blipFill>
-          <a:blip r:embed="rId16" cstate="print"/>
+          <a:blip r:embed="rId14" cstate="print"/>
           <a:stretch>
             <a:fillRect/>
           </a:stretch>
@@ -9117,7 +9128,7 @@
             <p:nvPr/>
           </p:nvPicPr>
           <p:blipFill>
-            <a:blip r:embed="rId11" cstate="print"/>
+            <a:blip r:embed="rId6" cstate="print"/>
             <a:stretch>
               <a:fillRect/>
             </a:stretch>
@@ -9156,7 +9167,7 @@
             <p:nvPr/>
           </p:nvPicPr>
           <p:blipFill>
-            <a:blip r:embed="rId12" cstate="print"/>
+            <a:blip r:embed="rId7" cstate="print"/>
             <a:stretch>
               <a:fillRect/>
             </a:stretch>
@@ -9195,7 +9206,7 @@
             <p:nvPr/>
           </p:nvPicPr>
           <p:blipFill>
-            <a:blip r:embed="rId13" cstate="print"/>
+            <a:blip r:embed="rId8" cstate="print"/>
             <a:stretch>
               <a:fillRect/>
             </a:stretch>
@@ -9220,7 +9231,7 @@
           <p:nvPr/>
         </p:nvPicPr>
         <p:blipFill>
-          <a:blip r:embed="rId14" cstate="print"/>
+          <a:blip r:embed="rId11" cstate="print"/>
           <a:stretch>
             <a:fillRect/>
           </a:stretch>
@@ -9244,7 +9255,7 @@
           <p:nvPr/>
         </p:nvPicPr>
         <p:blipFill>
-          <a:blip r:embed="rId15" cstate="print"/>
+          <a:blip r:embed="rId12" cstate="print"/>
           <a:stretch>
             <a:fillRect/>
           </a:stretch>
@@ -9282,7 +9293,7 @@
             <p:nvPr/>
           </p:nvPicPr>
           <p:blipFill>
-            <a:blip r:embed="rId16" cstate="print"/>
+            <a:blip r:embed="rId6" cstate="print"/>
             <a:stretch>
               <a:fillRect/>
             </a:stretch>
@@ -9321,7 +9332,7 @@
             <p:nvPr/>
           </p:nvPicPr>
           <p:blipFill>
-            <a:blip r:embed="rId17" cstate="print"/>
+            <a:blip r:embed="rId7" cstate="print"/>
             <a:stretch>
               <a:fillRect/>
             </a:stretch>
@@ -9360,7 +9371,7 @@
             <p:nvPr/>
           </p:nvPicPr>
           <p:blipFill>
-            <a:blip r:embed="rId18" cstate="print"/>
+            <a:blip r:embed="rId8" cstate="print"/>
             <a:stretch>
               <a:fillRect/>
             </a:stretch>
@@ -9385,7 +9396,7 @@
           <p:nvPr/>
         </p:nvPicPr>
         <p:blipFill>
-          <a:blip r:embed="rId19" cstate="print"/>
+          <a:blip r:embed="rId13" cstate="print"/>
           <a:stretch>
             <a:fillRect/>
           </a:stretch>
@@ -9409,7 +9420,7 @@
           <p:nvPr/>
         </p:nvPicPr>
         <p:blipFill>
-          <a:blip r:embed="rId20" cstate="print"/>
+          <a:blip r:embed="rId14" cstate="print"/>
           <a:stretch>
             <a:fillRect/>
           </a:stretch>
@@ -9447,7 +9458,7 @@
             <p:nvPr/>
           </p:nvPicPr>
           <p:blipFill>
-            <a:blip r:embed="rId21" cstate="print"/>
+            <a:blip r:embed="rId15" cstate="print"/>
             <a:stretch>
               <a:fillRect/>
             </a:stretch>
@@ -9472,7 +9483,7 @@
           <p:nvPr/>
         </p:nvPicPr>
         <p:blipFill>
-          <a:blip r:embed="rId22" cstate="print"/>
+          <a:blip r:embed="rId16" cstate="print"/>
           <a:stretch>
             <a:fillRect/>
           </a:stretch>
@@ -9496,7 +9507,7 @@
           <p:nvPr/>
         </p:nvPicPr>
         <p:blipFill>
-          <a:blip r:embed="rId23" cstate="print"/>
+          <a:blip r:embed="rId17" cstate="print"/>
           <a:stretch>
             <a:fillRect/>
           </a:stretch>
@@ -9897,7 +9908,7 @@
             <p:nvPr/>
           </p:nvPicPr>
           <p:blipFill>
-            <a:blip r:embed="rId12" cstate="print"/>
+            <a:blip r:embed="rId6" cstate="print"/>
             <a:stretch>
               <a:fillRect/>
             </a:stretch>
@@ -9936,7 +9947,7 @@
             <p:nvPr/>
           </p:nvPicPr>
           <p:blipFill>
-            <a:blip r:embed="rId13" cstate="print"/>
+            <a:blip r:embed="rId7" cstate="print"/>
             <a:stretch>
               <a:fillRect/>
             </a:stretch>
@@ -9975,7 +9986,7 @@
             <p:nvPr/>
           </p:nvPicPr>
           <p:blipFill>
-            <a:blip r:embed="rId14" cstate="print"/>
+            <a:blip r:embed="rId12" cstate="print"/>
             <a:stretch>
               <a:fillRect/>
             </a:stretch>
@@ -10000,7 +10011,7 @@
           <p:nvPr/>
         </p:nvPicPr>
         <p:blipFill>
-          <a:blip r:embed="rId15" cstate="print"/>
+          <a:blip r:embed="rId13" cstate="print"/>
           <a:stretch>
             <a:fillRect/>
           </a:stretch>
@@ -10024,7 +10035,7 @@
           <p:nvPr/>
         </p:nvPicPr>
         <p:blipFill>
-          <a:blip r:embed="rId16" cstate="print"/>
+          <a:blip r:embed="rId14" cstate="print"/>
           <a:stretch>
             <a:fillRect/>
           </a:stretch>
@@ -10048,7 +10059,7 @@
           <p:nvPr/>
         </p:nvPicPr>
         <p:blipFill>
-          <a:blip r:embed="rId17" cstate="print"/>
+          <a:blip r:embed="rId15" cstate="print"/>
           <a:stretch>
             <a:fillRect/>
           </a:stretch>
@@ -10072,7 +10083,7 @@
           <p:nvPr/>
         </p:nvPicPr>
         <p:blipFill>
-          <a:blip r:embed="rId18" cstate="print"/>
+          <a:blip r:embed="rId16" cstate="print"/>
           <a:stretch>
             <a:fillRect/>
           </a:stretch>
@@ -10434,7 +10445,7 @@
             <p:nvPr/>
           </p:nvPicPr>
           <p:blipFill>
-            <a:blip r:embed="rId11" cstate="print"/>
+            <a:blip r:embed="rId6" cstate="print"/>
             <a:stretch>
               <a:fillRect/>
             </a:stretch>
@@ -10473,7 +10484,7 @@
             <p:nvPr/>
           </p:nvPicPr>
           <p:blipFill>
-            <a:blip r:embed="rId12" cstate="print"/>
+            <a:blip r:embed="rId7" cstate="print"/>
             <a:stretch>
               <a:fillRect/>
             </a:stretch>
@@ -10512,7 +10523,7 @@
             <p:nvPr/>
           </p:nvPicPr>
           <p:blipFill>
-            <a:blip r:embed="rId13" cstate="print"/>
+            <a:blip r:embed="rId8" cstate="print"/>
             <a:stretch>
               <a:fillRect/>
             </a:stretch>
@@ -10537,7 +10548,7 @@
           <p:nvPr/>
         </p:nvPicPr>
         <p:blipFill>
-          <a:blip r:embed="rId14" cstate="print"/>
+          <a:blip r:embed="rId11" cstate="print"/>
           <a:stretch>
             <a:fillRect/>
           </a:stretch>
@@ -10561,7 +10572,7 @@
           <p:nvPr/>
         </p:nvPicPr>
         <p:blipFill>
-          <a:blip r:embed="rId15" cstate="print"/>
+          <a:blip r:embed="rId12" cstate="print"/>
           <a:stretch>
             <a:fillRect/>
           </a:stretch>
@@ -10599,7 +10610,7 @@
             <p:nvPr/>
           </p:nvPicPr>
           <p:blipFill>
-            <a:blip r:embed="rId16" cstate="print"/>
+            <a:blip r:embed="rId6" cstate="print"/>
             <a:stretch>
               <a:fillRect/>
             </a:stretch>
@@ -10638,7 +10649,7 @@
             <p:nvPr/>
           </p:nvPicPr>
           <p:blipFill>
-            <a:blip r:embed="rId17" cstate="print"/>
+            <a:blip r:embed="rId7" cstate="print"/>
             <a:stretch>
               <a:fillRect/>
             </a:stretch>
@@ -10677,7 +10688,7 @@
             <p:nvPr/>
           </p:nvPicPr>
           <p:blipFill>
-            <a:blip r:embed="rId18" cstate="print"/>
+            <a:blip r:embed="rId8" cstate="print"/>
             <a:stretch>
               <a:fillRect/>
             </a:stretch>
@@ -10702,7 +10713,7 @@
           <p:nvPr/>
         </p:nvPicPr>
         <p:blipFill>
-          <a:blip r:embed="rId19" cstate="print"/>
+          <a:blip r:embed="rId13" cstate="print"/>
           <a:stretch>
             <a:fillRect/>
           </a:stretch>
@@ -10726,7 +10737,7 @@
           <p:nvPr/>
         </p:nvPicPr>
         <p:blipFill>
-          <a:blip r:embed="rId20" cstate="print"/>
+          <a:blip r:embed="rId14" cstate="print"/>
           <a:stretch>
             <a:fillRect/>
           </a:stretch>
@@ -10764,7 +10775,7 @@
             <p:nvPr/>
           </p:nvPicPr>
           <p:blipFill>
-            <a:blip r:embed="rId21" cstate="print"/>
+            <a:blip r:embed="rId15" cstate="print"/>
             <a:stretch>
               <a:fillRect/>
             </a:stretch>
@@ -10789,7 +10800,7 @@
           <p:nvPr/>
         </p:nvPicPr>
         <p:blipFill>
-          <a:blip r:embed="rId22" cstate="print"/>
+          <a:blip r:embed="rId16" cstate="print"/>
           <a:stretch>
             <a:fillRect/>
           </a:stretch>
@@ -10813,7 +10824,7 @@
           <p:nvPr/>
         </p:nvPicPr>
         <p:blipFill>
-          <a:blip r:embed="rId23" cstate="print"/>
+          <a:blip r:embed="rId17" cstate="print"/>
           <a:stretch>
             <a:fillRect/>
           </a:stretch>

--- a/발표자료/ToDoBest발표-자료.pptx
+++ b/발표자료/ToDoBest발표-자료.pptx
@@ -17,8 +17,10 @@
     <p:sldId id="265" r:id="rId11"/>
     <p:sldId id="266" r:id="rId12"/>
     <p:sldId id="267" r:id="rId13"/>
+    <p:sldId id="268" r:id="rId14"/>
+    <p:sldId id="269" r:id="rId15"/>
   </p:sldIdLst>
-  <p:sldSz cx="18288000" cy="10287000"/>
+  <p:sldSz cx="18288000" cy="10287000" type="screen4x3"/>
   <p:notesSz cx="10287000" cy="18288000"/>
   <p:defaultTextStyle>
     <a:defPPr>
@@ -117,18 +119,7 @@
   </p:defaultTextStyle>
   <p:extLst>
     <p:ext uri="{EFAFB233-063F-42B5-8137-9DF3F51BA10A}">
-      <p15:sldGuideLst xmlns:p15="http://schemas.microsoft.com/office/powerpoint/2012/main">
-        <p15:guide id="1" orient="horz" pos="2160">
-          <p15:clr>
-            <a:srgbClr val="A4A3A4"/>
-          </p15:clr>
-        </p15:guide>
-        <p15:guide id="2" pos="2880">
-          <p15:clr>
-            <a:srgbClr val="A4A3A4"/>
-          </p15:clr>
-        </p15:guide>
-      </p15:sldGuideLst>
+      <p15:sldGuideLst xmlns:p15="http://schemas.microsoft.com/office/powerpoint/2012/main"/>
     </p:ext>
   </p:extLst>
 </p:presentation>
@@ -480,7 +471,7 @@
           <a:p>
             <a:fld id="{A76116CE-C4A3-4A05-B2D7-7C2E9A889C0F}" type="datetimeFigureOut">
               <a:rPr lang="en-US" smtClean="0"/>
-              <a:t>5/21/2024</a:t>
+              <a:t>1/30/2017</a:t>
             </a:fld>
             <a:endParaRPr lang="en-US"/>
           </a:p>
@@ -655,7 +646,7 @@
           <a:p>
             <a:fld id="{A76116CE-C4A3-4A05-B2D7-7C2E9A889C0F}" type="datetimeFigureOut">
               <a:rPr lang="en-US" smtClean="0"/>
-              <a:t>5/21/2024</a:t>
+              <a:t>1/30/2017</a:t>
             </a:fld>
             <a:endParaRPr lang="en-US"/>
           </a:p>
@@ -1346,7 +1337,7 @@
           <a:p>
             <a:fld id="{A76116CE-C4A3-4A05-B2D7-7C2E9A889C0F}" type="datetimeFigureOut">
               <a:rPr lang="en-US" smtClean="0"/>
-              <a:t>5/21/2024</a:t>
+              <a:t>1/30/2017</a:t>
             </a:fld>
             <a:endParaRPr lang="en-US"/>
           </a:p>
@@ -1763,7 +1754,7 @@
           <a:p>
             <a:fld id="{A76116CE-C4A3-4A05-B2D7-7C2E9A889C0F}" type="datetimeFigureOut">
               <a:rPr lang="en-US" smtClean="0"/>
-              <a:t>5/21/2024</a:t>
+              <a:t>1/30/2017</a:t>
             </a:fld>
             <a:endParaRPr lang="en-US"/>
           </a:p>
@@ -1876,7 +1867,7 @@
           <a:p>
             <a:fld id="{A76116CE-C4A3-4A05-B2D7-7C2E9A889C0F}" type="datetimeFigureOut">
               <a:rPr lang="en-US" smtClean="0"/>
-              <a:t>5/21/2024</a:t>
+              <a:t>1/30/2017</a:t>
             </a:fld>
             <a:endParaRPr lang="en-US"/>
           </a:p>
@@ -1966,7 +1957,7 @@
           <a:p>
             <a:fld id="{A76116CE-C4A3-4A05-B2D7-7C2E9A889C0F}" type="datetimeFigureOut">
               <a:rPr lang="en-US" smtClean="0"/>
-              <a:t>5/21/2024</a:t>
+              <a:t>1/30/2017</a:t>
             </a:fld>
             <a:endParaRPr lang="en-US"/>
           </a:p>
@@ -2238,7 +2229,7 @@
           <a:p>
             <a:fld id="{A76116CE-C4A3-4A05-B2D7-7C2E9A889C0F}" type="datetimeFigureOut">
               <a:rPr lang="en-US" smtClean="0"/>
-              <a:t>5/21/2024</a:t>
+              <a:t>1/30/2017</a:t>
             </a:fld>
             <a:endParaRPr lang="en-US"/>
           </a:p>
@@ -2486,7 +2477,7 @@
           <a:p>
             <a:fld id="{A76116CE-C4A3-4A05-B2D7-7C2E9A889C0F}" type="datetimeFigureOut">
               <a:rPr lang="en-US" smtClean="0"/>
-              <a:t>5/21/2024</a:t>
+              <a:t>1/30/2017</a:t>
             </a:fld>
             <a:endParaRPr lang="en-US"/>
           </a:p>
@@ -2694,7 +2685,7 @@
           <a:p>
             <a:fld id="{F8166F1F-CE9B-4651-A6AA-CD717754106B}" type="datetimeFigureOut">
               <a:rPr lang="en-US" smtClean="0"/>
-              <a:t>5/21/2024</a:t>
+              <a:t>6/13/2013</a:t>
             </a:fld>
             <a:endParaRPr lang="en-US"/>
           </a:p>
@@ -2772,7 +2763,7 @@
           <a:p>
             <a:fld id="{F7021451-1387-4CA6-816F-3879F97B5CBC}" type="slidenum">
               <a:rPr lang="en-US" smtClean="0"/>
-              <a:t>‹#›</a:t>
+              <a:t>�#�</a:t>
             </a:fld>
             <a:endParaRPr lang="en-US"/>
           </a:p>
@@ -2783,16 +2774,16 @@
   <p:clrMap bg1="lt1" tx1="dk1" bg2="lt2" tx2="dk2" accent1="accent1" accent2="accent2" accent3="accent3" accent4="accent4" accent5="accent5" accent6="accent6" hlink="hlink" folHlink="folHlink"/>
   <p:sldLayoutIdLst>
     <p:sldLayoutId id="2147483649" r:id="rId1"/>
-    <p:sldLayoutId id="2147483650" r:id="rId2"/>
-    <p:sldLayoutId id="2147483651" r:id="rId3"/>
-    <p:sldLayoutId id="2147483652" r:id="rId4"/>
-    <p:sldLayoutId id="2147483653" r:id="rId5"/>
-    <p:sldLayoutId id="2147483654" r:id="rId6"/>
-    <p:sldLayoutId id="2147483655" r:id="rId7"/>
-    <p:sldLayoutId id="2147483656" r:id="rId8"/>
-    <p:sldLayoutId id="2147483657" r:id="rId9"/>
-    <p:sldLayoutId id="2147483658" r:id="rId10"/>
-    <p:sldLayoutId id="2147483659" r:id="rId11"/>
+    <p:sldLayoutId id="2147483650" r:id="rId3"/>
+    <p:sldLayoutId id="2147483651" r:id="rId4"/>
+    <p:sldLayoutId id="2147483652" r:id="rId5"/>
+    <p:sldLayoutId id="2147483653" r:id="rId6"/>
+    <p:sldLayoutId id="2147483654" r:id="rId7"/>
+    <p:sldLayoutId id="2147483655" r:id="rId8"/>
+    <p:sldLayoutId id="2147483656" r:id="rId9"/>
+    <p:sldLayoutId id="2147483657" r:id="rId10"/>
+    <p:sldLayoutId id="2147483658" r:id="rId11"/>
+    <p:sldLayoutId id="2147483659" r:id="rId12"/>
   </p:sldLayoutIdLst>
   <p:txStyles>
     <p:titleStyle>
@@ -3413,10 +3404,10 @@
         </p:nvGrpSpPr>
         <p:grpSpPr>
           <a:xfrm>
-            <a:off x="1053846" y="3657143"/>
-            <a:ext cx="16178022" cy="21429"/>
-            <a:chOff x="1053846" y="3657143"/>
-            <a:chExt cx="16178022" cy="21429"/>
+            <a:off x="2961485" y="6017310"/>
+            <a:ext cx="7452421" cy="21429"/>
+            <a:chOff x="2961485" y="6017310"/>
+            <a:chExt cx="7452421" cy="21429"/>
           </a:xfrm>
         </p:grpSpPr>
         <p:pic>
@@ -3434,9 +3425,9 @@
             </a:stretch>
           </p:blipFill>
           <p:spPr>
-            <a:xfrm>
-              <a:off x="1053846" y="3657143"/>
-              <a:ext cx="16178022" cy="21429"/>
+            <a:xfrm rot="5400000">
+              <a:off x="2961485" y="6017310"/>
+              <a:ext cx="7452421" cy="21429"/>
             </a:xfrm>
             <a:prstGeom prst="rect">
               <a:avLst/>
@@ -3444,6 +3435,30 @@
           </p:spPr>
         </p:pic>
       </p:grpSp>
+      <p:pic>
+        <p:nvPicPr>
+          <p:cNvPr id="9" name="Object 8"/>
+          <p:cNvPicPr>
+            <a:picLocks noChangeAspect="1"/>
+          </p:cNvPicPr>
+          <p:nvPr/>
+        </p:nvPicPr>
+        <p:blipFill>
+          <a:blip r:embed="rId5" cstate="print"/>
+          <a:stretch>
+            <a:fillRect/>
+          </a:stretch>
+        </p:blipFill>
+        <p:spPr>
+          <a:xfrm>
+            <a:off x="1800324" y="832049"/>
+            <a:ext cx="5207952" cy="693724"/>
+          </a:xfrm>
+          <a:prstGeom prst="rect">
+            <a:avLst/>
+          </a:prstGeom>
+        </p:spPr>
+      </p:pic>
       <p:grpSp>
         <p:nvGrpSpPr>
           <p:cNvPr id="1003" name="그룹 1003"/>
@@ -3452,30 +3467,30 @@
         </p:nvGrpSpPr>
         <p:grpSpPr>
           <a:xfrm>
-            <a:off x="2120195" y="2859641"/>
-            <a:ext cx="1246589" cy="21429"/>
-            <a:chOff x="2120195" y="2859641"/>
-            <a:chExt cx="1246589" cy="21429"/>
+            <a:off x="6860530" y="4229370"/>
+            <a:ext cx="5859977" cy="4576522"/>
+            <a:chOff x="6860530" y="4229370"/>
+            <a:chExt cx="5859977" cy="4576522"/>
           </a:xfrm>
         </p:grpSpPr>
         <p:pic>
           <p:nvPicPr>
-            <p:cNvPr id="10" name="Object 9"/>
-            <p:cNvPicPr>
-              <a:picLocks noChangeAspect="1"/>
-            </p:cNvPicPr>
-            <p:nvPr/>
-          </p:nvPicPr>
-          <p:blipFill>
-            <a:blip r:embed="rId5" cstate="print"/>
-            <a:stretch>
-              <a:fillRect/>
-            </a:stretch>
-          </p:blipFill>
-          <p:spPr>
-            <a:xfrm rot="5400000">
-              <a:off x="2120195" y="2859641"/>
-              <a:ext cx="1246589" cy="21429"/>
+            <p:cNvPr id="11" name="Object 10"/>
+            <p:cNvPicPr>
+              <a:picLocks noChangeAspect="1"/>
+            </p:cNvPicPr>
+            <p:nvPr/>
+          </p:nvPicPr>
+          <p:blipFill>
+            <a:blip r:embed="rId6" cstate="print"/>
+            <a:stretch>
+              <a:fillRect/>
+            </a:stretch>
+          </p:blipFill>
+          <p:spPr>
+            <a:xfrm rot="-5400000">
+              <a:off x="6860530" y="4229370"/>
+              <a:ext cx="5859977" cy="4576522"/>
             </a:xfrm>
             <a:prstGeom prst="rect">
               <a:avLst/>
@@ -3483,78 +3498,6 @@
           </p:spPr>
         </p:pic>
       </p:grpSp>
-      <p:pic>
-        <p:nvPicPr>
-          <p:cNvPr id="12" name="Object 11"/>
-          <p:cNvPicPr>
-            <a:picLocks noChangeAspect="1"/>
-          </p:cNvPicPr>
-          <p:nvPr/>
-        </p:nvPicPr>
-        <p:blipFill>
-          <a:blip r:embed="rId6" cstate="print"/>
-          <a:stretch>
-            <a:fillRect/>
-          </a:stretch>
-        </p:blipFill>
-        <p:spPr>
-          <a:xfrm>
-            <a:off x="2966118" y="1856902"/>
-            <a:ext cx="3777810" cy="2349924"/>
-          </a:xfrm>
-          <a:prstGeom prst="rect">
-            <a:avLst/>
-          </a:prstGeom>
-        </p:spPr>
-      </p:pic>
-      <p:pic>
-        <p:nvPicPr>
-          <p:cNvPr id="13" name="Object 12"/>
-          <p:cNvPicPr>
-            <a:picLocks noChangeAspect="1"/>
-          </p:cNvPicPr>
-          <p:nvPr/>
-        </p:nvPicPr>
-        <p:blipFill>
-          <a:blip r:embed="rId7" cstate="print"/>
-          <a:stretch>
-            <a:fillRect/>
-          </a:stretch>
-        </p:blipFill>
-        <p:spPr>
-          <a:xfrm>
-            <a:off x="1800324" y="832049"/>
-            <a:ext cx="5207952" cy="693724"/>
-          </a:xfrm>
-          <a:prstGeom prst="rect">
-            <a:avLst/>
-          </a:prstGeom>
-        </p:spPr>
-      </p:pic>
-      <p:pic>
-        <p:nvPicPr>
-          <p:cNvPr id="14" name="Object 13"/>
-          <p:cNvPicPr>
-            <a:picLocks noChangeAspect="1"/>
-          </p:cNvPicPr>
-          <p:nvPr/>
-        </p:nvPicPr>
-        <p:blipFill>
-          <a:blip r:embed="rId8" cstate="print"/>
-          <a:stretch>
-            <a:fillRect/>
-          </a:stretch>
-        </p:blipFill>
-        <p:spPr>
-          <a:xfrm>
-            <a:off x="879305" y="1800925"/>
-            <a:ext cx="2392210" cy="2401267"/>
-          </a:xfrm>
-          <a:prstGeom prst="rect">
-            <a:avLst/>
-          </a:prstGeom>
-        </p:spPr>
-      </p:pic>
       <p:grpSp>
         <p:nvGrpSpPr>
           <p:cNvPr id="1004" name="그룹 1004"/>
@@ -3563,30 +3506,30 @@
         </p:nvGrpSpPr>
         <p:grpSpPr>
           <a:xfrm>
-            <a:off x="1053846" y="4272698"/>
-            <a:ext cx="16178022" cy="5174935"/>
-            <a:chOff x="1053846" y="4272698"/>
-            <a:chExt cx="16178022" cy="5174935"/>
+            <a:off x="7542942" y="2833084"/>
+            <a:ext cx="4495153" cy="613650"/>
+            <a:chOff x="7542942" y="2833084"/>
+            <a:chExt cx="4495153" cy="613650"/>
           </a:xfrm>
         </p:grpSpPr>
         <p:pic>
           <p:nvPicPr>
-            <p:cNvPr id="16" name="Object 15"/>
-            <p:cNvPicPr>
-              <a:picLocks noChangeAspect="1"/>
-            </p:cNvPicPr>
-            <p:nvPr/>
-          </p:nvPicPr>
-          <p:blipFill>
-            <a:blip r:embed="rId9" cstate="print"/>
+            <p:cNvPr id="14" name="Object 13"/>
+            <p:cNvPicPr>
+              <a:picLocks noChangeAspect="1"/>
+            </p:cNvPicPr>
+            <p:nvPr/>
+          </p:nvPicPr>
+          <p:blipFill>
+            <a:blip r:embed="rId7" cstate="print"/>
             <a:stretch>
               <a:fillRect/>
             </a:stretch>
           </p:blipFill>
           <p:spPr>
             <a:xfrm>
-              <a:off x="1053846" y="4272698"/>
-              <a:ext cx="16178022" cy="5174935"/>
+              <a:off x="7542942" y="2833084"/>
+              <a:ext cx="4495153" cy="613650"/>
             </a:xfrm>
             <a:prstGeom prst="rect">
               <a:avLst/>
@@ -3602,150 +3545,30 @@
         </p:nvGrpSpPr>
         <p:grpSpPr>
           <a:xfrm>
-            <a:off x="1261581" y="4281587"/>
-            <a:ext cx="16178022" cy="1722540"/>
-            <a:chOff x="1261581" y="4281587"/>
-            <a:chExt cx="16178022" cy="1722540"/>
+            <a:off x="1479236" y="3514286"/>
+            <a:ext cx="1123950" cy="21429"/>
+            <a:chOff x="1479236" y="3514286"/>
+            <a:chExt cx="1123950" cy="21429"/>
           </a:xfrm>
         </p:grpSpPr>
         <p:pic>
           <p:nvPicPr>
-            <p:cNvPr id="19" name="Object 18"/>
-            <p:cNvPicPr>
-              <a:picLocks noChangeAspect="1"/>
-            </p:cNvPicPr>
-            <p:nvPr/>
-          </p:nvPicPr>
-          <p:blipFill>
-            <a:blip r:embed="rId10" cstate="print"/>
+            <p:cNvPr id="17" name="Object 16"/>
+            <p:cNvPicPr>
+              <a:picLocks noChangeAspect="1"/>
+            </p:cNvPicPr>
+            <p:nvPr/>
+          </p:nvPicPr>
+          <p:blipFill>
+            <a:blip r:embed="rId8" cstate="print"/>
             <a:stretch>
               <a:fillRect/>
             </a:stretch>
           </p:blipFill>
           <p:spPr>
             <a:xfrm>
-              <a:off x="1114914" y="4099683"/>
-              <a:ext cx="6888800" cy="1223810"/>
-            </a:xfrm>
-            <a:prstGeom prst="rect">
-              <a:avLst/>
-            </a:prstGeom>
-          </p:spPr>
-        </p:pic>
-        <p:pic>
-          <p:nvPicPr>
-            <p:cNvPr id="20" name="Object 19"/>
-            <p:cNvPicPr>
-              <a:picLocks noChangeAspect="1"/>
-            </p:cNvPicPr>
-            <p:nvPr/>
-          </p:nvPicPr>
-          <p:blipFill>
-            <a:blip r:embed="rId11" cstate="print"/>
-            <a:stretch>
-              <a:fillRect/>
-            </a:stretch>
-          </p:blipFill>
-          <p:spPr>
-            <a:xfrm>
-              <a:off x="1147257" y="4838289"/>
-              <a:ext cx="3994743" cy="1381810"/>
-            </a:xfrm>
-            <a:prstGeom prst="rect">
-              <a:avLst/>
-            </a:prstGeom>
-          </p:spPr>
-        </p:pic>
-        <p:pic>
-          <p:nvPicPr>
-            <p:cNvPr id="21" name="Object 20"/>
-            <p:cNvPicPr>
-              <a:picLocks noChangeAspect="1"/>
-            </p:cNvPicPr>
-            <p:nvPr/>
-          </p:nvPicPr>
-          <p:blipFill>
-            <a:blip r:embed="rId12" cstate="print"/>
-            <a:stretch>
-              <a:fillRect/>
-            </a:stretch>
-          </p:blipFill>
-          <p:spPr>
-            <a:xfrm>
-              <a:off x="7991643" y="4099683"/>
-              <a:ext cx="5684743" cy="1223810"/>
-            </a:xfrm>
-            <a:prstGeom prst="rect">
-              <a:avLst/>
-            </a:prstGeom>
-          </p:spPr>
-        </p:pic>
-        <p:pic>
-          <p:nvPicPr>
-            <p:cNvPr id="22" name="Object 21"/>
-            <p:cNvPicPr>
-              <a:picLocks noChangeAspect="1"/>
-            </p:cNvPicPr>
-            <p:nvPr/>
-          </p:nvPicPr>
-          <p:blipFill>
-            <a:blip r:embed="rId13" cstate="print"/>
-            <a:stretch>
-              <a:fillRect/>
-            </a:stretch>
-          </p:blipFill>
-          <p:spPr>
-            <a:xfrm>
-              <a:off x="13764567" y="4099683"/>
-              <a:ext cx="3963390" cy="1223810"/>
-            </a:xfrm>
-            <a:prstGeom prst="rect">
-              <a:avLst/>
-            </a:prstGeom>
-          </p:spPr>
-        </p:pic>
-        <p:pic>
-          <p:nvPicPr>
-            <p:cNvPr id="23" name="Object 22"/>
-            <p:cNvPicPr>
-              <a:picLocks noChangeAspect="1"/>
-            </p:cNvPicPr>
-            <p:nvPr/>
-          </p:nvPicPr>
-          <p:blipFill>
-            <a:blip r:embed="rId14" cstate="print"/>
-            <a:stretch>
-              <a:fillRect/>
-            </a:stretch>
-          </p:blipFill>
-          <p:spPr>
-            <a:xfrm>
-              <a:off x="8023986" y="4838289"/>
-              <a:ext cx="3503914" cy="1381810"/>
-            </a:xfrm>
-            <a:prstGeom prst="rect">
-              <a:avLst/>
-            </a:prstGeom>
-          </p:spPr>
-        </p:pic>
-        <p:pic>
-          <p:nvPicPr>
-            <p:cNvPr id="24" name="Object 23"/>
-            <p:cNvPicPr>
-              <a:picLocks noChangeAspect="1"/>
-            </p:cNvPicPr>
-            <p:nvPr/>
-          </p:nvPicPr>
-          <p:blipFill>
-            <a:blip r:embed="rId15" cstate="print"/>
-            <a:stretch>
-              <a:fillRect/>
-            </a:stretch>
-          </p:blipFill>
-          <p:spPr>
-            <a:xfrm>
-              <a:off x="13796910" y="4838289"/>
-              <a:ext cx="3784743" cy="1381810"/>
+              <a:off x="1479236" y="3514286"/>
+              <a:ext cx="1123950" cy="21429"/>
             </a:xfrm>
             <a:prstGeom prst="rect">
               <a:avLst/>
@@ -3753,6 +3576,30 @@
           </p:spPr>
         </p:pic>
       </p:grpSp>
+      <p:pic>
+        <p:nvPicPr>
+          <p:cNvPr id="19" name="Object 18"/>
+          <p:cNvPicPr>
+            <a:picLocks noChangeAspect="1"/>
+          </p:cNvPicPr>
+          <p:nvPr/>
+        </p:nvPicPr>
+        <p:blipFill>
+          <a:blip r:embed="rId9" cstate="print"/>
+          <a:stretch>
+            <a:fillRect/>
+          </a:stretch>
+        </p:blipFill>
+        <p:spPr>
+          <a:xfrm>
+            <a:off x="7935642" y="2812244"/>
+            <a:ext cx="3166343" cy="711438"/>
+          </a:xfrm>
+          <a:prstGeom prst="rect">
+            <a:avLst/>
+          </a:prstGeom>
+        </p:spPr>
+      </p:pic>
       <p:grpSp>
         <p:nvGrpSpPr>
           <p:cNvPr id="1006" name="그룹 1006"/>
@@ -3761,14 +3608,92 @@
         </p:nvGrpSpPr>
         <p:grpSpPr>
           <a:xfrm>
-            <a:off x="2732775" y="7742872"/>
-            <a:ext cx="13526082" cy="1704762"/>
-            <a:chOff x="2732775" y="7742872"/>
-            <a:chExt cx="13526082" cy="1704762"/>
+            <a:off x="11713243" y="4229370"/>
+            <a:ext cx="5859977" cy="4576522"/>
+            <a:chOff x="11713243" y="4229370"/>
+            <a:chExt cx="5859977" cy="4576522"/>
           </a:xfrm>
         </p:grpSpPr>
         <p:pic>
           <p:nvPicPr>
+            <p:cNvPr id="21" name="Object 20"/>
+            <p:cNvPicPr>
+              <a:picLocks noChangeAspect="1"/>
+            </p:cNvPicPr>
+            <p:nvPr/>
+          </p:nvPicPr>
+          <p:blipFill>
+            <a:blip r:embed="rId10" cstate="print"/>
+            <a:stretch>
+              <a:fillRect/>
+            </a:stretch>
+          </p:blipFill>
+          <p:spPr>
+            <a:xfrm rot="-5400000">
+              <a:off x="11713243" y="4229370"/>
+              <a:ext cx="5859977" cy="4576522"/>
+            </a:xfrm>
+            <a:prstGeom prst="rect">
+              <a:avLst/>
+            </a:prstGeom>
+          </p:spPr>
+        </p:pic>
+      </p:grpSp>
+      <p:grpSp>
+        <p:nvGrpSpPr>
+          <p:cNvPr id="1007" name="그룹 1007"/>
+          <p:cNvGrpSpPr/>
+          <p:nvPr/>
+        </p:nvGrpSpPr>
+        <p:grpSpPr>
+          <a:xfrm>
+            <a:off x="12395655" y="2833084"/>
+            <a:ext cx="4495153" cy="613650"/>
+            <a:chOff x="12395655" y="2833084"/>
+            <a:chExt cx="4495153" cy="613650"/>
+          </a:xfrm>
+        </p:grpSpPr>
+        <p:pic>
+          <p:nvPicPr>
+            <p:cNvPr id="24" name="Object 23"/>
+            <p:cNvPicPr>
+              <a:picLocks noChangeAspect="1"/>
+            </p:cNvPicPr>
+            <p:nvPr/>
+          </p:nvPicPr>
+          <p:blipFill>
+            <a:blip r:embed="rId11" cstate="print"/>
+            <a:stretch>
+              <a:fillRect/>
+            </a:stretch>
+          </p:blipFill>
+          <p:spPr>
+            <a:xfrm>
+              <a:off x="12395655" y="2833084"/>
+              <a:ext cx="4495153" cy="613650"/>
+            </a:xfrm>
+            <a:prstGeom prst="rect">
+              <a:avLst/>
+            </a:prstGeom>
+          </p:spPr>
+        </p:pic>
+      </p:grpSp>
+      <p:grpSp>
+        <p:nvGrpSpPr>
+          <p:cNvPr id="1008" name="그룹 1008"/>
+          <p:cNvGrpSpPr/>
+          <p:nvPr/>
+        </p:nvGrpSpPr>
+        <p:grpSpPr>
+          <a:xfrm>
+            <a:off x="7759400" y="3785332"/>
+            <a:ext cx="3813017" cy="846013"/>
+            <a:chOff x="7759400" y="3785332"/>
+            <a:chExt cx="3813017" cy="846013"/>
+          </a:xfrm>
+        </p:grpSpPr>
+        <p:pic>
+          <p:nvPicPr>
             <p:cNvPr id="27" name="Object 26"/>
             <p:cNvPicPr>
               <a:picLocks noChangeAspect="1"/>
@@ -3776,87 +3701,54 @@
             <p:nvPr/>
           </p:nvPicPr>
           <p:blipFill>
-            <a:blip r:embed="rId16" cstate="print"/>
+            <a:blip r:embed="rId12" cstate="print"/>
             <a:stretch>
               <a:fillRect/>
             </a:stretch>
           </p:blipFill>
           <p:spPr>
             <a:xfrm>
-              <a:off x="2586108" y="7599921"/>
-              <a:ext cx="6644505" cy="1223810"/>
-            </a:xfrm>
-            <a:prstGeom prst="rect">
-              <a:avLst/>
-            </a:prstGeom>
-          </p:spPr>
-        </p:pic>
-        <p:pic>
-          <p:nvPicPr>
-            <p:cNvPr id="28" name="Object 27"/>
-            <p:cNvPicPr>
-              <a:picLocks noChangeAspect="1"/>
-            </p:cNvPicPr>
-            <p:nvPr/>
-          </p:nvPicPr>
-          <p:blipFill>
-            <a:blip r:embed="rId17" cstate="print"/>
+              <a:off x="7759400" y="3785332"/>
+              <a:ext cx="3813017" cy="846013"/>
+            </a:xfrm>
+            <a:prstGeom prst="rect">
+              <a:avLst/>
+            </a:prstGeom>
+          </p:spPr>
+        </p:pic>
+      </p:grpSp>
+      <p:grpSp>
+        <p:nvGrpSpPr>
+          <p:cNvPr id="1009" name="그룹 1009"/>
+          <p:cNvGrpSpPr/>
+          <p:nvPr/>
+        </p:nvGrpSpPr>
+        <p:grpSpPr>
+          <a:xfrm>
+            <a:off x="12459732" y="3644785"/>
+            <a:ext cx="4184437" cy="1258262"/>
+            <a:chOff x="12459732" y="3644785"/>
+            <a:chExt cx="4184437" cy="1258262"/>
+          </a:xfrm>
+        </p:grpSpPr>
+        <p:pic>
+          <p:nvPicPr>
+            <p:cNvPr id="30" name="Object 29"/>
+            <p:cNvPicPr>
+              <a:picLocks noChangeAspect="1"/>
+            </p:cNvPicPr>
+            <p:nvPr/>
+          </p:nvPicPr>
+          <p:blipFill>
+            <a:blip r:embed="rId13" cstate="print"/>
             <a:stretch>
               <a:fillRect/>
             </a:stretch>
           </p:blipFill>
           <p:spPr>
             <a:xfrm>
-              <a:off x="10181290" y="7560967"/>
-              <a:ext cx="6189867" cy="1223810"/>
-            </a:xfrm>
-            <a:prstGeom prst="rect">
-              <a:avLst/>
-            </a:prstGeom>
-          </p:spPr>
-        </p:pic>
-        <p:pic>
-          <p:nvPicPr>
-            <p:cNvPr id="29" name="Object 28"/>
-            <p:cNvPicPr>
-              <a:picLocks noChangeAspect="1"/>
-            </p:cNvPicPr>
-            <p:nvPr/>
-          </p:nvPicPr>
-          <p:blipFill>
-            <a:blip r:embed="rId18" cstate="print"/>
-            <a:stretch>
-              <a:fillRect/>
-            </a:stretch>
-          </p:blipFill>
-          <p:spPr>
-            <a:xfrm>
-              <a:off x="2643289" y="8281796"/>
-              <a:ext cx="5141057" cy="1381810"/>
-            </a:xfrm>
-            <a:prstGeom prst="rect">
-              <a:avLst/>
-            </a:prstGeom>
-          </p:spPr>
-        </p:pic>
-        <p:pic>
-          <p:nvPicPr>
-            <p:cNvPr id="30" name="Object 29"/>
-            <p:cNvPicPr>
-              <a:picLocks noChangeAspect="1"/>
-            </p:cNvPicPr>
-            <p:nvPr/>
-          </p:nvPicPr>
-          <p:blipFill>
-            <a:blip r:embed="rId19" cstate="print"/>
-            <a:stretch>
-              <a:fillRect/>
-            </a:stretch>
-          </p:blipFill>
-          <p:spPr>
-            <a:xfrm>
-              <a:off x="10223157" y="8244560"/>
-              <a:ext cx="5239029" cy="1381810"/>
+              <a:off x="12459732" y="3644785"/>
+              <a:ext cx="4184437" cy="1258262"/>
             </a:xfrm>
             <a:prstGeom prst="rect">
               <a:avLst/>
@@ -3864,6 +3756,126 @@
           </p:spPr>
         </p:pic>
       </p:grpSp>
+      <p:pic>
+        <p:nvPicPr>
+          <p:cNvPr id="32" name="Object 31"/>
+          <p:cNvPicPr>
+            <a:picLocks noChangeAspect="1"/>
+          </p:cNvPicPr>
+          <p:nvPr/>
+        </p:nvPicPr>
+        <p:blipFill>
+          <a:blip r:embed="rId14" cstate="print"/>
+          <a:stretch>
+            <a:fillRect/>
+          </a:stretch>
+        </p:blipFill>
+        <p:spPr>
+          <a:xfrm>
+            <a:off x="12738024" y="2849568"/>
+            <a:ext cx="3288571" cy="692390"/>
+          </a:xfrm>
+          <a:prstGeom prst="rect">
+            <a:avLst/>
+          </a:prstGeom>
+        </p:spPr>
+      </p:pic>
+      <p:pic>
+        <p:nvPicPr>
+          <p:cNvPr id="33" name="Object 32"/>
+          <p:cNvPicPr>
+            <a:picLocks noChangeAspect="1"/>
+          </p:cNvPicPr>
+          <p:nvPr/>
+        </p:nvPicPr>
+        <p:blipFill>
+          <a:blip r:embed="rId15" cstate="print"/>
+          <a:stretch>
+            <a:fillRect/>
+          </a:stretch>
+        </p:blipFill>
+        <p:spPr>
+          <a:xfrm>
+            <a:off x="995610" y="1800925"/>
+            <a:ext cx="2392438" cy="2401267"/>
+          </a:xfrm>
+          <a:prstGeom prst="rect">
+            <a:avLst/>
+          </a:prstGeom>
+        </p:spPr>
+      </p:pic>
+      <p:pic>
+        <p:nvPicPr>
+          <p:cNvPr id="34" name="Object 33"/>
+          <p:cNvPicPr>
+            <a:picLocks noChangeAspect="1"/>
+          </p:cNvPicPr>
+          <p:nvPr/>
+        </p:nvPicPr>
+        <p:blipFill>
+          <a:blip r:embed="rId16" cstate="print"/>
+          <a:stretch>
+            <a:fillRect/>
+          </a:stretch>
+        </p:blipFill>
+        <p:spPr>
+          <a:xfrm>
+            <a:off x="1197276" y="3772839"/>
+            <a:ext cx="4853438" cy="2367924"/>
+          </a:xfrm>
+          <a:prstGeom prst="rect">
+            <a:avLst/>
+          </a:prstGeom>
+        </p:spPr>
+      </p:pic>
+      <p:pic>
+        <p:nvPicPr>
+          <p:cNvPr id="35" name="Object 34"/>
+          <p:cNvPicPr>
+            <a:picLocks noChangeAspect="1"/>
+          </p:cNvPicPr>
+          <p:nvPr/>
+        </p:nvPicPr>
+        <p:blipFill>
+          <a:blip r:embed="rId17" cstate="print"/>
+          <a:stretch>
+            <a:fillRect/>
+          </a:stretch>
+        </p:blipFill>
+        <p:spPr>
+          <a:xfrm>
+            <a:off x="7816247" y="5050381"/>
+            <a:ext cx="4068933" cy="4762371"/>
+          </a:xfrm>
+          <a:prstGeom prst="rect">
+            <a:avLst/>
+          </a:prstGeom>
+        </p:spPr>
+      </p:pic>
+      <p:pic>
+        <p:nvPicPr>
+          <p:cNvPr id="36" name="Object 35"/>
+          <p:cNvPicPr>
+            <a:picLocks noChangeAspect="1"/>
+          </p:cNvPicPr>
+          <p:nvPr/>
+        </p:nvPicPr>
+        <p:blipFill>
+          <a:blip r:embed="rId18" cstate="print"/>
+          <a:stretch>
+            <a:fillRect/>
+          </a:stretch>
+        </p:blipFill>
+        <p:spPr>
+          <a:xfrm>
+            <a:off x="12668960" y="5107401"/>
+            <a:ext cx="4063143" cy="2860305"/>
+          </a:xfrm>
+          <a:prstGeom prst="rect">
+            <a:avLst/>
+          </a:prstGeom>
+        </p:spPr>
+      </p:pic>
     </p:spTree>
   </p:cSld>
   <p:clrMapOvr>
@@ -3968,10 +3980,10 @@
         </p:nvGrpSpPr>
         <p:grpSpPr>
           <a:xfrm>
-            <a:off x="1053846" y="3657143"/>
-            <a:ext cx="16178022" cy="21429"/>
-            <a:chOff x="1053846" y="3657143"/>
-            <a:chExt cx="16178022" cy="21429"/>
+            <a:off x="2961485" y="6017310"/>
+            <a:ext cx="7452421" cy="21429"/>
+            <a:chOff x="2961485" y="6017310"/>
+            <a:chExt cx="7452421" cy="21429"/>
           </a:xfrm>
         </p:grpSpPr>
         <p:pic>
@@ -3989,9 +4001,9 @@
             </a:stretch>
           </p:blipFill>
           <p:spPr>
-            <a:xfrm>
-              <a:off x="1053846" y="3657143"/>
-              <a:ext cx="16178022" cy="21429"/>
+            <a:xfrm rot="5400000">
+              <a:off x="2961485" y="6017310"/>
+              <a:ext cx="7452421" cy="21429"/>
             </a:xfrm>
             <a:prstGeom prst="rect">
               <a:avLst/>
@@ -3999,6 +4011,30 @@
           </p:spPr>
         </p:pic>
       </p:grpSp>
+      <p:pic>
+        <p:nvPicPr>
+          <p:cNvPr id="9" name="Object 8"/>
+          <p:cNvPicPr>
+            <a:picLocks noChangeAspect="1"/>
+          </p:cNvPicPr>
+          <p:nvPr/>
+        </p:nvPicPr>
+        <p:blipFill>
+          <a:blip r:embed="rId5" cstate="print"/>
+          <a:stretch>
+            <a:fillRect/>
+          </a:stretch>
+        </p:blipFill>
+        <p:spPr>
+          <a:xfrm>
+            <a:off x="1800324" y="832049"/>
+            <a:ext cx="5207952" cy="693724"/>
+          </a:xfrm>
+          <a:prstGeom prst="rect">
+            <a:avLst/>
+          </a:prstGeom>
+        </p:spPr>
+      </p:pic>
       <p:grpSp>
         <p:nvGrpSpPr>
           <p:cNvPr id="1003" name="그룹 1003"/>
@@ -4007,30 +4043,30 @@
         </p:nvGrpSpPr>
         <p:grpSpPr>
           <a:xfrm>
-            <a:off x="2120195" y="2859641"/>
-            <a:ext cx="1246589" cy="21429"/>
-            <a:chOff x="2120195" y="2859641"/>
-            <a:chExt cx="1246589" cy="21429"/>
+            <a:off x="7355650" y="2882540"/>
+            <a:ext cx="9691969" cy="2011383"/>
+            <a:chOff x="7355650" y="2882540"/>
+            <a:chExt cx="9691969" cy="2011383"/>
           </a:xfrm>
         </p:grpSpPr>
         <p:pic>
           <p:nvPicPr>
-            <p:cNvPr id="10" name="Object 9"/>
-            <p:cNvPicPr>
-              <a:picLocks noChangeAspect="1"/>
-            </p:cNvPicPr>
-            <p:nvPr/>
-          </p:nvPicPr>
-          <p:blipFill>
-            <a:blip r:embed="rId5" cstate="print"/>
-            <a:stretch>
-              <a:fillRect/>
-            </a:stretch>
-          </p:blipFill>
-          <p:spPr>
-            <a:xfrm rot="5400000">
-              <a:off x="2120195" y="2859641"/>
-              <a:ext cx="1246589" cy="21429"/>
+            <p:cNvPr id="11" name="Object 10"/>
+            <p:cNvPicPr>
+              <a:picLocks noChangeAspect="1"/>
+            </p:cNvPicPr>
+            <p:nvPr/>
+          </p:nvPicPr>
+          <p:blipFill>
+            <a:blip r:embed="rId6" cstate="print"/>
+            <a:stretch>
+              <a:fillRect/>
+            </a:stretch>
+          </p:blipFill>
+          <p:spPr>
+            <a:xfrm>
+              <a:off x="7355650" y="2882540"/>
+              <a:ext cx="9691969" cy="2011383"/>
             </a:xfrm>
             <a:prstGeom prst="rect">
               <a:avLst/>
@@ -4038,78 +4074,6 @@
           </p:spPr>
         </p:pic>
       </p:grpSp>
-      <p:pic>
-        <p:nvPicPr>
-          <p:cNvPr id="12" name="Object 11"/>
-          <p:cNvPicPr>
-            <a:picLocks noChangeAspect="1"/>
-          </p:cNvPicPr>
-          <p:nvPr/>
-        </p:nvPicPr>
-        <p:blipFill>
-          <a:blip r:embed="rId6" cstate="print"/>
-          <a:stretch>
-            <a:fillRect/>
-          </a:stretch>
-        </p:blipFill>
-        <p:spPr>
-          <a:xfrm>
-            <a:off x="2947071" y="1856902"/>
-            <a:ext cx="3920667" cy="2349924"/>
-          </a:xfrm>
-          <a:prstGeom prst="rect">
-            <a:avLst/>
-          </a:prstGeom>
-        </p:spPr>
-      </p:pic>
-      <p:pic>
-        <p:nvPicPr>
-          <p:cNvPr id="13" name="Object 12"/>
-          <p:cNvPicPr>
-            <a:picLocks noChangeAspect="1"/>
-          </p:cNvPicPr>
-          <p:nvPr/>
-        </p:nvPicPr>
-        <p:blipFill>
-          <a:blip r:embed="rId7" cstate="print"/>
-          <a:stretch>
-            <a:fillRect/>
-          </a:stretch>
-        </p:blipFill>
-        <p:spPr>
-          <a:xfrm>
-            <a:off x="1800324" y="832049"/>
-            <a:ext cx="5207952" cy="693724"/>
-          </a:xfrm>
-          <a:prstGeom prst="rect">
-            <a:avLst/>
-          </a:prstGeom>
-        </p:spPr>
-      </p:pic>
-      <p:pic>
-        <p:nvPicPr>
-          <p:cNvPr id="14" name="Object 13"/>
-          <p:cNvPicPr>
-            <a:picLocks noChangeAspect="1"/>
-          </p:cNvPicPr>
-          <p:nvPr/>
-        </p:nvPicPr>
-        <p:blipFill>
-          <a:blip r:embed="rId8" cstate="print"/>
-          <a:stretch>
-            <a:fillRect/>
-          </a:stretch>
-        </p:blipFill>
-        <p:spPr>
-          <a:xfrm>
-            <a:off x="906914" y="1800925"/>
-            <a:ext cx="2372810" cy="2401267"/>
-          </a:xfrm>
-          <a:prstGeom prst="rect">
-            <a:avLst/>
-          </a:prstGeom>
-        </p:spPr>
-      </p:pic>
       <p:grpSp>
         <p:nvGrpSpPr>
           <p:cNvPr id="1004" name="그룹 1004"/>
@@ -4118,30 +4082,30 @@
         </p:nvGrpSpPr>
         <p:grpSpPr>
           <a:xfrm>
-            <a:off x="8128180" y="4215556"/>
-            <a:ext cx="8446182" cy="5174935"/>
-            <a:chOff x="8128180" y="4215556"/>
-            <a:chExt cx="8446182" cy="5174935"/>
+            <a:off x="10056833" y="3877968"/>
+            <a:ext cx="1144603" cy="20526"/>
+            <a:chOff x="10056833" y="3877968"/>
+            <a:chExt cx="1144603" cy="20526"/>
           </a:xfrm>
         </p:grpSpPr>
         <p:pic>
           <p:nvPicPr>
-            <p:cNvPr id="16" name="Object 15"/>
-            <p:cNvPicPr>
-              <a:picLocks noChangeAspect="1"/>
-            </p:cNvPicPr>
-            <p:nvPr/>
-          </p:nvPicPr>
-          <p:blipFill>
-            <a:blip r:embed="rId9" cstate="print"/>
-            <a:stretch>
-              <a:fillRect/>
-            </a:stretch>
-          </p:blipFill>
-          <p:spPr>
-            <a:xfrm>
-              <a:off x="8128180" y="4215556"/>
-              <a:ext cx="8446182" cy="5174935"/>
+            <p:cNvPr id="14" name="Object 13"/>
+            <p:cNvPicPr>
+              <a:picLocks noChangeAspect="1"/>
+            </p:cNvPicPr>
+            <p:nvPr/>
+          </p:nvPicPr>
+          <p:blipFill>
+            <a:blip r:embed="rId7" cstate="print"/>
+            <a:stretch>
+              <a:fillRect/>
+            </a:stretch>
+          </p:blipFill>
+          <p:spPr>
+            <a:xfrm rot="5400000">
+              <a:off x="10056833" y="3877968"/>
+              <a:ext cx="1144603" cy="20526"/>
             </a:xfrm>
             <a:prstGeom prst="rect">
               <a:avLst/>
@@ -4157,30 +4121,30 @@
         </p:nvGrpSpPr>
         <p:grpSpPr>
           <a:xfrm>
-            <a:off x="1711352" y="4272698"/>
-            <a:ext cx="6294935" cy="5174935"/>
-            <a:chOff x="1711352" y="4272698"/>
-            <a:chExt cx="6294935" cy="5174935"/>
+            <a:off x="7783236" y="3683701"/>
+            <a:ext cx="428571" cy="409061"/>
+            <a:chOff x="7783236" y="3683701"/>
+            <a:chExt cx="428571" cy="409061"/>
           </a:xfrm>
         </p:grpSpPr>
         <p:pic>
           <p:nvPicPr>
-            <p:cNvPr id="19" name="Object 18"/>
-            <p:cNvPicPr>
-              <a:picLocks noChangeAspect="1"/>
-            </p:cNvPicPr>
-            <p:nvPr/>
-          </p:nvPicPr>
-          <p:blipFill>
-            <a:blip r:embed="rId10" cstate="print"/>
+            <p:cNvPr id="17" name="Object 16"/>
+            <p:cNvPicPr>
+              <a:picLocks noChangeAspect="1"/>
+            </p:cNvPicPr>
+            <p:nvPr/>
+          </p:nvPicPr>
+          <p:blipFill>
+            <a:blip r:embed="rId8" cstate="print"/>
             <a:stretch>
               <a:fillRect/>
             </a:stretch>
           </p:blipFill>
           <p:spPr>
             <a:xfrm>
-              <a:off x="1711352" y="4272698"/>
-              <a:ext cx="6294935" cy="5174935"/>
+              <a:off x="7783236" y="3683701"/>
+              <a:ext cx="428571" cy="409061"/>
             </a:xfrm>
             <a:prstGeom prst="rect">
               <a:avLst/>
@@ -4190,22 +4154,463 @@
       </p:grpSp>
       <p:pic>
         <p:nvPicPr>
-          <p:cNvPr id="21" name="Object 20"/>
+          <p:cNvPr id="19" name="Object 18"/>
           <p:cNvPicPr>
             <a:picLocks noChangeAspect="1"/>
           </p:cNvPicPr>
           <p:nvPr/>
         </p:nvPicPr>
         <p:blipFill>
-          <a:blip r:embed="rId11" cstate="print"/>
+          <a:blip r:embed="rId9" cstate="print"/>
           <a:stretch>
             <a:fillRect/>
           </a:stretch>
         </p:blipFill>
         <p:spPr>
           <a:xfrm>
-            <a:off x="8250085" y="5757309"/>
-            <a:ext cx="8550600" cy="2503810"/>
+            <a:off x="11004667" y="2813310"/>
+            <a:ext cx="5873695" cy="2556190"/>
+          </a:xfrm>
+          <a:prstGeom prst="rect">
+            <a:avLst/>
+          </a:prstGeom>
+        </p:spPr>
+      </p:pic>
+      <p:pic>
+        <p:nvPicPr>
+          <p:cNvPr id="20" name="Object 19"/>
+          <p:cNvPicPr>
+            <a:picLocks noChangeAspect="1"/>
+          </p:cNvPicPr>
+          <p:nvPr/>
+        </p:nvPicPr>
+        <p:blipFill>
+          <a:blip r:embed="rId10" cstate="print"/>
+          <a:stretch>
+            <a:fillRect/>
+          </a:stretch>
+        </p:blipFill>
+        <p:spPr>
+          <a:xfrm>
+            <a:off x="8365648" y="3342610"/>
+            <a:ext cx="2070600" cy="1749276"/>
+          </a:xfrm>
+          <a:prstGeom prst="rect">
+            <a:avLst/>
+          </a:prstGeom>
+        </p:spPr>
+      </p:pic>
+      <p:grpSp>
+        <p:nvGrpSpPr>
+          <p:cNvPr id="1006" name="그룹 1006"/>
+          <p:cNvGrpSpPr/>
+          <p:nvPr/>
+        </p:nvGrpSpPr>
+        <p:grpSpPr>
+          <a:xfrm>
+            <a:off x="7355650" y="5089819"/>
+            <a:ext cx="9691969" cy="2011383"/>
+            <a:chOff x="7355650" y="5089819"/>
+            <a:chExt cx="9691969" cy="2011383"/>
+          </a:xfrm>
+        </p:grpSpPr>
+        <p:pic>
+          <p:nvPicPr>
+            <p:cNvPr id="22" name="Object 21"/>
+            <p:cNvPicPr>
+              <a:picLocks noChangeAspect="1"/>
+            </p:cNvPicPr>
+            <p:nvPr/>
+          </p:nvPicPr>
+          <p:blipFill>
+            <a:blip r:embed="rId11" cstate="print"/>
+            <a:stretch>
+              <a:fillRect/>
+            </a:stretch>
+          </p:blipFill>
+          <p:spPr>
+            <a:xfrm>
+              <a:off x="7355650" y="5089819"/>
+              <a:ext cx="9691969" cy="2011383"/>
+            </a:xfrm>
+            <a:prstGeom prst="rect">
+              <a:avLst/>
+            </a:prstGeom>
+          </p:spPr>
+        </p:pic>
+      </p:grpSp>
+      <p:grpSp>
+        <p:nvGrpSpPr>
+          <p:cNvPr id="1007" name="그룹 1007"/>
+          <p:cNvGrpSpPr/>
+          <p:nvPr/>
+        </p:nvGrpSpPr>
+        <p:grpSpPr>
+          <a:xfrm>
+            <a:off x="10056833" y="6085247"/>
+            <a:ext cx="1144603" cy="20526"/>
+            <a:chOff x="10056833" y="6085247"/>
+            <a:chExt cx="1144603" cy="20526"/>
+          </a:xfrm>
+        </p:grpSpPr>
+        <p:pic>
+          <p:nvPicPr>
+            <p:cNvPr id="25" name="Object 24"/>
+            <p:cNvPicPr>
+              <a:picLocks noChangeAspect="1"/>
+            </p:cNvPicPr>
+            <p:nvPr/>
+          </p:nvPicPr>
+          <p:blipFill>
+            <a:blip r:embed="rId12" cstate="print"/>
+            <a:stretch>
+              <a:fillRect/>
+            </a:stretch>
+          </p:blipFill>
+          <p:spPr>
+            <a:xfrm rot="5400000">
+              <a:off x="10056833" y="6085247"/>
+              <a:ext cx="1144603" cy="20526"/>
+            </a:xfrm>
+            <a:prstGeom prst="rect">
+              <a:avLst/>
+            </a:prstGeom>
+          </p:spPr>
+        </p:pic>
+      </p:grpSp>
+      <p:grpSp>
+        <p:nvGrpSpPr>
+          <p:cNvPr id="1008" name="그룹 1008"/>
+          <p:cNvGrpSpPr/>
+          <p:nvPr/>
+        </p:nvGrpSpPr>
+        <p:grpSpPr>
+          <a:xfrm>
+            <a:off x="7783236" y="5890980"/>
+            <a:ext cx="428571" cy="409061"/>
+            <a:chOff x="7783236" y="5890980"/>
+            <a:chExt cx="428571" cy="409061"/>
+          </a:xfrm>
+        </p:grpSpPr>
+        <p:pic>
+          <p:nvPicPr>
+            <p:cNvPr id="28" name="Object 27"/>
+            <p:cNvPicPr>
+              <a:picLocks noChangeAspect="1"/>
+            </p:cNvPicPr>
+            <p:nvPr/>
+          </p:nvPicPr>
+          <p:blipFill>
+            <a:blip r:embed="rId13" cstate="print"/>
+            <a:stretch>
+              <a:fillRect/>
+            </a:stretch>
+          </p:blipFill>
+          <p:spPr>
+            <a:xfrm>
+              <a:off x="7783236" y="5890980"/>
+              <a:ext cx="428571" cy="409061"/>
+            </a:xfrm>
+            <a:prstGeom prst="rect">
+              <a:avLst/>
+            </a:prstGeom>
+          </p:spPr>
+        </p:pic>
+      </p:grpSp>
+      <p:pic>
+        <p:nvPicPr>
+          <p:cNvPr id="30" name="Object 29"/>
+          <p:cNvPicPr>
+            <a:picLocks noChangeAspect="1"/>
+          </p:cNvPicPr>
+          <p:nvPr/>
+        </p:nvPicPr>
+        <p:blipFill>
+          <a:blip r:embed="rId14" cstate="print"/>
+          <a:stretch>
+            <a:fillRect/>
+          </a:stretch>
+        </p:blipFill>
+        <p:spPr>
+          <a:xfrm>
+            <a:off x="11004667" y="5193184"/>
+            <a:ext cx="5777733" cy="2556190"/>
+          </a:xfrm>
+          <a:prstGeom prst="rect">
+            <a:avLst/>
+          </a:prstGeom>
+        </p:spPr>
+      </p:pic>
+      <p:pic>
+        <p:nvPicPr>
+          <p:cNvPr id="31" name="Object 30"/>
+          <p:cNvPicPr>
+            <a:picLocks noChangeAspect="1"/>
+          </p:cNvPicPr>
+          <p:nvPr/>
+        </p:nvPicPr>
+        <p:blipFill>
+          <a:blip r:embed="rId15" cstate="print"/>
+          <a:stretch>
+            <a:fillRect/>
+          </a:stretch>
+        </p:blipFill>
+        <p:spPr>
+          <a:xfrm>
+            <a:off x="8356124" y="5695841"/>
+            <a:ext cx="1257438" cy="918219"/>
+          </a:xfrm>
+          <a:prstGeom prst="rect">
+            <a:avLst/>
+          </a:prstGeom>
+        </p:spPr>
+      </p:pic>
+      <p:grpSp>
+        <p:nvGrpSpPr>
+          <p:cNvPr id="1009" name="그룹 1009"/>
+          <p:cNvGrpSpPr/>
+          <p:nvPr/>
+        </p:nvGrpSpPr>
+        <p:grpSpPr>
+          <a:xfrm>
+            <a:off x="7355650" y="7297098"/>
+            <a:ext cx="9691969" cy="2011383"/>
+            <a:chOff x="7355650" y="7297098"/>
+            <a:chExt cx="9691969" cy="2011383"/>
+          </a:xfrm>
+        </p:grpSpPr>
+        <p:pic>
+          <p:nvPicPr>
+            <p:cNvPr id="33" name="Object 32"/>
+            <p:cNvPicPr>
+              <a:picLocks noChangeAspect="1"/>
+            </p:cNvPicPr>
+            <p:nvPr/>
+          </p:nvPicPr>
+          <p:blipFill>
+            <a:blip r:embed="rId16" cstate="print"/>
+            <a:stretch>
+              <a:fillRect/>
+            </a:stretch>
+          </p:blipFill>
+          <p:spPr>
+            <a:xfrm>
+              <a:off x="7355650" y="7297098"/>
+              <a:ext cx="9691969" cy="2011383"/>
+            </a:xfrm>
+            <a:prstGeom prst="rect">
+              <a:avLst/>
+            </a:prstGeom>
+          </p:spPr>
+        </p:pic>
+      </p:grpSp>
+      <p:grpSp>
+        <p:nvGrpSpPr>
+          <p:cNvPr id="1010" name="그룹 1010"/>
+          <p:cNvGrpSpPr/>
+          <p:nvPr/>
+        </p:nvGrpSpPr>
+        <p:grpSpPr>
+          <a:xfrm>
+            <a:off x="10056833" y="8292526"/>
+            <a:ext cx="1144603" cy="20526"/>
+            <a:chOff x="10056833" y="8292526"/>
+            <a:chExt cx="1144603" cy="20526"/>
+          </a:xfrm>
+        </p:grpSpPr>
+        <p:pic>
+          <p:nvPicPr>
+            <p:cNvPr id="36" name="Object 35"/>
+            <p:cNvPicPr>
+              <a:picLocks noChangeAspect="1"/>
+            </p:cNvPicPr>
+            <p:nvPr/>
+          </p:nvPicPr>
+          <p:blipFill>
+            <a:blip r:embed="rId17" cstate="print"/>
+            <a:stretch>
+              <a:fillRect/>
+            </a:stretch>
+          </p:blipFill>
+          <p:spPr>
+            <a:xfrm rot="5400000">
+              <a:off x="10056833" y="8292526"/>
+              <a:ext cx="1144603" cy="20526"/>
+            </a:xfrm>
+            <a:prstGeom prst="rect">
+              <a:avLst/>
+            </a:prstGeom>
+          </p:spPr>
+        </p:pic>
+      </p:grpSp>
+      <p:grpSp>
+        <p:nvGrpSpPr>
+          <p:cNvPr id="1011" name="그룹 1011"/>
+          <p:cNvGrpSpPr/>
+          <p:nvPr/>
+        </p:nvGrpSpPr>
+        <p:grpSpPr>
+          <a:xfrm>
+            <a:off x="7783236" y="8098259"/>
+            <a:ext cx="428571" cy="409061"/>
+            <a:chOff x="7783236" y="8098259"/>
+            <a:chExt cx="428571" cy="409061"/>
+          </a:xfrm>
+        </p:grpSpPr>
+        <p:pic>
+          <p:nvPicPr>
+            <p:cNvPr id="39" name="Object 38"/>
+            <p:cNvPicPr>
+              <a:picLocks noChangeAspect="1"/>
+            </p:cNvPicPr>
+            <p:nvPr/>
+          </p:nvPicPr>
+          <p:blipFill>
+            <a:blip r:embed="rId18" cstate="print"/>
+            <a:stretch>
+              <a:fillRect/>
+            </a:stretch>
+          </p:blipFill>
+          <p:spPr>
+            <a:xfrm>
+              <a:off x="7783236" y="8098259"/>
+              <a:ext cx="428571" cy="409061"/>
+            </a:xfrm>
+            <a:prstGeom prst="rect">
+              <a:avLst/>
+            </a:prstGeom>
+          </p:spPr>
+        </p:pic>
+      </p:grpSp>
+      <p:pic>
+        <p:nvPicPr>
+          <p:cNvPr id="41" name="Object 40"/>
+          <p:cNvPicPr>
+            <a:picLocks noChangeAspect="1"/>
+          </p:cNvPicPr>
+          <p:nvPr/>
+        </p:nvPicPr>
+        <p:blipFill>
+          <a:blip r:embed="rId19" cstate="print"/>
+          <a:stretch>
+            <a:fillRect/>
+          </a:stretch>
+        </p:blipFill>
+        <p:spPr>
+          <a:xfrm>
+            <a:off x="10995143" y="7594265"/>
+            <a:ext cx="5893229" cy="2259762"/>
+          </a:xfrm>
+          <a:prstGeom prst="rect">
+            <a:avLst/>
+          </a:prstGeom>
+        </p:spPr>
+      </p:pic>
+      <p:pic>
+        <p:nvPicPr>
+          <p:cNvPr id="42" name="Object 41"/>
+          <p:cNvPicPr>
+            <a:picLocks noChangeAspect="1"/>
+          </p:cNvPicPr>
+          <p:nvPr/>
+        </p:nvPicPr>
+        <p:blipFill>
+          <a:blip r:embed="rId20" cstate="print"/>
+          <a:stretch>
+            <a:fillRect/>
+          </a:stretch>
+        </p:blipFill>
+        <p:spPr>
+          <a:xfrm>
+            <a:off x="8356124" y="7664434"/>
+            <a:ext cx="1570019" cy="1394867"/>
+          </a:xfrm>
+          <a:prstGeom prst="rect">
+            <a:avLst/>
+          </a:prstGeom>
+        </p:spPr>
+      </p:pic>
+      <p:grpSp>
+        <p:nvGrpSpPr>
+          <p:cNvPr id="1012" name="그룹 1012"/>
+          <p:cNvGrpSpPr/>
+          <p:nvPr/>
+        </p:nvGrpSpPr>
+        <p:grpSpPr>
+          <a:xfrm>
+            <a:off x="1479236" y="3514286"/>
+            <a:ext cx="1123950" cy="21429"/>
+            <a:chOff x="1479236" y="3514286"/>
+            <a:chExt cx="1123950" cy="21429"/>
+          </a:xfrm>
+        </p:grpSpPr>
+        <p:pic>
+          <p:nvPicPr>
+            <p:cNvPr id="44" name="Object 43"/>
+            <p:cNvPicPr>
+              <a:picLocks noChangeAspect="1"/>
+            </p:cNvPicPr>
+            <p:nvPr/>
+          </p:nvPicPr>
+          <p:blipFill>
+            <a:blip r:embed="rId21" cstate="print"/>
+            <a:stretch>
+              <a:fillRect/>
+            </a:stretch>
+          </p:blipFill>
+          <p:spPr>
+            <a:xfrm>
+              <a:off x="1479236" y="3514286"/>
+              <a:ext cx="1123950" cy="21429"/>
+            </a:xfrm>
+            <a:prstGeom prst="rect">
+              <a:avLst/>
+            </a:prstGeom>
+          </p:spPr>
+        </p:pic>
+      </p:grpSp>
+      <p:pic>
+        <p:nvPicPr>
+          <p:cNvPr id="46" name="Object 45"/>
+          <p:cNvPicPr>
+            <a:picLocks noChangeAspect="1"/>
+          </p:cNvPicPr>
+          <p:nvPr/>
+        </p:nvPicPr>
+        <p:blipFill>
+          <a:blip r:embed="rId22" cstate="print"/>
+          <a:stretch>
+            <a:fillRect/>
+          </a:stretch>
+        </p:blipFill>
+        <p:spPr>
+          <a:xfrm>
+            <a:off x="1050724" y="1800925"/>
+            <a:ext cx="2227095" cy="2401267"/>
+          </a:xfrm>
+          <a:prstGeom prst="rect">
+            <a:avLst/>
+          </a:prstGeom>
+        </p:spPr>
+      </p:pic>
+      <p:pic>
+        <p:nvPicPr>
+          <p:cNvPr id="47" name="Object 46"/>
+          <p:cNvPicPr>
+            <a:picLocks noChangeAspect="1"/>
+          </p:cNvPicPr>
+          <p:nvPr/>
+        </p:nvPicPr>
+        <p:blipFill>
+          <a:blip r:embed="rId23" cstate="print"/>
+          <a:stretch>
+            <a:fillRect/>
+          </a:stretch>
+        </p:blipFill>
+        <p:spPr>
+          <a:xfrm>
+            <a:off x="1178229" y="3763277"/>
+            <a:ext cx="3920667" cy="2339467"/>
           </a:xfrm>
           <a:prstGeom prst="rect">
             <a:avLst/>
@@ -4316,10 +4721,10 @@
         </p:nvGrpSpPr>
         <p:grpSpPr>
           <a:xfrm>
-            <a:off x="4596825" y="4372817"/>
-            <a:ext cx="9092063" cy="1883921"/>
-            <a:chOff x="4596825" y="4372817"/>
-            <a:chExt cx="9092063" cy="1883921"/>
+            <a:off x="1053846" y="3657143"/>
+            <a:ext cx="16178022" cy="21429"/>
+            <a:chOff x="1053846" y="3657143"/>
+            <a:chExt cx="16178022" cy="21429"/>
           </a:xfrm>
         </p:grpSpPr>
         <p:pic>
@@ -4338,8 +4743,8 @@
           </p:blipFill>
           <p:spPr>
             <a:xfrm>
-              <a:off x="4596825" y="4372817"/>
-              <a:ext cx="9092063" cy="1883921"/>
+              <a:off x="1053846" y="3657143"/>
+              <a:ext cx="16178022" cy="21429"/>
             </a:xfrm>
             <a:prstGeom prst="rect">
               <a:avLst/>
@@ -4355,6 +4760,1029 @@
         </p:nvGrpSpPr>
         <p:grpSpPr>
           <a:xfrm>
+            <a:off x="2120195" y="2859641"/>
+            <a:ext cx="1246589" cy="21429"/>
+            <a:chOff x="2120195" y="2859641"/>
+            <a:chExt cx="1246589" cy="21429"/>
+          </a:xfrm>
+        </p:grpSpPr>
+        <p:pic>
+          <p:nvPicPr>
+            <p:cNvPr id="10" name="Object 9"/>
+            <p:cNvPicPr>
+              <a:picLocks noChangeAspect="1"/>
+            </p:cNvPicPr>
+            <p:nvPr/>
+          </p:nvPicPr>
+          <p:blipFill>
+            <a:blip r:embed="rId5" cstate="print"/>
+            <a:stretch>
+              <a:fillRect/>
+            </a:stretch>
+          </p:blipFill>
+          <p:spPr>
+            <a:xfrm rot="5400000">
+              <a:off x="2120195" y="2859641"/>
+              <a:ext cx="1246589" cy="21429"/>
+            </a:xfrm>
+            <a:prstGeom prst="rect">
+              <a:avLst/>
+            </a:prstGeom>
+          </p:spPr>
+        </p:pic>
+      </p:grpSp>
+      <p:pic>
+        <p:nvPicPr>
+          <p:cNvPr id="12" name="Object 11"/>
+          <p:cNvPicPr>
+            <a:picLocks noChangeAspect="1"/>
+          </p:cNvPicPr>
+          <p:nvPr/>
+        </p:nvPicPr>
+        <p:blipFill>
+          <a:blip r:embed="rId6" cstate="print"/>
+          <a:stretch>
+            <a:fillRect/>
+          </a:stretch>
+        </p:blipFill>
+        <p:spPr>
+          <a:xfrm>
+            <a:off x="2966118" y="1856902"/>
+            <a:ext cx="3777810" cy="2349924"/>
+          </a:xfrm>
+          <a:prstGeom prst="rect">
+            <a:avLst/>
+          </a:prstGeom>
+        </p:spPr>
+      </p:pic>
+      <p:pic>
+        <p:nvPicPr>
+          <p:cNvPr id="13" name="Object 12"/>
+          <p:cNvPicPr>
+            <a:picLocks noChangeAspect="1"/>
+          </p:cNvPicPr>
+          <p:nvPr/>
+        </p:nvPicPr>
+        <p:blipFill>
+          <a:blip r:embed="rId7" cstate="print"/>
+          <a:stretch>
+            <a:fillRect/>
+          </a:stretch>
+        </p:blipFill>
+        <p:spPr>
+          <a:xfrm>
+            <a:off x="1800324" y="832049"/>
+            <a:ext cx="5207952" cy="693724"/>
+          </a:xfrm>
+          <a:prstGeom prst="rect">
+            <a:avLst/>
+          </a:prstGeom>
+        </p:spPr>
+      </p:pic>
+      <p:pic>
+        <p:nvPicPr>
+          <p:cNvPr id="14" name="Object 13"/>
+          <p:cNvPicPr>
+            <a:picLocks noChangeAspect="1"/>
+          </p:cNvPicPr>
+          <p:nvPr/>
+        </p:nvPicPr>
+        <p:blipFill>
+          <a:blip r:embed="rId8" cstate="print"/>
+          <a:stretch>
+            <a:fillRect/>
+          </a:stretch>
+        </p:blipFill>
+        <p:spPr>
+          <a:xfrm>
+            <a:off x="879305" y="1800925"/>
+            <a:ext cx="2392210" cy="2401267"/>
+          </a:xfrm>
+          <a:prstGeom prst="rect">
+            <a:avLst/>
+          </a:prstGeom>
+        </p:spPr>
+      </p:pic>
+      <p:grpSp>
+        <p:nvGrpSpPr>
+          <p:cNvPr id="1004" name="그룹 1004"/>
+          <p:cNvGrpSpPr/>
+          <p:nvPr/>
+        </p:nvGrpSpPr>
+        <p:grpSpPr>
+          <a:xfrm>
+            <a:off x="1053846" y="4272698"/>
+            <a:ext cx="16178022" cy="5174935"/>
+            <a:chOff x="1053846" y="4272698"/>
+            <a:chExt cx="16178022" cy="5174935"/>
+          </a:xfrm>
+        </p:grpSpPr>
+        <p:pic>
+          <p:nvPicPr>
+            <p:cNvPr id="16" name="Object 15"/>
+            <p:cNvPicPr>
+              <a:picLocks noChangeAspect="1"/>
+            </p:cNvPicPr>
+            <p:nvPr/>
+          </p:nvPicPr>
+          <p:blipFill>
+            <a:blip r:embed="rId9" cstate="print"/>
+            <a:stretch>
+              <a:fillRect/>
+            </a:stretch>
+          </p:blipFill>
+          <p:spPr>
+            <a:xfrm>
+              <a:off x="1053846" y="4272698"/>
+              <a:ext cx="16178022" cy="5174935"/>
+            </a:xfrm>
+            <a:prstGeom prst="rect">
+              <a:avLst/>
+            </a:prstGeom>
+          </p:spPr>
+        </p:pic>
+      </p:grpSp>
+      <p:grpSp>
+        <p:nvGrpSpPr>
+          <p:cNvPr id="1005" name="그룹 1005"/>
+          <p:cNvGrpSpPr/>
+          <p:nvPr/>
+        </p:nvGrpSpPr>
+        <p:grpSpPr>
+          <a:xfrm>
+            <a:off x="1261581" y="3962540"/>
+            <a:ext cx="16178022" cy="2041587"/>
+            <a:chOff x="1261581" y="3962540"/>
+            <a:chExt cx="16178022" cy="2041587"/>
+          </a:xfrm>
+        </p:grpSpPr>
+        <p:pic>
+          <p:nvPicPr>
+            <p:cNvPr id="19" name="Object 18"/>
+            <p:cNvPicPr>
+              <a:picLocks noChangeAspect="1"/>
+            </p:cNvPicPr>
+            <p:nvPr/>
+          </p:nvPicPr>
+          <p:blipFill>
+            <a:blip r:embed="rId10" cstate="print"/>
+            <a:stretch>
+              <a:fillRect/>
+            </a:stretch>
+          </p:blipFill>
+          <p:spPr>
+            <a:xfrm>
+              <a:off x="1114914" y="3782835"/>
+              <a:ext cx="5891629" cy="1215943"/>
+            </a:xfrm>
+            <a:prstGeom prst="rect">
+              <a:avLst/>
+            </a:prstGeom>
+          </p:spPr>
+        </p:pic>
+        <p:pic>
+          <p:nvPicPr>
+            <p:cNvPr id="20" name="Object 19"/>
+            <p:cNvPicPr>
+              <a:picLocks noChangeAspect="1"/>
+            </p:cNvPicPr>
+            <p:nvPr/>
+          </p:nvPicPr>
+          <p:blipFill>
+            <a:blip r:embed="rId11" cstate="print"/>
+            <a:stretch>
+              <a:fillRect/>
+            </a:stretch>
+          </p:blipFill>
+          <p:spPr>
+            <a:xfrm>
+              <a:off x="1147257" y="4838289"/>
+              <a:ext cx="3994743" cy="1381810"/>
+            </a:xfrm>
+            <a:prstGeom prst="rect">
+              <a:avLst/>
+            </a:prstGeom>
+          </p:spPr>
+        </p:pic>
+        <p:pic>
+          <p:nvPicPr>
+            <p:cNvPr id="21" name="Object 20"/>
+            <p:cNvPicPr>
+              <a:picLocks noChangeAspect="1"/>
+            </p:cNvPicPr>
+            <p:nvPr/>
+          </p:nvPicPr>
+          <p:blipFill>
+            <a:blip r:embed="rId12" cstate="print"/>
+            <a:stretch>
+              <a:fillRect/>
+            </a:stretch>
+          </p:blipFill>
+          <p:spPr>
+            <a:xfrm>
+              <a:off x="7991643" y="3782835"/>
+              <a:ext cx="4622581" cy="1215943"/>
+            </a:xfrm>
+            <a:prstGeom prst="rect">
+              <a:avLst/>
+            </a:prstGeom>
+          </p:spPr>
+        </p:pic>
+        <p:pic>
+          <p:nvPicPr>
+            <p:cNvPr id="22" name="Object 21"/>
+            <p:cNvPicPr>
+              <a:picLocks noChangeAspect="1"/>
+            </p:cNvPicPr>
+            <p:nvPr/>
+          </p:nvPicPr>
+          <p:blipFill>
+            <a:blip r:embed="rId13" cstate="print"/>
+            <a:stretch>
+              <a:fillRect/>
+            </a:stretch>
+          </p:blipFill>
+          <p:spPr>
+            <a:xfrm>
+              <a:off x="13764567" y="3782835"/>
+              <a:ext cx="2886371" cy="1215943"/>
+            </a:xfrm>
+            <a:prstGeom prst="rect">
+              <a:avLst/>
+            </a:prstGeom>
+          </p:spPr>
+        </p:pic>
+        <p:pic>
+          <p:nvPicPr>
+            <p:cNvPr id="23" name="Object 22"/>
+            <p:cNvPicPr>
+              <a:picLocks noChangeAspect="1"/>
+            </p:cNvPicPr>
+            <p:nvPr/>
+          </p:nvPicPr>
+          <p:blipFill>
+            <a:blip r:embed="rId14" cstate="print"/>
+            <a:stretch>
+              <a:fillRect/>
+            </a:stretch>
+          </p:blipFill>
+          <p:spPr>
+            <a:xfrm>
+              <a:off x="8023986" y="4838289"/>
+              <a:ext cx="3503914" cy="1381810"/>
+            </a:xfrm>
+            <a:prstGeom prst="rect">
+              <a:avLst/>
+            </a:prstGeom>
+          </p:spPr>
+        </p:pic>
+        <p:pic>
+          <p:nvPicPr>
+            <p:cNvPr id="24" name="Object 23"/>
+            <p:cNvPicPr>
+              <a:picLocks noChangeAspect="1"/>
+            </p:cNvPicPr>
+            <p:nvPr/>
+          </p:nvPicPr>
+          <p:blipFill>
+            <a:blip r:embed="rId15" cstate="print"/>
+            <a:stretch>
+              <a:fillRect/>
+            </a:stretch>
+          </p:blipFill>
+          <p:spPr>
+            <a:xfrm>
+              <a:off x="13796910" y="4838289"/>
+              <a:ext cx="3784743" cy="1381810"/>
+            </a:xfrm>
+            <a:prstGeom prst="rect">
+              <a:avLst/>
+            </a:prstGeom>
+          </p:spPr>
+        </p:pic>
+      </p:grpSp>
+      <p:grpSp>
+        <p:nvGrpSpPr>
+          <p:cNvPr id="1006" name="그룹 1006"/>
+          <p:cNvGrpSpPr/>
+          <p:nvPr/>
+        </p:nvGrpSpPr>
+        <p:grpSpPr>
+          <a:xfrm>
+            <a:off x="2732775" y="7423824"/>
+            <a:ext cx="13526082" cy="2023810"/>
+            <a:chOff x="2732775" y="7423824"/>
+            <a:chExt cx="13526082" cy="2023810"/>
+          </a:xfrm>
+        </p:grpSpPr>
+        <p:pic>
+          <p:nvPicPr>
+            <p:cNvPr id="27" name="Object 26"/>
+            <p:cNvPicPr>
+              <a:picLocks noChangeAspect="1"/>
+            </p:cNvPicPr>
+            <p:nvPr/>
+          </p:nvPicPr>
+          <p:blipFill>
+            <a:blip r:embed="rId16" cstate="print"/>
+            <a:stretch>
+              <a:fillRect/>
+            </a:stretch>
+          </p:blipFill>
+          <p:spPr>
+            <a:xfrm>
+              <a:off x="2586108" y="7283074"/>
+              <a:ext cx="5582305" cy="1215943"/>
+            </a:xfrm>
+            <a:prstGeom prst="rect">
+              <a:avLst/>
+            </a:prstGeom>
+          </p:spPr>
+        </p:pic>
+        <p:pic>
+          <p:nvPicPr>
+            <p:cNvPr id="28" name="Object 27"/>
+            <p:cNvPicPr>
+              <a:picLocks noChangeAspect="1"/>
+            </p:cNvPicPr>
+            <p:nvPr/>
+          </p:nvPicPr>
+          <p:blipFill>
+            <a:blip r:embed="rId17" cstate="print"/>
+            <a:stretch>
+              <a:fillRect/>
+            </a:stretch>
+          </p:blipFill>
+          <p:spPr>
+            <a:xfrm>
+              <a:off x="10181290" y="7244119"/>
+              <a:ext cx="5192524" cy="1215943"/>
+            </a:xfrm>
+            <a:prstGeom prst="rect">
+              <a:avLst/>
+            </a:prstGeom>
+          </p:spPr>
+        </p:pic>
+        <p:pic>
+          <p:nvPicPr>
+            <p:cNvPr id="29" name="Object 28"/>
+            <p:cNvPicPr>
+              <a:picLocks noChangeAspect="1"/>
+            </p:cNvPicPr>
+            <p:nvPr/>
+          </p:nvPicPr>
+          <p:blipFill>
+            <a:blip r:embed="rId18" cstate="print"/>
+            <a:stretch>
+              <a:fillRect/>
+            </a:stretch>
+          </p:blipFill>
+          <p:spPr>
+            <a:xfrm>
+              <a:off x="2643289" y="8281796"/>
+              <a:ext cx="5141057" cy="1381810"/>
+            </a:xfrm>
+            <a:prstGeom prst="rect">
+              <a:avLst/>
+            </a:prstGeom>
+          </p:spPr>
+        </p:pic>
+        <p:pic>
+          <p:nvPicPr>
+            <p:cNvPr id="30" name="Object 29"/>
+            <p:cNvPicPr>
+              <a:picLocks noChangeAspect="1"/>
+            </p:cNvPicPr>
+            <p:nvPr/>
+          </p:nvPicPr>
+          <p:blipFill>
+            <a:blip r:embed="rId19" cstate="print"/>
+            <a:stretch>
+              <a:fillRect/>
+            </a:stretch>
+          </p:blipFill>
+          <p:spPr>
+            <a:xfrm>
+              <a:off x="10223157" y="8244560"/>
+              <a:ext cx="5239029" cy="1381810"/>
+            </a:xfrm>
+            <a:prstGeom prst="rect">
+              <a:avLst/>
+            </a:prstGeom>
+          </p:spPr>
+        </p:pic>
+      </p:grpSp>
+      <p:pic>
+        <p:nvPicPr>
+          <p:cNvPr id="32" name="Object 31"/>
+          <p:cNvPicPr>
+            <a:picLocks noChangeAspect="1"/>
+          </p:cNvPicPr>
+          <p:nvPr/>
+        </p:nvPicPr>
+        <p:blipFill>
+          <a:blip r:embed="rId20" cstate="print"/>
+          <a:stretch>
+            <a:fillRect/>
+          </a:stretch>
+        </p:blipFill>
+        <p:spPr>
+          <a:xfrm>
+            <a:off x="1256403" y="4392104"/>
+            <a:ext cx="2569724" cy="956581"/>
+          </a:xfrm>
+          <a:prstGeom prst="rect">
+            <a:avLst/>
+          </a:prstGeom>
+        </p:spPr>
+      </p:pic>
+      <p:pic>
+        <p:nvPicPr>
+          <p:cNvPr id="33" name="Object 32"/>
+          <p:cNvPicPr>
+            <a:picLocks noChangeAspect="1"/>
+          </p:cNvPicPr>
+          <p:nvPr/>
+        </p:nvPicPr>
+        <p:blipFill>
+          <a:blip r:embed="rId21" cstate="print"/>
+          <a:stretch>
+            <a:fillRect/>
+          </a:stretch>
+        </p:blipFill>
+        <p:spPr>
+          <a:xfrm>
+            <a:off x="10250012" y="7825608"/>
+            <a:ext cx="2872648" cy="956581"/>
+          </a:xfrm>
+          <a:prstGeom prst="rect">
+            <a:avLst/>
+          </a:prstGeom>
+        </p:spPr>
+      </p:pic>
+      <p:pic>
+        <p:nvPicPr>
+          <p:cNvPr id="34" name="Object 33"/>
+          <p:cNvPicPr>
+            <a:picLocks noChangeAspect="1"/>
+          </p:cNvPicPr>
+          <p:nvPr/>
+        </p:nvPicPr>
+        <p:blipFill>
+          <a:blip r:embed="rId22" cstate="print"/>
+          <a:stretch>
+            <a:fillRect/>
+          </a:stretch>
+        </p:blipFill>
+        <p:spPr>
+          <a:xfrm>
+            <a:off x="2599260" y="7825608"/>
+            <a:ext cx="2977210" cy="956581"/>
+          </a:xfrm>
+          <a:prstGeom prst="rect">
+            <a:avLst/>
+          </a:prstGeom>
+        </p:spPr>
+      </p:pic>
+      <p:pic>
+        <p:nvPicPr>
+          <p:cNvPr id="35" name="Object 34"/>
+          <p:cNvPicPr>
+            <a:picLocks noChangeAspect="1"/>
+          </p:cNvPicPr>
+          <p:nvPr/>
+        </p:nvPicPr>
+        <p:blipFill>
+          <a:blip r:embed="rId23" cstate="print"/>
+          <a:stretch>
+            <a:fillRect/>
+          </a:stretch>
+        </p:blipFill>
+        <p:spPr>
+          <a:xfrm>
+            <a:off x="13763437" y="4415574"/>
+            <a:ext cx="2704895" cy="1395219"/>
+          </a:xfrm>
+          <a:prstGeom prst="rect">
+            <a:avLst/>
+          </a:prstGeom>
+        </p:spPr>
+      </p:pic>
+      <p:pic>
+        <p:nvPicPr>
+          <p:cNvPr id="36" name="Object 35"/>
+          <p:cNvPicPr>
+            <a:picLocks noChangeAspect="1"/>
+          </p:cNvPicPr>
+          <p:nvPr/>
+        </p:nvPicPr>
+        <p:blipFill>
+          <a:blip r:embed="rId24" cstate="print"/>
+          <a:stretch>
+            <a:fillRect/>
+          </a:stretch>
+        </p:blipFill>
+        <p:spPr>
+          <a:xfrm>
+            <a:off x="8076010" y="4380593"/>
+            <a:ext cx="2510743" cy="1395219"/>
+          </a:xfrm>
+          <a:prstGeom prst="rect">
+            <a:avLst/>
+          </a:prstGeom>
+        </p:spPr>
+      </p:pic>
+    </p:spTree>
+  </p:cSld>
+  <p:clrMapOvr>
+    <a:masterClrMapping/>
+  </p:clrMapOvr>
+</p:sld>
+</file>
+
+<file path=ppt/slides/slide13.xml><?xml version="1.0" encoding="utf-8"?>
+<p:sld xmlns:a="http://schemas.openxmlformats.org/drawingml/2006/main" xmlns:r="http://schemas.openxmlformats.org/officeDocument/2006/relationships" xmlns:p="http://schemas.openxmlformats.org/presentationml/2006/main">
+  <p:cSld name="Slide 13">
+    <p:bg>
+      <p:bgPr>
+        <a:solidFill>
+          <a:srgbClr val="BFD5FB"/>
+        </a:solidFill>
+        <a:effectLst/>
+      </p:bgPr>
+    </p:bg>
+    <p:spTree>
+      <p:nvGrpSpPr>
+        <p:cNvPr id="1" name=""/>
+        <p:cNvGrpSpPr/>
+        <p:nvPr/>
+      </p:nvGrpSpPr>
+      <p:grpSpPr>
+        <a:xfrm>
+          <a:off x="0" y="0"/>
+          <a:ext cx="0" cy="0"/>
+          <a:chOff x="0" y="0"/>
+          <a:chExt cx="0" cy="0"/>
+        </a:xfrm>
+      </p:grpSpPr>
+      <p:grpSp>
+        <p:nvGrpSpPr>
+          <p:cNvPr id="1001" name="그룹 1001"/>
+          <p:cNvGrpSpPr/>
+          <p:nvPr/>
+        </p:nvGrpSpPr>
+        <p:grpSpPr>
+          <a:xfrm>
+            <a:off x="2530364" y="-1501659"/>
+            <a:ext cx="13224986" cy="17283836"/>
+            <a:chOff x="2530364" y="-1501659"/>
+            <a:chExt cx="13224986" cy="17283836"/>
+          </a:xfrm>
+        </p:grpSpPr>
+        <p:pic>
+          <p:nvPicPr>
+            <p:cNvPr id="3" name="Object 2"/>
+            <p:cNvPicPr>
+              <a:picLocks noChangeAspect="1"/>
+            </p:cNvPicPr>
+            <p:nvPr/>
+          </p:nvPicPr>
+          <p:blipFill>
+            <a:blip r:embed="rId2" cstate="print"/>
+            <a:stretch>
+              <a:fillRect/>
+            </a:stretch>
+          </p:blipFill>
+          <p:spPr>
+            <a:xfrm rot="-5400000">
+              <a:off x="-4082129" y="-10143576"/>
+              <a:ext cx="26449972" cy="34567671"/>
+            </a:xfrm>
+            <a:prstGeom prst="rect">
+              <a:avLst/>
+            </a:prstGeom>
+          </p:spPr>
+        </p:pic>
+        <p:pic>
+          <p:nvPicPr>
+            <p:cNvPr id="4" name="Object 3"/>
+            <p:cNvPicPr>
+              <a:picLocks noChangeAspect="1"/>
+            </p:cNvPicPr>
+            <p:nvPr/>
+          </p:nvPicPr>
+          <p:blipFill>
+            <a:blip r:embed="rId3" cstate="print"/>
+            <a:stretch>
+              <a:fillRect/>
+            </a:stretch>
+          </p:blipFill>
+          <p:spPr>
+            <a:xfrm rot="-5400000">
+              <a:off x="2530364" y="-1501659"/>
+              <a:ext cx="13224986" cy="17283836"/>
+            </a:xfrm>
+            <a:prstGeom prst="rect">
+              <a:avLst/>
+            </a:prstGeom>
+          </p:spPr>
+        </p:pic>
+      </p:grpSp>
+      <p:grpSp>
+        <p:nvGrpSpPr>
+          <p:cNvPr id="1002" name="그룹 1002"/>
+          <p:cNvGrpSpPr/>
+          <p:nvPr/>
+        </p:nvGrpSpPr>
+        <p:grpSpPr>
+          <a:xfrm>
+            <a:off x="1053846" y="3657143"/>
+            <a:ext cx="16178022" cy="21429"/>
+            <a:chOff x="1053846" y="3657143"/>
+            <a:chExt cx="16178022" cy="21429"/>
+          </a:xfrm>
+        </p:grpSpPr>
+        <p:pic>
+          <p:nvPicPr>
+            <p:cNvPr id="7" name="Object 6"/>
+            <p:cNvPicPr>
+              <a:picLocks noChangeAspect="1"/>
+            </p:cNvPicPr>
+            <p:nvPr/>
+          </p:nvPicPr>
+          <p:blipFill>
+            <a:blip r:embed="rId4" cstate="print"/>
+            <a:stretch>
+              <a:fillRect/>
+            </a:stretch>
+          </p:blipFill>
+          <p:spPr>
+            <a:xfrm>
+              <a:off x="1053846" y="3657143"/>
+              <a:ext cx="16178022" cy="21429"/>
+            </a:xfrm>
+            <a:prstGeom prst="rect">
+              <a:avLst/>
+            </a:prstGeom>
+          </p:spPr>
+        </p:pic>
+      </p:grpSp>
+      <p:grpSp>
+        <p:nvGrpSpPr>
+          <p:cNvPr id="1003" name="그룹 1003"/>
+          <p:cNvGrpSpPr/>
+          <p:nvPr/>
+        </p:nvGrpSpPr>
+        <p:grpSpPr>
+          <a:xfrm>
+            <a:off x="2120195" y="2859641"/>
+            <a:ext cx="1246589" cy="21429"/>
+            <a:chOff x="2120195" y="2859641"/>
+            <a:chExt cx="1246589" cy="21429"/>
+          </a:xfrm>
+        </p:grpSpPr>
+        <p:pic>
+          <p:nvPicPr>
+            <p:cNvPr id="10" name="Object 9"/>
+            <p:cNvPicPr>
+              <a:picLocks noChangeAspect="1"/>
+            </p:cNvPicPr>
+            <p:nvPr/>
+          </p:nvPicPr>
+          <p:blipFill>
+            <a:blip r:embed="rId5" cstate="print"/>
+            <a:stretch>
+              <a:fillRect/>
+            </a:stretch>
+          </p:blipFill>
+          <p:spPr>
+            <a:xfrm rot="5400000">
+              <a:off x="2120195" y="2859641"/>
+              <a:ext cx="1246589" cy="21429"/>
+            </a:xfrm>
+            <a:prstGeom prst="rect">
+              <a:avLst/>
+            </a:prstGeom>
+          </p:spPr>
+        </p:pic>
+      </p:grpSp>
+      <p:pic>
+        <p:nvPicPr>
+          <p:cNvPr id="12" name="Object 11"/>
+          <p:cNvPicPr>
+            <a:picLocks noChangeAspect="1"/>
+          </p:cNvPicPr>
+          <p:nvPr/>
+        </p:nvPicPr>
+        <p:blipFill>
+          <a:blip r:embed="rId6" cstate="print"/>
+          <a:stretch>
+            <a:fillRect/>
+          </a:stretch>
+        </p:blipFill>
+        <p:spPr>
+          <a:xfrm>
+            <a:off x="2947071" y="1856902"/>
+            <a:ext cx="3920667" cy="2349924"/>
+          </a:xfrm>
+          <a:prstGeom prst="rect">
+            <a:avLst/>
+          </a:prstGeom>
+        </p:spPr>
+      </p:pic>
+      <p:pic>
+        <p:nvPicPr>
+          <p:cNvPr id="13" name="Object 12"/>
+          <p:cNvPicPr>
+            <a:picLocks noChangeAspect="1"/>
+          </p:cNvPicPr>
+          <p:nvPr/>
+        </p:nvPicPr>
+        <p:blipFill>
+          <a:blip r:embed="rId7" cstate="print"/>
+          <a:stretch>
+            <a:fillRect/>
+          </a:stretch>
+        </p:blipFill>
+        <p:spPr>
+          <a:xfrm>
+            <a:off x="1800324" y="832049"/>
+            <a:ext cx="5207952" cy="693724"/>
+          </a:xfrm>
+          <a:prstGeom prst="rect">
+            <a:avLst/>
+          </a:prstGeom>
+        </p:spPr>
+      </p:pic>
+      <p:pic>
+        <p:nvPicPr>
+          <p:cNvPr id="14" name="Object 13"/>
+          <p:cNvPicPr>
+            <a:picLocks noChangeAspect="1"/>
+          </p:cNvPicPr>
+          <p:nvPr/>
+        </p:nvPicPr>
+        <p:blipFill>
+          <a:blip r:embed="rId8" cstate="print"/>
+          <a:stretch>
+            <a:fillRect/>
+          </a:stretch>
+        </p:blipFill>
+        <p:spPr>
+          <a:xfrm>
+            <a:off x="906914" y="1800925"/>
+            <a:ext cx="2372810" cy="2401267"/>
+          </a:xfrm>
+          <a:prstGeom prst="rect">
+            <a:avLst/>
+          </a:prstGeom>
+        </p:spPr>
+      </p:pic>
+      <p:grpSp>
+        <p:nvGrpSpPr>
+          <p:cNvPr id="1004" name="그룹 1004"/>
+          <p:cNvGrpSpPr/>
+          <p:nvPr/>
+        </p:nvGrpSpPr>
+        <p:grpSpPr>
+          <a:xfrm>
+            <a:off x="8128180" y="4215556"/>
+            <a:ext cx="8446182" cy="5174935"/>
+            <a:chOff x="8128180" y="4215556"/>
+            <a:chExt cx="8446182" cy="5174935"/>
+          </a:xfrm>
+        </p:grpSpPr>
+        <p:pic>
+          <p:nvPicPr>
+            <p:cNvPr id="16" name="Object 15"/>
+            <p:cNvPicPr>
+              <a:picLocks noChangeAspect="1"/>
+            </p:cNvPicPr>
+            <p:nvPr/>
+          </p:nvPicPr>
+          <p:blipFill>
+            <a:blip r:embed="rId9" cstate="print"/>
+            <a:stretch>
+              <a:fillRect/>
+            </a:stretch>
+          </p:blipFill>
+          <p:spPr>
+            <a:xfrm>
+              <a:off x="8128180" y="4215556"/>
+              <a:ext cx="8446182" cy="5174935"/>
+            </a:xfrm>
+            <a:prstGeom prst="rect">
+              <a:avLst/>
+            </a:prstGeom>
+          </p:spPr>
+        </p:pic>
+      </p:grpSp>
+      <p:grpSp>
+        <p:nvGrpSpPr>
+          <p:cNvPr id="1005" name="그룹 1005"/>
+          <p:cNvGrpSpPr/>
+          <p:nvPr/>
+        </p:nvGrpSpPr>
+        <p:grpSpPr>
+          <a:xfrm>
+            <a:off x="1711352" y="4272698"/>
+            <a:ext cx="6294935" cy="5174935"/>
+            <a:chOff x="1711352" y="4272698"/>
+            <a:chExt cx="6294935" cy="5174935"/>
+          </a:xfrm>
+        </p:grpSpPr>
+        <p:pic>
+          <p:nvPicPr>
+            <p:cNvPr id="19" name="Object 18"/>
+            <p:cNvPicPr>
+              <a:picLocks noChangeAspect="1"/>
+            </p:cNvPicPr>
+            <p:nvPr/>
+          </p:nvPicPr>
+          <p:blipFill>
+            <a:blip r:embed="rId10" cstate="print"/>
+            <a:stretch>
+              <a:fillRect/>
+            </a:stretch>
+          </p:blipFill>
+          <p:spPr>
+            <a:xfrm>
+              <a:off x="1711352" y="4272698"/>
+              <a:ext cx="6294935" cy="5174935"/>
+            </a:xfrm>
+            <a:prstGeom prst="rect">
+              <a:avLst/>
+            </a:prstGeom>
+          </p:spPr>
+        </p:pic>
+      </p:grpSp>
+      <p:pic>
+        <p:nvPicPr>
+          <p:cNvPr id="21" name="Object 20"/>
+          <p:cNvPicPr>
+            <a:picLocks noChangeAspect="1"/>
+          </p:cNvPicPr>
+          <p:nvPr/>
+        </p:nvPicPr>
+        <p:blipFill>
+          <a:blip r:embed="rId11" cstate="print"/>
+          <a:stretch>
+            <a:fillRect/>
+          </a:stretch>
+        </p:blipFill>
+        <p:spPr>
+          <a:xfrm>
+            <a:off x="8250085" y="5757309"/>
+            <a:ext cx="8550600" cy="2503810"/>
+          </a:xfrm>
+          <a:prstGeom prst="rect">
+            <a:avLst/>
+          </a:prstGeom>
+        </p:spPr>
+      </p:pic>
+    </p:spTree>
+  </p:cSld>
+  <p:clrMapOvr>
+    <a:masterClrMapping/>
+  </p:clrMapOvr>
+</p:sld>
+</file>
+
+<file path=ppt/slides/slide14.xml><?xml version="1.0" encoding="utf-8"?>
+<p:sld xmlns:a="http://schemas.openxmlformats.org/drawingml/2006/main" xmlns:r="http://schemas.openxmlformats.org/officeDocument/2006/relationships" xmlns:p="http://schemas.openxmlformats.org/presentationml/2006/main">
+  <p:cSld name="Slide 14">
+    <p:bg>
+      <p:bgPr>
+        <a:solidFill>
+          <a:srgbClr val="BFD5FB"/>
+        </a:solidFill>
+        <a:effectLst/>
+      </p:bgPr>
+    </p:bg>
+    <p:spTree>
+      <p:nvGrpSpPr>
+        <p:cNvPr id="1" name=""/>
+        <p:cNvGrpSpPr/>
+        <p:nvPr/>
+      </p:nvGrpSpPr>
+      <p:grpSpPr>
+        <a:xfrm>
+          <a:off x="0" y="0"/>
+          <a:ext cx="0" cy="0"/>
+          <a:chOff x="0" y="0"/>
+          <a:chExt cx="0" cy="0"/>
+        </a:xfrm>
+      </p:grpSpPr>
+      <p:grpSp>
+        <p:nvGrpSpPr>
+          <p:cNvPr id="1001" name="그룹 1001"/>
+          <p:cNvGrpSpPr/>
+          <p:nvPr/>
+        </p:nvGrpSpPr>
+        <p:grpSpPr>
+          <a:xfrm>
+            <a:off x="2530364" y="-1501659"/>
+            <a:ext cx="13224986" cy="17283836"/>
+            <a:chOff x="2530364" y="-1501659"/>
+            <a:chExt cx="13224986" cy="17283836"/>
+          </a:xfrm>
+        </p:grpSpPr>
+        <p:pic>
+          <p:nvPicPr>
+            <p:cNvPr id="3" name="Object 2"/>
+            <p:cNvPicPr>
+              <a:picLocks noChangeAspect="1"/>
+            </p:cNvPicPr>
+            <p:nvPr/>
+          </p:nvPicPr>
+          <p:blipFill>
+            <a:blip r:embed="rId2" cstate="print"/>
+            <a:stretch>
+              <a:fillRect/>
+            </a:stretch>
+          </p:blipFill>
+          <p:spPr>
+            <a:xfrm rot="-5400000">
+              <a:off x="-4082129" y="-10143576"/>
+              <a:ext cx="26449972" cy="34567671"/>
+            </a:xfrm>
+            <a:prstGeom prst="rect">
+              <a:avLst/>
+            </a:prstGeom>
+          </p:spPr>
+        </p:pic>
+        <p:pic>
+          <p:nvPicPr>
+            <p:cNvPr id="4" name="Object 3"/>
+            <p:cNvPicPr>
+              <a:picLocks noChangeAspect="1"/>
+            </p:cNvPicPr>
+            <p:nvPr/>
+          </p:nvPicPr>
+          <p:blipFill>
+            <a:blip r:embed="rId3" cstate="print"/>
+            <a:stretch>
+              <a:fillRect/>
+            </a:stretch>
+          </p:blipFill>
+          <p:spPr>
+            <a:xfrm rot="-5400000">
+              <a:off x="2530364" y="-1501659"/>
+              <a:ext cx="13224986" cy="17283836"/>
+            </a:xfrm>
+            <a:prstGeom prst="rect">
+              <a:avLst/>
+            </a:prstGeom>
+          </p:spPr>
+        </p:pic>
+      </p:grpSp>
+      <p:grpSp>
+        <p:nvGrpSpPr>
+          <p:cNvPr id="1002" name="그룹 1002"/>
+          <p:cNvGrpSpPr/>
+          <p:nvPr/>
+        </p:nvGrpSpPr>
+        <p:grpSpPr>
+          <a:xfrm>
+            <a:off x="4596825" y="4372817"/>
+            <a:ext cx="9092063" cy="1883921"/>
+            <a:chOff x="4596825" y="4372817"/>
+            <a:chExt cx="9092063" cy="1883921"/>
+          </a:xfrm>
+        </p:grpSpPr>
+        <p:pic>
+          <p:nvPicPr>
+            <p:cNvPr id="7" name="Object 6"/>
+            <p:cNvPicPr>
+              <a:picLocks noChangeAspect="1"/>
+            </p:cNvPicPr>
+            <p:nvPr/>
+          </p:nvPicPr>
+          <p:blipFill>
+            <a:blip r:embed="rId4" cstate="print"/>
+            <a:stretch>
+              <a:fillRect/>
+            </a:stretch>
+          </p:blipFill>
+          <p:spPr>
+            <a:xfrm>
+              <a:off x="4596825" y="4372817"/>
+              <a:ext cx="9092063" cy="1883921"/>
+            </a:xfrm>
+            <a:prstGeom prst="rect">
+              <a:avLst/>
+            </a:prstGeom>
+          </p:spPr>
+        </p:pic>
+      </p:grpSp>
+      <p:grpSp>
+        <p:nvGrpSpPr>
+          <p:cNvPr id="1003" name="그룹 1003"/>
+          <p:cNvGrpSpPr/>
+          <p:nvPr/>
+        </p:nvGrpSpPr>
+        <p:grpSpPr>
+          <a:xfrm>
             <a:off x="2449831" y="7771389"/>
             <a:ext cx="13386052" cy="21429"/>
             <a:chOff x="2449831" y="7771389"/>
@@ -4409,7 +5837,7 @@
             <p:nvPr/>
           </p:nvPicPr>
           <p:blipFill>
-            <a:blip r:embed="rId5" cstate="print"/>
+            <a:blip r:embed="rId6" cstate="print"/>
             <a:stretch>
               <a:fillRect/>
             </a:stretch>
@@ -4434,7 +5862,7 @@
           <p:nvPr/>
         </p:nvPicPr>
         <p:blipFill>
-          <a:blip r:embed="rId6" cstate="print"/>
+          <a:blip r:embed="rId7" cstate="print"/>
           <a:stretch>
             <a:fillRect/>
           </a:stretch>
@@ -4458,7 +5886,7 @@
           <p:nvPr/>
         </p:nvPicPr>
         <p:blipFill>
-          <a:blip r:embed="rId7" cstate="print"/>
+          <a:blip r:embed="rId8" cstate="print"/>
           <a:stretch>
             <a:fillRect/>
           </a:stretch>
@@ -4482,7 +5910,7 @@
           <p:nvPr/>
         </p:nvPicPr>
         <p:blipFill>
-          <a:blip r:embed="rId8" cstate="print"/>
+          <a:blip r:embed="rId9" cstate="print"/>
           <a:stretch>
             <a:fillRect/>
           </a:stretch>
@@ -4506,7 +5934,7 @@
           <p:nvPr/>
         </p:nvPicPr>
         <p:blipFill>
-          <a:blip r:embed="rId9" cstate="print"/>
+          <a:blip r:embed="rId10" cstate="print"/>
           <a:stretch>
             <a:fillRect/>
           </a:stretch>
@@ -4530,7 +5958,7 @@
           <p:nvPr/>
         </p:nvPicPr>
         <p:blipFill>
-          <a:blip r:embed="rId10" cstate="print"/>
+          <a:blip r:embed="rId11" cstate="print"/>
           <a:stretch>
             <a:fillRect/>
           </a:stretch>
@@ -4554,7 +5982,7 @@
           <p:nvPr/>
         </p:nvPicPr>
         <p:blipFill>
-          <a:blip r:embed="rId11" cstate="print"/>
+          <a:blip r:embed="rId12" cstate="print"/>
           <a:stretch>
             <a:fillRect/>
           </a:stretch>
@@ -4578,7 +6006,7 @@
           <p:nvPr/>
         </p:nvPicPr>
         <p:blipFill>
-          <a:blip r:embed="rId12" cstate="print"/>
+          <a:blip r:embed="rId13" cstate="print"/>
           <a:stretch>
             <a:fillRect/>
           </a:stretch>
@@ -4602,7 +6030,7 @@
           <p:nvPr/>
         </p:nvPicPr>
         <p:blipFill>
-          <a:blip r:embed="rId13" cstate="print"/>
+          <a:blip r:embed="rId14" cstate="print"/>
           <a:stretch>
             <a:fillRect/>
           </a:stretch>
@@ -4626,7 +6054,7 @@
           <p:nvPr/>
         </p:nvPicPr>
         <p:blipFill>
-          <a:blip r:embed="rId14" cstate="print"/>
+          <a:blip r:embed="rId15" cstate="print"/>
           <a:stretch>
             <a:fillRect/>
           </a:stretch>
@@ -4650,7 +6078,7 @@
           <p:nvPr/>
         </p:nvPicPr>
         <p:blipFill>
-          <a:blip r:embed="rId15" cstate="print"/>
+          <a:blip r:embed="rId16" cstate="print"/>
           <a:stretch>
             <a:fillRect/>
           </a:stretch>
@@ -4942,8 +6370,8 @@
         </p:blipFill>
         <p:spPr>
           <a:xfrm>
-            <a:off x="7490183" y="4670634"/>
-            <a:ext cx="1068714" cy="747086"/>
+            <a:off x="7504078" y="4593167"/>
+            <a:ext cx="1096438" cy="919010"/>
           </a:xfrm>
           <a:prstGeom prst="rect">
             <a:avLst/>
@@ -4973,7 +6401,7 @@
             <p:nvPr/>
           </p:nvPicPr>
           <p:blipFill>
-            <a:blip r:embed="rId7" cstate="print"/>
+            <a:blip r:embed="rId10" cstate="print"/>
             <a:stretch>
               <a:fillRect/>
             </a:stretch>
@@ -5012,7 +6440,7 @@
             <p:nvPr/>
           </p:nvPicPr>
           <p:blipFill>
-            <a:blip r:embed="rId8" cstate="print"/>
+            <a:blip r:embed="rId11" cstate="print"/>
             <a:stretch>
               <a:fillRect/>
             </a:stretch>
@@ -5037,15 +6465,15 @@
           <p:nvPr/>
         </p:nvPicPr>
         <p:blipFill>
-          <a:blip r:embed="rId10" cstate="print"/>
+          <a:blip r:embed="rId12" cstate="print"/>
           <a:stretch>
             <a:fillRect/>
           </a:stretch>
         </p:blipFill>
         <p:spPr>
           <a:xfrm>
-            <a:off x="10045476" y="4670632"/>
-            <a:ext cx="1069629" cy="747086"/>
+            <a:off x="10063152" y="4593165"/>
+            <a:ext cx="1095533" cy="919010"/>
           </a:xfrm>
           <a:prstGeom prst="rect">
             <a:avLst/>
@@ -5075,7 +6503,7 @@
             <p:nvPr/>
           </p:nvPicPr>
           <p:blipFill>
-            <a:blip r:embed="rId7" cstate="print"/>
+            <a:blip r:embed="rId13" cstate="print"/>
             <a:stretch>
               <a:fillRect/>
             </a:stretch>
@@ -5114,7 +6542,7 @@
             <p:nvPr/>
           </p:nvPicPr>
           <p:blipFill>
-            <a:blip r:embed="rId8" cstate="print"/>
+            <a:blip r:embed="rId14" cstate="print"/>
             <a:stretch>
               <a:fillRect/>
             </a:stretch>
@@ -5139,15 +6567,15 @@
           <p:nvPr/>
         </p:nvPicPr>
         <p:blipFill>
-          <a:blip r:embed="rId11" cstate="print"/>
+          <a:blip r:embed="rId15" cstate="print"/>
           <a:stretch>
             <a:fillRect/>
           </a:stretch>
         </p:blipFill>
         <p:spPr>
           <a:xfrm>
-            <a:off x="11546841" y="5523530"/>
-            <a:ext cx="2860829" cy="689943"/>
+            <a:off x="11647936" y="5493683"/>
+            <a:ext cx="2818581" cy="855514"/>
           </a:xfrm>
           <a:prstGeom prst="rect">
             <a:avLst/>
@@ -5163,15 +6591,15 @@
           <p:nvPr/>
         </p:nvPicPr>
         <p:blipFill>
-          <a:blip r:embed="rId12" cstate="print"/>
+          <a:blip r:embed="rId16" cstate="print"/>
           <a:stretch>
             <a:fillRect/>
           </a:stretch>
         </p:blipFill>
         <p:spPr>
           <a:xfrm>
-            <a:off x="12585829" y="4670632"/>
-            <a:ext cx="1058000" cy="747086"/>
+            <a:off x="12604190" y="4593165"/>
+            <a:ext cx="1091371" cy="919010"/>
           </a:xfrm>
           <a:prstGeom prst="rect">
             <a:avLst/>
@@ -5201,7 +6629,7 @@
             <p:nvPr/>
           </p:nvPicPr>
           <p:blipFill>
-            <a:blip r:embed="rId7" cstate="print"/>
+            <a:blip r:embed="rId17" cstate="print"/>
             <a:stretch>
               <a:fillRect/>
             </a:stretch>
@@ -5240,7 +6668,7 @@
             <p:nvPr/>
           </p:nvPicPr>
           <p:blipFill>
-            <a:blip r:embed="rId8" cstate="print"/>
+            <a:blip r:embed="rId18" cstate="print"/>
             <a:stretch>
               <a:fillRect/>
             </a:stretch>
@@ -5265,15 +6693,15 @@
           <p:nvPr/>
         </p:nvPicPr>
         <p:blipFill>
-          <a:blip r:embed="rId13" cstate="print"/>
+          <a:blip r:embed="rId19" cstate="print"/>
           <a:stretch>
             <a:fillRect/>
           </a:stretch>
         </p:blipFill>
         <p:spPr>
           <a:xfrm>
-            <a:off x="14436618" y="5523530"/>
-            <a:ext cx="2507419" cy="689943"/>
+            <a:off x="14287718" y="5513677"/>
+            <a:ext cx="3003495" cy="855514"/>
           </a:xfrm>
           <a:prstGeom prst="rect">
             <a:avLst/>
@@ -5289,15 +6717,15 @@
           <p:nvPr/>
         </p:nvPicPr>
         <p:blipFill>
-          <a:blip r:embed="rId14" cstate="print"/>
+          <a:blip r:embed="rId20" cstate="print"/>
           <a:stretch>
             <a:fillRect/>
           </a:stretch>
         </p:blipFill>
         <p:spPr>
           <a:xfrm>
-            <a:off x="15124533" y="4670632"/>
-            <a:ext cx="1060838" cy="747086"/>
+            <a:off x="15143438" y="4593165"/>
+            <a:ext cx="1092581" cy="919010"/>
           </a:xfrm>
           <a:prstGeom prst="rect">
             <a:avLst/>
@@ -5327,7 +6755,7 @@
             <p:nvPr/>
           </p:nvPicPr>
           <p:blipFill>
-            <a:blip r:embed="rId15" cstate="print"/>
+            <a:blip r:embed="rId21" cstate="print"/>
             <a:stretch>
               <a:fillRect/>
             </a:stretch>
@@ -5366,7 +6794,7 @@
             <p:nvPr/>
           </p:nvPicPr>
           <p:blipFill>
-            <a:blip r:embed="rId7" cstate="print"/>
+            <a:blip r:embed="rId22" cstate="print"/>
             <a:stretch>
               <a:fillRect/>
             </a:stretch>
@@ -5405,7 +6833,7 @@
             <p:nvPr/>
           </p:nvPicPr>
           <p:blipFill>
-            <a:blip r:embed="rId8" cstate="print"/>
+            <a:blip r:embed="rId23" cstate="print"/>
             <a:stretch>
               <a:fillRect/>
             </a:stretch>
@@ -5430,15 +6858,15 @@
           <p:nvPr/>
         </p:nvPicPr>
         <p:blipFill>
-          <a:blip r:embed="rId16" cstate="print"/>
+          <a:blip r:embed="rId24" cstate="print"/>
           <a:stretch>
             <a:fillRect/>
           </a:stretch>
         </p:blipFill>
         <p:spPr>
           <a:xfrm>
-            <a:off x="8872977" y="8174768"/>
-            <a:ext cx="2998181" cy="689943"/>
+            <a:off x="8954482" y="8106825"/>
+            <a:ext cx="2956467" cy="855514"/>
           </a:xfrm>
           <a:prstGeom prst="rect">
             <a:avLst/>
@@ -5454,15 +6882,15 @@
           <p:nvPr/>
         </p:nvPicPr>
         <p:blipFill>
-          <a:blip r:embed="rId17" cstate="print"/>
+          <a:blip r:embed="rId25" cstate="print"/>
           <a:stretch>
             <a:fillRect/>
           </a:stretch>
         </p:blipFill>
         <p:spPr>
           <a:xfrm>
-            <a:off x="10049790" y="7321870"/>
-            <a:ext cx="1056686" cy="747086"/>
+            <a:off x="10068305" y="7244403"/>
+            <a:ext cx="1089600" cy="919010"/>
           </a:xfrm>
           <a:prstGeom prst="rect">
             <a:avLst/>
@@ -5492,7 +6920,7 @@
             <p:nvPr/>
           </p:nvPicPr>
           <p:blipFill>
-            <a:blip r:embed="rId7" cstate="print"/>
+            <a:blip r:embed="rId26" cstate="print"/>
             <a:stretch>
               <a:fillRect/>
             </a:stretch>
@@ -5531,7 +6959,7 @@
             <p:nvPr/>
           </p:nvPicPr>
           <p:blipFill>
-            <a:blip r:embed="rId8" cstate="print"/>
+            <a:blip r:embed="rId27" cstate="print"/>
             <a:stretch>
               <a:fillRect/>
             </a:stretch>
@@ -5556,15 +6984,15 @@
           <p:nvPr/>
         </p:nvPicPr>
         <p:blipFill>
-          <a:blip r:embed="rId18" cstate="print"/>
+          <a:blip r:embed="rId28" cstate="print"/>
           <a:stretch>
             <a:fillRect/>
           </a:stretch>
         </p:blipFill>
         <p:spPr>
           <a:xfrm>
-            <a:off x="11409488" y="8174768"/>
-            <a:ext cx="2969610" cy="689943"/>
+            <a:off x="11490993" y="8106825"/>
+            <a:ext cx="2956467" cy="855514"/>
           </a:xfrm>
           <a:prstGeom prst="rect">
             <a:avLst/>
@@ -5580,15 +7008,15 @@
           <p:nvPr/>
         </p:nvPicPr>
         <p:blipFill>
-          <a:blip r:embed="rId19" cstate="print"/>
+          <a:blip r:embed="rId29" cstate="print"/>
           <a:stretch>
             <a:fillRect/>
           </a:stretch>
         </p:blipFill>
         <p:spPr>
           <a:xfrm>
-            <a:off x="12577343" y="7321870"/>
-            <a:ext cx="1068810" cy="747086"/>
+            <a:off x="12594067" y="7244403"/>
+            <a:ext cx="1096562" cy="919010"/>
           </a:xfrm>
           <a:prstGeom prst="rect">
             <a:avLst/>
@@ -5618,7 +7046,7 @@
             <p:nvPr/>
           </p:nvPicPr>
           <p:blipFill>
-            <a:blip r:embed="rId7" cstate="print"/>
+            <a:blip r:embed="rId30" cstate="print"/>
             <a:stretch>
               <a:fillRect/>
             </a:stretch>
@@ -5657,7 +7085,7 @@
             <p:nvPr/>
           </p:nvPicPr>
           <p:blipFill>
-            <a:blip r:embed="rId8" cstate="print"/>
+            <a:blip r:embed="rId31" cstate="print"/>
             <a:stretch>
               <a:fillRect/>
             </a:stretch>
@@ -5682,15 +7110,15 @@
           <p:nvPr/>
         </p:nvPicPr>
         <p:blipFill>
-          <a:blip r:embed="rId20" cstate="print"/>
+          <a:blip r:embed="rId32" cstate="print"/>
           <a:stretch>
             <a:fillRect/>
           </a:stretch>
         </p:blipFill>
         <p:spPr>
           <a:xfrm>
-            <a:off x="13945999" y="8174768"/>
-            <a:ext cx="2998181" cy="689943"/>
+            <a:off x="14027504" y="8106825"/>
+            <a:ext cx="2956467" cy="855514"/>
           </a:xfrm>
           <a:prstGeom prst="rect">
             <a:avLst/>
@@ -5706,15 +7134,15 @@
           <p:nvPr/>
         </p:nvPicPr>
         <p:blipFill>
-          <a:blip r:embed="rId21" cstate="print"/>
+          <a:blip r:embed="rId33" cstate="print"/>
           <a:stretch>
             <a:fillRect/>
           </a:stretch>
         </p:blipFill>
         <p:spPr>
           <a:xfrm>
-            <a:off x="15122743" y="7321870"/>
-            <a:ext cx="1056686" cy="747086"/>
+            <a:off x="15141257" y="7244403"/>
+            <a:ext cx="1089600" cy="919010"/>
           </a:xfrm>
           <a:prstGeom prst="rect">
             <a:avLst/>
@@ -5730,7 +7158,7 @@
           <p:nvPr/>
         </p:nvPicPr>
         <p:blipFill>
-          <a:blip r:embed="rId22" cstate="print"/>
+          <a:blip r:embed="rId34" cstate="print"/>
           <a:stretch>
             <a:fillRect/>
           </a:stretch>
@@ -5768,7 +7196,7 @@
             <p:nvPr/>
           </p:nvPicPr>
           <p:blipFill>
-            <a:blip r:embed="rId7" cstate="print"/>
+            <a:blip r:embed="rId35" cstate="print"/>
             <a:stretch>
               <a:fillRect/>
             </a:stretch>
@@ -5807,7 +7235,7 @@
             <p:nvPr/>
           </p:nvPicPr>
           <p:blipFill>
-            <a:blip r:embed="rId8" cstate="print"/>
+            <a:blip r:embed="rId36" cstate="print"/>
             <a:stretch>
               <a:fillRect/>
             </a:stretch>
@@ -5832,15 +7260,15 @@
           <p:nvPr/>
         </p:nvPicPr>
         <p:blipFill>
-          <a:blip r:embed="rId23" cstate="print"/>
+          <a:blip r:embed="rId37" cstate="print"/>
           <a:stretch>
             <a:fillRect/>
           </a:stretch>
         </p:blipFill>
         <p:spPr>
           <a:xfrm>
-            <a:off x="6336466" y="8174768"/>
-            <a:ext cx="2950562" cy="689943"/>
+            <a:off x="6417971" y="8106825"/>
+            <a:ext cx="2937419" cy="855514"/>
           </a:xfrm>
           <a:prstGeom prst="rect">
             <a:avLst/>
@@ -5856,15 +7284,15 @@
           <p:nvPr/>
         </p:nvPicPr>
         <p:blipFill>
-          <a:blip r:embed="rId24" cstate="print"/>
+          <a:blip r:embed="rId38" cstate="print"/>
           <a:stretch>
             <a:fillRect/>
           </a:stretch>
         </p:blipFill>
         <p:spPr>
           <a:xfrm>
-            <a:off x="7511162" y="7321870"/>
-            <a:ext cx="1062914" cy="747086"/>
+            <a:off x="7529171" y="7244403"/>
+            <a:ext cx="1097343" cy="919010"/>
           </a:xfrm>
           <a:prstGeom prst="rect">
             <a:avLst/>
@@ -5880,15 +7308,15 @@
           <p:nvPr/>
         </p:nvPicPr>
         <p:blipFill>
-          <a:blip r:embed="rId25" cstate="print"/>
+          <a:blip r:embed="rId39" cstate="print"/>
           <a:stretch>
             <a:fillRect/>
           </a:stretch>
         </p:blipFill>
         <p:spPr>
           <a:xfrm>
-            <a:off x="6163074" y="5538763"/>
-            <a:ext cx="3154390" cy="728038"/>
+            <a:off x="6205798" y="5442249"/>
+            <a:ext cx="3189657" cy="880914"/>
           </a:xfrm>
           <a:prstGeom prst="rect">
             <a:avLst/>
@@ -5904,15 +7332,15 @@
           <p:nvPr/>
         </p:nvPicPr>
         <p:blipFill>
-          <a:blip r:embed="rId26" cstate="print"/>
+          <a:blip r:embed="rId40" cstate="print"/>
           <a:stretch>
             <a:fillRect/>
           </a:stretch>
         </p:blipFill>
         <p:spPr>
           <a:xfrm>
-            <a:off x="8619591" y="5514935"/>
-            <a:ext cx="3249914" cy="728038"/>
+            <a:off x="8649219" y="5456516"/>
+            <a:ext cx="3269648" cy="880914"/>
           </a:xfrm>
           <a:prstGeom prst="rect">
             <a:avLst/>
@@ -6279,7 +7707,7 @@
                 <p:nvPr/>
               </p:nvPicPr>
               <p:blipFill>
-                <a:blip r:embed="rId9" cstate="print"/>
+                <a:blip r:embed="rId11" cstate="print"/>
                 <a:stretch>
                   <a:fillRect/>
                 </a:stretch>
@@ -6304,7 +7732,7 @@
               <p:nvPr/>
             </p:nvPicPr>
             <p:blipFill>
-              <a:blip r:embed="rId11" cstate="print"/>
+              <a:blip r:embed="rId12" cstate="print"/>
               <a:stretch>
                 <a:fillRect/>
               </a:stretch>
@@ -6342,7 +7770,7 @@
                 <p:nvPr/>
               </p:nvPicPr>
               <p:blipFill>
-                <a:blip r:embed="rId9" cstate="print"/>
+                <a:blip r:embed="rId13" cstate="print"/>
                 <a:stretch>
                   <a:fillRect/>
                 </a:stretch>
@@ -6367,7 +7795,7 @@
               <p:nvPr/>
             </p:nvPicPr>
             <p:blipFill>
-              <a:blip r:embed="rId11" cstate="print"/>
+              <a:blip r:embed="rId14" cstate="print"/>
               <a:stretch>
                 <a:fillRect/>
               </a:stretch>
@@ -6405,7 +7833,7 @@
                 <p:nvPr/>
               </p:nvPicPr>
               <p:blipFill>
-                <a:blip r:embed="rId9" cstate="print"/>
+                <a:blip r:embed="rId15" cstate="print"/>
                 <a:stretch>
                   <a:fillRect/>
                 </a:stretch>
@@ -6430,7 +7858,7 @@
               <p:nvPr/>
             </p:nvPicPr>
             <p:blipFill>
-              <a:blip r:embed="rId11" cstate="print"/>
+              <a:blip r:embed="rId16" cstate="print"/>
               <a:stretch>
                 <a:fillRect/>
               </a:stretch>
@@ -6483,7 +7911,7 @@
                 <p:nvPr/>
               </p:nvPicPr>
               <p:blipFill>
-                <a:blip r:embed="rId9" cstate="print"/>
+                <a:blip r:embed="rId17" cstate="print"/>
                 <a:stretch>
                   <a:fillRect/>
                 </a:stretch>
@@ -6508,7 +7936,7 @@
               <p:nvPr/>
             </p:nvPicPr>
             <p:blipFill>
-              <a:blip r:embed="rId12" cstate="print"/>
+              <a:blip r:embed="rId18" cstate="print"/>
               <a:stretch>
                 <a:fillRect/>
               </a:stretch>
@@ -6548,7 +7976,7 @@
             <p:nvPr/>
           </p:nvPicPr>
           <p:blipFill>
-            <a:blip r:embed="rId13" cstate="print"/>
+            <a:blip r:embed="rId19" cstate="print"/>
             <a:stretch>
               <a:fillRect/>
             </a:stretch>
@@ -6587,7 +8015,7 @@
             <p:nvPr/>
           </p:nvPicPr>
           <p:blipFill>
-            <a:blip r:embed="rId13" cstate="print"/>
+            <a:blip r:embed="rId20" cstate="print"/>
             <a:stretch>
               <a:fillRect/>
             </a:stretch>
@@ -6626,7 +8054,7 @@
             <p:nvPr/>
           </p:nvPicPr>
           <p:blipFill>
-            <a:blip r:embed="rId13" cstate="print"/>
+            <a:blip r:embed="rId21" cstate="print"/>
             <a:stretch>
               <a:fillRect/>
             </a:stretch>
@@ -6665,7 +8093,7 @@
             <p:nvPr/>
           </p:nvPicPr>
           <p:blipFill>
-            <a:blip r:embed="rId14" cstate="print"/>
+            <a:blip r:embed="rId22" cstate="print"/>
             <a:stretch>
               <a:fillRect/>
             </a:stretch>
@@ -6690,7 +8118,7 @@
           <p:nvPr/>
         </p:nvPicPr>
         <p:blipFill>
-          <a:blip r:embed="rId15" cstate="print"/>
+          <a:blip r:embed="rId23" cstate="print"/>
           <a:stretch>
             <a:fillRect/>
           </a:stretch>
@@ -6714,7 +8142,7 @@
           <p:nvPr/>
         </p:nvPicPr>
         <p:blipFill>
-          <a:blip r:embed="rId16" cstate="print"/>
+          <a:blip r:embed="rId24" cstate="print"/>
           <a:stretch>
             <a:fillRect/>
           </a:stretch>
@@ -6752,7 +8180,7 @@
             <p:nvPr/>
           </p:nvPicPr>
           <p:blipFill>
-            <a:blip r:embed="rId14" cstate="print"/>
+            <a:blip r:embed="rId25" cstate="print"/>
             <a:stretch>
               <a:fillRect/>
             </a:stretch>
@@ -6777,7 +8205,7 @@
           <p:nvPr/>
         </p:nvPicPr>
         <p:blipFill>
-          <a:blip r:embed="rId17" cstate="print"/>
+          <a:blip r:embed="rId26" cstate="print"/>
           <a:stretch>
             <a:fillRect/>
           </a:stretch>
@@ -6801,7 +8229,7 @@
           <p:nvPr/>
         </p:nvPicPr>
         <p:blipFill>
-          <a:blip r:embed="rId18" cstate="print"/>
+          <a:blip r:embed="rId27" cstate="print"/>
           <a:stretch>
             <a:fillRect/>
           </a:stretch>
@@ -6839,7 +8267,7 @@
             <p:nvPr/>
           </p:nvPicPr>
           <p:blipFill>
-            <a:blip r:embed="rId14" cstate="print"/>
+            <a:blip r:embed="rId28" cstate="print"/>
             <a:stretch>
               <a:fillRect/>
             </a:stretch>
@@ -6864,7 +8292,7 @@
           <p:nvPr/>
         </p:nvPicPr>
         <p:blipFill>
-          <a:blip r:embed="rId19" cstate="print"/>
+          <a:blip r:embed="rId29" cstate="print"/>
           <a:stretch>
             <a:fillRect/>
           </a:stretch>
@@ -6888,15 +8316,15 @@
           <p:nvPr/>
         </p:nvPicPr>
         <p:blipFill>
-          <a:blip r:embed="rId20" cstate="print"/>
+          <a:blip r:embed="rId30" cstate="print"/>
           <a:stretch>
             <a:fillRect/>
           </a:stretch>
         </p:blipFill>
         <p:spPr>
           <a:xfrm>
-            <a:off x="7901462" y="7174235"/>
-            <a:ext cx="1504590" cy="829124"/>
+            <a:off x="7901414" y="7164664"/>
+            <a:ext cx="2029124" cy="851438"/>
           </a:xfrm>
           <a:prstGeom prst="rect">
             <a:avLst/>
@@ -6940,7 +8368,7 @@
               <p:nvPr/>
             </p:nvPicPr>
             <p:blipFill>
-              <a:blip r:embed="rId13" cstate="print"/>
+              <a:blip r:embed="rId31" cstate="print"/>
               <a:stretch>
                 <a:fillRect/>
               </a:stretch>
@@ -6979,7 +8407,7 @@
               <p:nvPr/>
             </p:nvPicPr>
             <p:blipFill>
-              <a:blip r:embed="rId14" cstate="print"/>
+              <a:blip r:embed="rId32" cstate="print"/>
               <a:stretch>
                 <a:fillRect/>
               </a:stretch>
@@ -7004,7 +8432,7 @@
             <p:nvPr/>
           </p:nvPicPr>
           <p:blipFill>
-            <a:blip r:embed="rId21" cstate="print"/>
+            <a:blip r:embed="rId33" cstate="print"/>
             <a:stretch>
               <a:fillRect/>
             </a:stretch>
@@ -7028,15 +8456,15 @@
             <p:nvPr/>
           </p:nvPicPr>
           <p:blipFill>
-            <a:blip r:embed="rId22" cstate="print"/>
+            <a:blip r:embed="rId34" cstate="print"/>
             <a:stretch>
               <a:fillRect/>
             </a:stretch>
           </p:blipFill>
           <p:spPr>
             <a:xfrm>
-              <a:off x="11232582" y="7174235"/>
-              <a:ext cx="1427152" cy="829124"/>
+              <a:off x="11232535" y="7164664"/>
+              <a:ext cx="1426867" cy="829219"/>
             </a:xfrm>
             <a:prstGeom prst="rect">
               <a:avLst/>
@@ -7052,10 +8480,10 @@
         </p:nvGrpSpPr>
         <p:grpSpPr>
           <a:xfrm>
-            <a:off x="13702149" y="5363717"/>
-            <a:ext cx="3836294" cy="2999021"/>
-            <a:chOff x="13702149" y="5363717"/>
-            <a:chExt cx="3836294" cy="2999021"/>
+            <a:off x="14318562" y="5142857"/>
+            <a:ext cx="2999021" cy="3440741"/>
+            <a:chOff x="14318562" y="5142857"/>
+            <a:chExt cx="2999021" cy="3440741"/>
           </a:xfrm>
         </p:grpSpPr>
         <p:grpSp>
@@ -7081,7 +8509,7 @@
               <p:nvPr/>
             </p:nvPicPr>
             <p:blipFill>
-              <a:blip r:embed="rId13" cstate="print"/>
+              <a:blip r:embed="rId35" cstate="print"/>
               <a:stretch>
                 <a:fillRect/>
               </a:stretch>
@@ -7120,7 +8548,7 @@
               <p:nvPr/>
             </p:nvPicPr>
             <p:blipFill>
-              <a:blip r:embed="rId14" cstate="print"/>
+              <a:blip r:embed="rId36" cstate="print"/>
               <a:stretch>
                 <a:fillRect/>
               </a:stretch>
@@ -7145,7 +8573,7 @@
             <p:nvPr/>
           </p:nvPicPr>
           <p:blipFill>
-            <a:blip r:embed="rId23" cstate="print"/>
+            <a:blip r:embed="rId37" cstate="print"/>
             <a:stretch>
               <a:fillRect/>
             </a:stretch>
@@ -7169,15 +8597,15 @@
             <p:nvPr/>
           </p:nvPicPr>
           <p:blipFill>
-            <a:blip r:embed="rId24" cstate="print"/>
+            <a:blip r:embed="rId38" cstate="print"/>
             <a:stretch>
               <a:fillRect/>
             </a:stretch>
           </p:blipFill>
           <p:spPr>
             <a:xfrm>
-              <a:off x="14532346" y="7040749"/>
-              <a:ext cx="2647000" cy="1057705"/>
+              <a:off x="14532461" y="7164664"/>
+              <a:ext cx="2298257" cy="851438"/>
             </a:xfrm>
             <a:prstGeom prst="rect">
               <a:avLst/>
@@ -7571,7 +8999,7 @@
             <p:nvPr/>
           </p:nvPicPr>
           <p:blipFill>
-            <a:blip r:embed="rId6" cstate="print"/>
+            <a:blip r:embed="rId12" cstate="print"/>
             <a:stretch>
               <a:fillRect/>
             </a:stretch>
@@ -7610,7 +9038,7 @@
             <p:nvPr/>
           </p:nvPicPr>
           <p:blipFill>
-            <a:blip r:embed="rId7" cstate="print"/>
+            <a:blip r:embed="rId13" cstate="print"/>
             <a:stretch>
               <a:fillRect/>
             </a:stretch>
@@ -7649,7 +9077,7 @@
             <p:nvPr/>
           </p:nvPicPr>
           <p:blipFill>
-            <a:blip r:embed="rId12" cstate="print"/>
+            <a:blip r:embed="rId14" cstate="print"/>
             <a:stretch>
               <a:fillRect/>
             </a:stretch>
@@ -7674,7 +9102,7 @@
           <p:nvPr/>
         </p:nvPicPr>
         <p:blipFill>
-          <a:blip r:embed="rId13" cstate="print"/>
+          <a:blip r:embed="rId15" cstate="print"/>
           <a:stretch>
             <a:fillRect/>
           </a:stretch>
@@ -7698,7 +9126,7 @@
           <p:nvPr/>
         </p:nvPicPr>
         <p:blipFill>
-          <a:blip r:embed="rId14" cstate="print"/>
+          <a:blip r:embed="rId16" cstate="print"/>
           <a:stretch>
             <a:fillRect/>
           </a:stretch>
@@ -7722,7 +9150,7 @@
           <p:nvPr/>
         </p:nvPicPr>
         <p:blipFill>
-          <a:blip r:embed="rId15" cstate="print"/>
+          <a:blip r:embed="rId17" cstate="print"/>
           <a:stretch>
             <a:fillRect/>
           </a:stretch>
@@ -7746,14 +9174,14 @@
           <p:nvPr/>
         </p:nvPicPr>
         <p:blipFill>
-          <a:blip r:embed="rId16" cstate="print"/>
+          <a:blip r:embed="rId18" cstate="print"/>
           <a:stretch>
             <a:fillRect/>
           </a:stretch>
         </p:blipFill>
         <p:spPr>
           <a:xfrm>
-            <a:off x="1197276" y="3763364"/>
+            <a:off x="1197276" y="3249078"/>
             <a:ext cx="2411619" cy="2339210"/>
           </a:xfrm>
           <a:prstGeom prst="rect">
@@ -7770,15 +9198,15 @@
           <p:nvPr/>
         </p:nvPicPr>
         <p:blipFill>
-          <a:blip r:embed="rId17" cstate="print"/>
+          <a:blip r:embed="rId19" cstate="print"/>
           <a:stretch>
             <a:fillRect/>
           </a:stretch>
         </p:blipFill>
         <p:spPr>
           <a:xfrm>
-            <a:off x="1435286" y="5696138"/>
-            <a:ext cx="4973190" cy="1573924"/>
+            <a:off x="1282905" y="4840371"/>
+            <a:ext cx="4975514" cy="5421543"/>
           </a:xfrm>
           <a:prstGeom prst="rect">
             <a:avLst/>
@@ -8132,7 +9560,7 @@
             <p:nvPr/>
           </p:nvPicPr>
           <p:blipFill>
-            <a:blip r:embed="rId6" cstate="print"/>
+            <a:blip r:embed="rId11" cstate="print"/>
             <a:stretch>
               <a:fillRect/>
             </a:stretch>
@@ -8171,7 +9599,7 @@
             <p:nvPr/>
           </p:nvPicPr>
           <p:blipFill>
-            <a:blip r:embed="rId7" cstate="print"/>
+            <a:blip r:embed="rId12" cstate="print"/>
             <a:stretch>
               <a:fillRect/>
             </a:stretch>
@@ -8196,7 +9624,7 @@
           <p:nvPr/>
         </p:nvPicPr>
         <p:blipFill>
-          <a:blip r:embed="rId11" cstate="print"/>
+          <a:blip r:embed="rId13" cstate="print"/>
           <a:stretch>
             <a:fillRect/>
           </a:stretch>
@@ -8220,7 +9648,7 @@
           <p:nvPr/>
         </p:nvPicPr>
         <p:blipFill>
-          <a:blip r:embed="rId12" cstate="print"/>
+          <a:blip r:embed="rId14" cstate="print"/>
           <a:stretch>
             <a:fillRect/>
           </a:stretch>
@@ -8244,7 +9672,7 @@
           <p:nvPr/>
         </p:nvPicPr>
         <p:blipFill>
-          <a:blip r:embed="rId13" cstate="print"/>
+          <a:blip r:embed="rId15" cstate="print"/>
           <a:stretch>
             <a:fillRect/>
           </a:stretch>
@@ -8268,7 +9696,7 @@
           <p:nvPr/>
         </p:nvPicPr>
         <p:blipFill>
-          <a:blip r:embed="rId14" cstate="print"/>
+          <a:blip r:embed="rId16" cstate="print"/>
           <a:stretch>
             <a:fillRect/>
           </a:stretch>
@@ -8600,7 +10028,7 @@
         <p:spPr>
           <a:xfrm>
             <a:off x="7810543" y="4281450"/>
-            <a:ext cx="4068533" cy="5031076"/>
+            <a:ext cx="4089467" cy="5031029"/>
           </a:xfrm>
           <a:prstGeom prst="rect">
             <a:avLst/>
@@ -8630,7 +10058,7 @@
             <p:nvPr/>
           </p:nvPicPr>
           <p:blipFill>
-            <a:blip r:embed="rId6" cstate="print"/>
+            <a:blip r:embed="rId11" cstate="print"/>
             <a:stretch>
               <a:fillRect/>
             </a:stretch>
@@ -8669,7 +10097,7 @@
             <p:nvPr/>
           </p:nvPicPr>
           <p:blipFill>
-            <a:blip r:embed="rId7" cstate="print"/>
+            <a:blip r:embed="rId12" cstate="print"/>
             <a:stretch>
               <a:fillRect/>
             </a:stretch>
@@ -8694,7 +10122,7 @@
           <p:nvPr/>
         </p:nvPicPr>
         <p:blipFill>
-          <a:blip r:embed="rId11" cstate="print"/>
+          <a:blip r:embed="rId13" cstate="print"/>
           <a:stretch>
             <a:fillRect/>
           </a:stretch>
@@ -8718,7 +10146,7 @@
           <p:nvPr/>
         </p:nvPicPr>
         <p:blipFill>
-          <a:blip r:embed="rId12" cstate="print"/>
+          <a:blip r:embed="rId14" cstate="print"/>
           <a:stretch>
             <a:fillRect/>
           </a:stretch>
@@ -8742,7 +10170,7 @@
           <p:nvPr/>
         </p:nvPicPr>
         <p:blipFill>
-          <a:blip r:embed="rId13" cstate="print"/>
+          <a:blip r:embed="rId15" cstate="print"/>
           <a:stretch>
             <a:fillRect/>
           </a:stretch>
@@ -8766,7 +10194,7 @@
           <p:nvPr/>
         </p:nvPicPr>
         <p:blipFill>
-          <a:blip r:embed="rId14" cstate="print"/>
+          <a:blip r:embed="rId16" cstate="print"/>
           <a:stretch>
             <a:fillRect/>
           </a:stretch>
@@ -9128,7 +10556,7 @@
             <p:nvPr/>
           </p:nvPicPr>
           <p:blipFill>
-            <a:blip r:embed="rId6" cstate="print"/>
+            <a:blip r:embed="rId11" cstate="print"/>
             <a:stretch>
               <a:fillRect/>
             </a:stretch>
@@ -9167,7 +10595,7 @@
             <p:nvPr/>
           </p:nvPicPr>
           <p:blipFill>
-            <a:blip r:embed="rId7" cstate="print"/>
+            <a:blip r:embed="rId12" cstate="print"/>
             <a:stretch>
               <a:fillRect/>
             </a:stretch>
@@ -9206,7 +10634,7 @@
             <p:nvPr/>
           </p:nvPicPr>
           <p:blipFill>
-            <a:blip r:embed="rId8" cstate="print"/>
+            <a:blip r:embed="rId13" cstate="print"/>
             <a:stretch>
               <a:fillRect/>
             </a:stretch>
@@ -9231,7 +10659,7 @@
           <p:nvPr/>
         </p:nvPicPr>
         <p:blipFill>
-          <a:blip r:embed="rId11" cstate="print"/>
+          <a:blip r:embed="rId14" cstate="print"/>
           <a:stretch>
             <a:fillRect/>
           </a:stretch>
@@ -9255,7 +10683,7 @@
           <p:nvPr/>
         </p:nvPicPr>
         <p:blipFill>
-          <a:blip r:embed="rId12" cstate="print"/>
+          <a:blip r:embed="rId15" cstate="print"/>
           <a:stretch>
             <a:fillRect/>
           </a:stretch>
@@ -9293,7 +10721,7 @@
             <p:nvPr/>
           </p:nvPicPr>
           <p:blipFill>
-            <a:blip r:embed="rId6" cstate="print"/>
+            <a:blip r:embed="rId16" cstate="print"/>
             <a:stretch>
               <a:fillRect/>
             </a:stretch>
@@ -9332,7 +10760,7 @@
             <p:nvPr/>
           </p:nvPicPr>
           <p:blipFill>
-            <a:blip r:embed="rId7" cstate="print"/>
+            <a:blip r:embed="rId17" cstate="print"/>
             <a:stretch>
               <a:fillRect/>
             </a:stretch>
@@ -9371,7 +10799,7 @@
             <p:nvPr/>
           </p:nvPicPr>
           <p:blipFill>
-            <a:blip r:embed="rId8" cstate="print"/>
+            <a:blip r:embed="rId18" cstate="print"/>
             <a:stretch>
               <a:fillRect/>
             </a:stretch>
@@ -9396,7 +10824,7 @@
           <p:nvPr/>
         </p:nvPicPr>
         <p:blipFill>
-          <a:blip r:embed="rId13" cstate="print"/>
+          <a:blip r:embed="rId19" cstate="print"/>
           <a:stretch>
             <a:fillRect/>
           </a:stretch>
@@ -9420,7 +10848,7 @@
           <p:nvPr/>
         </p:nvPicPr>
         <p:blipFill>
-          <a:blip r:embed="rId14" cstate="print"/>
+          <a:blip r:embed="rId20" cstate="print"/>
           <a:stretch>
             <a:fillRect/>
           </a:stretch>
@@ -9458,7 +10886,7 @@
             <p:nvPr/>
           </p:nvPicPr>
           <p:blipFill>
-            <a:blip r:embed="rId15" cstate="print"/>
+            <a:blip r:embed="rId21" cstate="print"/>
             <a:stretch>
               <a:fillRect/>
             </a:stretch>
@@ -9483,7 +10911,7 @@
           <p:nvPr/>
         </p:nvPicPr>
         <p:blipFill>
-          <a:blip r:embed="rId16" cstate="print"/>
+          <a:blip r:embed="rId22" cstate="print"/>
           <a:stretch>
             <a:fillRect/>
           </a:stretch>
@@ -9507,7 +10935,7 @@
           <p:nvPr/>
         </p:nvPicPr>
         <p:blipFill>
-          <a:blip r:embed="rId17" cstate="print"/>
+          <a:blip r:embed="rId23" cstate="print"/>
           <a:stretch>
             <a:fillRect/>
           </a:stretch>
@@ -9767,45 +11195,6 @@
         </p:nvGrpSpPr>
         <p:grpSpPr>
           <a:xfrm>
-            <a:off x="8280878" y="3797323"/>
-            <a:ext cx="3019281" cy="2329163"/>
-            <a:chOff x="8280878" y="3797323"/>
-            <a:chExt cx="3019281" cy="2329163"/>
-          </a:xfrm>
-        </p:grpSpPr>
-        <p:pic>
-          <p:nvPicPr>
-            <p:cNvPr id="17" name="Object 16"/>
-            <p:cNvPicPr>
-              <a:picLocks noChangeAspect="1"/>
-            </p:cNvPicPr>
-            <p:nvPr/>
-          </p:nvPicPr>
-          <p:blipFill>
-            <a:blip r:embed="rId8" cstate="print"/>
-            <a:stretch>
-              <a:fillRect/>
-            </a:stretch>
-          </p:blipFill>
-          <p:spPr>
-            <a:xfrm>
-              <a:off x="8280878" y="3797323"/>
-              <a:ext cx="3019281" cy="2329163"/>
-            </a:xfrm>
-            <a:prstGeom prst="rect">
-              <a:avLst/>
-            </a:prstGeom>
-          </p:spPr>
-        </p:pic>
-      </p:grpSp>
-      <p:grpSp>
-        <p:nvGrpSpPr>
-          <p:cNvPr id="1006" name="그룹 1006"/>
-          <p:cNvGrpSpPr/>
-          <p:nvPr/>
-        </p:nvGrpSpPr>
-        <p:grpSpPr>
-          <a:xfrm>
             <a:off x="1479236" y="3514286"/>
             <a:ext cx="1123950" cy="21429"/>
             <a:chOff x="1479236" y="3514286"/>
@@ -9814,14 +11203,14 @@
         </p:grpSpPr>
         <p:pic>
           <p:nvPicPr>
-            <p:cNvPr id="20" name="Object 19"/>
-            <p:cNvPicPr>
-              <a:picLocks noChangeAspect="1"/>
-            </p:cNvPicPr>
-            <p:nvPr/>
-          </p:nvPicPr>
-          <p:blipFill>
-            <a:blip r:embed="rId9" cstate="print"/>
+            <p:cNvPr id="17" name="Object 16"/>
+            <p:cNvPicPr>
+              <a:picLocks noChangeAspect="1"/>
+            </p:cNvPicPr>
+            <p:nvPr/>
+          </p:nvPicPr>
+          <p:blipFill>
+            <a:blip r:embed="rId8" cstate="print"/>
             <a:stretch>
               <a:fillRect/>
             </a:stretch>
@@ -9839,7 +11228,31 @@
       </p:grpSp>
       <p:pic>
         <p:nvPicPr>
-          <p:cNvPr id="22" name="Object 21"/>
+          <p:cNvPr id="19" name="Object 18"/>
+          <p:cNvPicPr>
+            <a:picLocks noChangeAspect="1"/>
+          </p:cNvPicPr>
+          <p:nvPr/>
+        </p:nvPicPr>
+        <p:blipFill>
+          <a:blip r:embed="rId9" cstate="print"/>
+          <a:stretch>
+            <a:fillRect/>
+          </a:stretch>
+        </p:blipFill>
+        <p:spPr>
+          <a:xfrm>
+            <a:off x="7985346" y="2793196"/>
+            <a:ext cx="3137571" cy="749533"/>
+          </a:xfrm>
+          <a:prstGeom prst="rect">
+            <a:avLst/>
+          </a:prstGeom>
+        </p:spPr>
+      </p:pic>
+      <p:pic>
+        <p:nvPicPr>
+          <p:cNvPr id="20" name="Object 19"/>
           <p:cNvPicPr>
             <a:picLocks noChangeAspect="1"/>
           </p:cNvPicPr>
@@ -9853,38 +11266,53 @@
         </p:blipFill>
         <p:spPr>
           <a:xfrm>
-            <a:off x="8467785" y="2847120"/>
-            <a:ext cx="2607371" cy="692524"/>
+            <a:off x="7825771" y="5064762"/>
+            <a:ext cx="4053457" cy="3156190"/>
           </a:xfrm>
           <a:prstGeom prst="rect">
             <a:avLst/>
           </a:prstGeom>
         </p:spPr>
       </p:pic>
-      <p:pic>
-        <p:nvPicPr>
-          <p:cNvPr id="23" name="Object 22"/>
-          <p:cNvPicPr>
-            <a:picLocks noChangeAspect="1"/>
-          </p:cNvPicPr>
-          <p:nvPr/>
-        </p:nvPicPr>
-        <p:blipFill>
-          <a:blip r:embed="rId11" cstate="print"/>
-          <a:stretch>
-            <a:fillRect/>
-          </a:stretch>
-        </p:blipFill>
-        <p:spPr>
-          <a:xfrm>
-            <a:off x="7825771" y="6449059"/>
-            <a:ext cx="4053457" cy="3156190"/>
-          </a:xfrm>
-          <a:prstGeom prst="rect">
-            <a:avLst/>
-          </a:prstGeom>
-        </p:spPr>
-      </p:pic>
+      <p:grpSp>
+        <p:nvGrpSpPr>
+          <p:cNvPr id="1006" name="그룹 1006"/>
+          <p:cNvGrpSpPr/>
+          <p:nvPr/>
+        </p:nvGrpSpPr>
+        <p:grpSpPr>
+          <a:xfrm>
+            <a:off x="11713243" y="4229370"/>
+            <a:ext cx="5859977" cy="4576522"/>
+            <a:chOff x="11713243" y="4229370"/>
+            <a:chExt cx="5859977" cy="4576522"/>
+          </a:xfrm>
+        </p:grpSpPr>
+        <p:pic>
+          <p:nvPicPr>
+            <p:cNvPr id="22" name="Object 21"/>
+            <p:cNvPicPr>
+              <a:picLocks noChangeAspect="1"/>
+            </p:cNvPicPr>
+            <p:nvPr/>
+          </p:nvPicPr>
+          <p:blipFill>
+            <a:blip r:embed="rId11" cstate="print"/>
+            <a:stretch>
+              <a:fillRect/>
+            </a:stretch>
+          </p:blipFill>
+          <p:spPr>
+            <a:xfrm rot="-5400000">
+              <a:off x="11713243" y="4229370"/>
+              <a:ext cx="5859977" cy="4576522"/>
+            </a:xfrm>
+            <a:prstGeom prst="rect">
+              <a:avLst/>
+            </a:prstGeom>
+          </p:spPr>
+        </p:pic>
+      </p:grpSp>
       <p:grpSp>
         <p:nvGrpSpPr>
           <p:cNvPr id="1007" name="그룹 1007"/>
@@ -9893,10 +11321,10 @@
         </p:nvGrpSpPr>
         <p:grpSpPr>
           <a:xfrm>
-            <a:off x="11713243" y="4229370"/>
-            <a:ext cx="5859977" cy="4576522"/>
-            <a:chOff x="11713243" y="4229370"/>
-            <a:chExt cx="5859977" cy="4576522"/>
+            <a:off x="12395655" y="2833084"/>
+            <a:ext cx="4495153" cy="613650"/>
+            <a:chOff x="12395655" y="2833084"/>
+            <a:chExt cx="4495153" cy="613650"/>
           </a:xfrm>
         </p:grpSpPr>
         <p:pic>
@@ -9908,15 +11336,15 @@
             <p:nvPr/>
           </p:nvPicPr>
           <p:blipFill>
-            <a:blip r:embed="rId6" cstate="print"/>
-            <a:stretch>
-              <a:fillRect/>
-            </a:stretch>
-          </p:blipFill>
-          <p:spPr>
-            <a:xfrm rot="-5400000">
-              <a:off x="11713243" y="4229370"/>
-              <a:ext cx="5859977" cy="4576522"/>
+            <a:blip r:embed="rId12" cstate="print"/>
+            <a:stretch>
+              <a:fillRect/>
+            </a:stretch>
+          </p:blipFill>
+          <p:spPr>
+            <a:xfrm>
+              <a:off x="12395655" y="2833084"/>
+              <a:ext cx="4495153" cy="613650"/>
             </a:xfrm>
             <a:prstGeom prst="rect">
               <a:avLst/>
@@ -9932,10 +11360,10 @@
         </p:nvGrpSpPr>
         <p:grpSpPr>
           <a:xfrm>
-            <a:off x="12395655" y="2833084"/>
-            <a:ext cx="4495153" cy="613650"/>
-            <a:chOff x="12395655" y="2833084"/>
-            <a:chExt cx="4495153" cy="613650"/>
+            <a:off x="12683856" y="2793902"/>
+            <a:ext cx="3918751" cy="3023041"/>
+            <a:chOff x="12683856" y="2793902"/>
+            <a:chExt cx="3918751" cy="3023041"/>
           </a:xfrm>
         </p:grpSpPr>
         <p:pic>
@@ -9947,15 +11375,15 @@
             <p:nvPr/>
           </p:nvPicPr>
           <p:blipFill>
-            <a:blip r:embed="rId7" cstate="print"/>
+            <a:blip r:embed="rId13" cstate="print"/>
             <a:stretch>
               <a:fillRect/>
             </a:stretch>
           </p:blipFill>
           <p:spPr>
             <a:xfrm>
-              <a:off x="12395655" y="2833084"/>
-              <a:ext cx="4495153" cy="613650"/>
+              <a:off x="12683856" y="2793902"/>
+              <a:ext cx="3918751" cy="3023041"/>
             </a:xfrm>
             <a:prstGeom prst="rect">
               <a:avLst/>
@@ -9971,10 +11399,10 @@
         </p:nvGrpSpPr>
         <p:grpSpPr>
           <a:xfrm>
-            <a:off x="12683856" y="2793902"/>
-            <a:ext cx="3918751" cy="3023041"/>
-            <a:chOff x="12683856" y="2793902"/>
-            <a:chExt cx="3918751" cy="3023041"/>
+            <a:off x="7894343" y="3762468"/>
+            <a:ext cx="3733376" cy="1085910"/>
+            <a:chOff x="7894343" y="3762468"/>
+            <a:chExt cx="3733376" cy="1085910"/>
           </a:xfrm>
         </p:grpSpPr>
         <p:pic>
@@ -9986,15 +11414,15 @@
             <p:nvPr/>
           </p:nvPicPr>
           <p:blipFill>
-            <a:blip r:embed="rId12" cstate="print"/>
+            <a:blip r:embed="rId14" cstate="print"/>
             <a:stretch>
               <a:fillRect/>
             </a:stretch>
           </p:blipFill>
           <p:spPr>
             <a:xfrm>
-              <a:off x="12683856" y="2793902"/>
-              <a:ext cx="3918751" cy="3023041"/>
+              <a:off x="7894343" y="3762468"/>
+              <a:ext cx="3733376" cy="1085910"/>
             </a:xfrm>
             <a:prstGeom prst="rect">
               <a:avLst/>
@@ -10011,15 +11439,15 @@
           <p:nvPr/>
         </p:nvPicPr>
         <p:blipFill>
-          <a:blip r:embed="rId13" cstate="print"/>
+          <a:blip r:embed="rId15" cstate="print"/>
           <a:stretch>
             <a:fillRect/>
           </a:stretch>
         </p:blipFill>
         <p:spPr>
           <a:xfrm>
-            <a:off x="12728417" y="2846349"/>
-            <a:ext cx="3386552" cy="692524"/>
+            <a:off x="12376084" y="2792425"/>
+            <a:ext cx="3763429" cy="749533"/>
           </a:xfrm>
           <a:prstGeom prst="rect">
             <a:avLst/>
@@ -10035,15 +11463,15 @@
           <p:nvPr/>
         </p:nvPicPr>
         <p:blipFill>
-          <a:blip r:embed="rId14" cstate="print"/>
+          <a:blip r:embed="rId16" cstate="print"/>
           <a:stretch>
             <a:fillRect/>
           </a:stretch>
         </p:blipFill>
         <p:spPr>
           <a:xfrm>
-            <a:off x="12668960" y="4792381"/>
-            <a:ext cx="4082257" cy="5415238"/>
+            <a:off x="12668960" y="5008610"/>
+            <a:ext cx="4022171" cy="3823105"/>
           </a:xfrm>
           <a:prstGeom prst="rect">
             <a:avLst/>
@@ -10059,7 +11487,7 @@
           <p:nvPr/>
         </p:nvPicPr>
         <p:blipFill>
-          <a:blip r:embed="rId15" cstate="print"/>
+          <a:blip r:embed="rId17" cstate="print"/>
           <a:stretch>
             <a:fillRect/>
           </a:stretch>
@@ -10083,15 +11511,15 @@
           <p:nvPr/>
         </p:nvPicPr>
         <p:blipFill>
-          <a:blip r:embed="rId16" cstate="print"/>
+          <a:blip r:embed="rId18" cstate="print"/>
           <a:stretch>
             <a:fillRect/>
           </a:stretch>
         </p:blipFill>
         <p:spPr>
           <a:xfrm>
-            <a:off x="1197276" y="3772887"/>
-            <a:ext cx="3777810" cy="2320162"/>
+            <a:off x="1197276" y="3772839"/>
+            <a:ext cx="4733743" cy="2367924"/>
           </a:xfrm>
           <a:prstGeom prst="rect">
             <a:avLst/>
@@ -10265,10 +11693,10 @@
         </p:nvGrpSpPr>
         <p:grpSpPr>
           <a:xfrm>
-            <a:off x="7355650" y="2882540"/>
-            <a:ext cx="9691969" cy="2011383"/>
-            <a:chOff x="7355650" y="2882540"/>
-            <a:chExt cx="9691969" cy="2011383"/>
+            <a:off x="6860530" y="4229370"/>
+            <a:ext cx="5859977" cy="4576522"/>
+            <a:chOff x="6860530" y="4229370"/>
+            <a:chExt cx="5859977" cy="4576522"/>
           </a:xfrm>
         </p:grpSpPr>
         <p:pic>
@@ -10286,9 +11714,9 @@
             </a:stretch>
           </p:blipFill>
           <p:spPr>
-            <a:xfrm>
-              <a:off x="7355650" y="2882540"/>
-              <a:ext cx="9691969" cy="2011383"/>
+            <a:xfrm rot="-5400000">
+              <a:off x="6860530" y="4229370"/>
+              <a:ext cx="5859977" cy="4576522"/>
             </a:xfrm>
             <a:prstGeom prst="rect">
               <a:avLst/>
@@ -10304,10 +11732,10 @@
         </p:nvGrpSpPr>
         <p:grpSpPr>
           <a:xfrm>
-            <a:off x="10056833" y="3877968"/>
-            <a:ext cx="1144603" cy="20526"/>
-            <a:chOff x="10056833" y="3877968"/>
-            <a:chExt cx="1144603" cy="20526"/>
+            <a:off x="7542942" y="2833084"/>
+            <a:ext cx="4495153" cy="613650"/>
+            <a:chOff x="7542942" y="2833084"/>
+            <a:chExt cx="4495153" cy="613650"/>
           </a:xfrm>
         </p:grpSpPr>
         <p:pic>
@@ -10325,9 +11753,9 @@
             </a:stretch>
           </p:blipFill>
           <p:spPr>
-            <a:xfrm rot="5400000">
-              <a:off x="10056833" y="3877968"/>
-              <a:ext cx="1144603" cy="20526"/>
+            <a:xfrm>
+              <a:off x="7542942" y="2833084"/>
+              <a:ext cx="4495153" cy="613650"/>
             </a:xfrm>
             <a:prstGeom prst="rect">
               <a:avLst/>
@@ -10343,10 +11771,10 @@
         </p:nvGrpSpPr>
         <p:grpSpPr>
           <a:xfrm>
-            <a:off x="7783236" y="3683701"/>
-            <a:ext cx="428571" cy="409061"/>
-            <a:chOff x="7783236" y="3683701"/>
-            <a:chExt cx="428571" cy="409061"/>
+            <a:off x="1479236" y="3514286"/>
+            <a:ext cx="1123950" cy="21429"/>
+            <a:chOff x="1479236" y="3514286"/>
+            <a:chExt cx="1123950" cy="21429"/>
           </a:xfrm>
         </p:grpSpPr>
         <p:pic>
@@ -10365,8 +11793,8 @@
           </p:blipFill>
           <p:spPr>
             <a:xfrm>
-              <a:off x="7783236" y="3683701"/>
-              <a:ext cx="428571" cy="409061"/>
+              <a:off x="1479236" y="3514286"/>
+              <a:ext cx="1123950" cy="21429"/>
             </a:xfrm>
             <a:prstGeom prst="rect">
               <a:avLst/>
@@ -10390,32 +11818,8 @@
         </p:blipFill>
         <p:spPr>
           <a:xfrm>
-            <a:off x="11004667" y="2813310"/>
-            <a:ext cx="5873695" cy="2556190"/>
-          </a:xfrm>
-          <a:prstGeom prst="rect">
-            <a:avLst/>
-          </a:prstGeom>
-        </p:spPr>
-      </p:pic>
-      <p:pic>
-        <p:nvPicPr>
-          <p:cNvPr id="20" name="Object 19"/>
-          <p:cNvPicPr>
-            <a:picLocks noChangeAspect="1"/>
-          </p:cNvPicPr>
-          <p:nvPr/>
-        </p:nvPicPr>
-        <p:blipFill>
-          <a:blip r:embed="rId10" cstate="print"/>
-          <a:stretch>
-            <a:fillRect/>
-          </a:stretch>
-        </p:blipFill>
-        <p:spPr>
-          <a:xfrm>
-            <a:off x="8365648" y="3342610"/>
-            <a:ext cx="2070600" cy="1749276"/>
+            <a:off x="8016194" y="2812244"/>
+            <a:ext cx="3081610" cy="711438"/>
           </a:xfrm>
           <a:prstGeom prst="rect">
             <a:avLst/>
@@ -10430,30 +11834,30 @@
         </p:nvGrpSpPr>
         <p:grpSpPr>
           <a:xfrm>
-            <a:off x="7355650" y="5089819"/>
-            <a:ext cx="9691969" cy="2011383"/>
-            <a:chOff x="7355650" y="5089819"/>
-            <a:chExt cx="9691969" cy="2011383"/>
+            <a:off x="11713243" y="4229370"/>
+            <a:ext cx="5859977" cy="4576522"/>
+            <a:chOff x="11713243" y="4229370"/>
+            <a:chExt cx="5859977" cy="4576522"/>
           </a:xfrm>
         </p:grpSpPr>
         <p:pic>
           <p:nvPicPr>
-            <p:cNvPr id="22" name="Object 21"/>
-            <p:cNvPicPr>
-              <a:picLocks noChangeAspect="1"/>
-            </p:cNvPicPr>
-            <p:nvPr/>
-          </p:nvPicPr>
-          <p:blipFill>
-            <a:blip r:embed="rId6" cstate="print"/>
-            <a:stretch>
-              <a:fillRect/>
-            </a:stretch>
-          </p:blipFill>
-          <p:spPr>
-            <a:xfrm>
-              <a:off x="7355650" y="5089819"/>
-              <a:ext cx="9691969" cy="2011383"/>
+            <p:cNvPr id="21" name="Object 20"/>
+            <p:cNvPicPr>
+              <a:picLocks noChangeAspect="1"/>
+            </p:cNvPicPr>
+            <p:nvPr/>
+          </p:nvPicPr>
+          <p:blipFill>
+            <a:blip r:embed="rId10" cstate="print"/>
+            <a:stretch>
+              <a:fillRect/>
+            </a:stretch>
+          </p:blipFill>
+          <p:spPr>
+            <a:xfrm rot="-5400000">
+              <a:off x="11713243" y="4229370"/>
+              <a:ext cx="5859977" cy="4576522"/>
             </a:xfrm>
             <a:prstGeom prst="rect">
               <a:avLst/>
@@ -10469,30 +11873,30 @@
         </p:nvGrpSpPr>
         <p:grpSpPr>
           <a:xfrm>
-            <a:off x="10056833" y="6085247"/>
-            <a:ext cx="1144603" cy="20526"/>
-            <a:chOff x="10056833" y="6085247"/>
-            <a:chExt cx="1144603" cy="20526"/>
+            <a:off x="12395655" y="2833084"/>
+            <a:ext cx="4495153" cy="613650"/>
+            <a:chOff x="12395655" y="2833084"/>
+            <a:chExt cx="4495153" cy="613650"/>
           </a:xfrm>
         </p:grpSpPr>
         <p:pic>
           <p:nvPicPr>
-            <p:cNvPr id="25" name="Object 24"/>
-            <p:cNvPicPr>
-              <a:picLocks noChangeAspect="1"/>
-            </p:cNvPicPr>
-            <p:nvPr/>
-          </p:nvPicPr>
-          <p:blipFill>
-            <a:blip r:embed="rId7" cstate="print"/>
-            <a:stretch>
-              <a:fillRect/>
-            </a:stretch>
-          </p:blipFill>
-          <p:spPr>
-            <a:xfrm rot="5400000">
-              <a:off x="10056833" y="6085247"/>
-              <a:ext cx="1144603" cy="20526"/>
+            <p:cNvPr id="24" name="Object 23"/>
+            <p:cNvPicPr>
+              <a:picLocks noChangeAspect="1"/>
+            </p:cNvPicPr>
+            <p:nvPr/>
+          </p:nvPicPr>
+          <p:blipFill>
+            <a:blip r:embed="rId11" cstate="print"/>
+            <a:stretch>
+              <a:fillRect/>
+            </a:stretch>
+          </p:blipFill>
+          <p:spPr>
+            <a:xfrm>
+              <a:off x="12395655" y="2833084"/>
+              <a:ext cx="4495153" cy="613650"/>
             </a:xfrm>
             <a:prstGeom prst="rect">
               <a:avLst/>
@@ -10508,30 +11912,30 @@
         </p:nvGrpSpPr>
         <p:grpSpPr>
           <a:xfrm>
-            <a:off x="7783236" y="5890980"/>
-            <a:ext cx="428571" cy="409061"/>
-            <a:chOff x="7783236" y="5890980"/>
-            <a:chExt cx="428571" cy="409061"/>
+            <a:off x="7375604" y="3492404"/>
+            <a:ext cx="4703176" cy="1733420"/>
+            <a:chOff x="7375604" y="3492404"/>
+            <a:chExt cx="4703176" cy="1733420"/>
           </a:xfrm>
         </p:grpSpPr>
         <p:pic>
           <p:nvPicPr>
-            <p:cNvPr id="28" name="Object 27"/>
-            <p:cNvPicPr>
-              <a:picLocks noChangeAspect="1"/>
-            </p:cNvPicPr>
-            <p:nvPr/>
-          </p:nvPicPr>
-          <p:blipFill>
-            <a:blip r:embed="rId8" cstate="print"/>
+            <p:cNvPr id="27" name="Object 26"/>
+            <p:cNvPicPr>
+              <a:picLocks noChangeAspect="1"/>
+            </p:cNvPicPr>
+            <p:nvPr/>
+          </p:nvPicPr>
+          <p:blipFill>
+            <a:blip r:embed="rId12" cstate="print"/>
             <a:stretch>
               <a:fillRect/>
             </a:stretch>
           </p:blipFill>
           <p:spPr>
             <a:xfrm>
-              <a:off x="7783236" y="5890980"/>
-              <a:ext cx="428571" cy="409061"/>
+              <a:off x="7375604" y="3492404"/>
+              <a:ext cx="4703176" cy="1733420"/>
             </a:xfrm>
             <a:prstGeom prst="rect">
               <a:avLst/>
@@ -10539,54 +11943,6 @@
           </p:spPr>
         </p:pic>
       </p:grpSp>
-      <p:pic>
-        <p:nvPicPr>
-          <p:cNvPr id="30" name="Object 29"/>
-          <p:cNvPicPr>
-            <a:picLocks noChangeAspect="1"/>
-          </p:cNvPicPr>
-          <p:nvPr/>
-        </p:nvPicPr>
-        <p:blipFill>
-          <a:blip r:embed="rId11" cstate="print"/>
-          <a:stretch>
-            <a:fillRect/>
-          </a:stretch>
-        </p:blipFill>
-        <p:spPr>
-          <a:xfrm>
-            <a:off x="11004667" y="5193184"/>
-            <a:ext cx="5777733" cy="2556190"/>
-          </a:xfrm>
-          <a:prstGeom prst="rect">
-            <a:avLst/>
-          </a:prstGeom>
-        </p:spPr>
-      </p:pic>
-      <p:pic>
-        <p:nvPicPr>
-          <p:cNvPr id="31" name="Object 30"/>
-          <p:cNvPicPr>
-            <a:picLocks noChangeAspect="1"/>
-          </p:cNvPicPr>
-          <p:nvPr/>
-        </p:nvPicPr>
-        <p:blipFill>
-          <a:blip r:embed="rId12" cstate="print"/>
-          <a:stretch>
-            <a:fillRect/>
-          </a:stretch>
-        </p:blipFill>
-        <p:spPr>
-          <a:xfrm>
-            <a:off x="8356124" y="5695841"/>
-            <a:ext cx="1257438" cy="918219"/>
-          </a:xfrm>
-          <a:prstGeom prst="rect">
-            <a:avLst/>
-          </a:prstGeom>
-        </p:spPr>
-      </p:pic>
       <p:grpSp>
         <p:nvGrpSpPr>
           <p:cNvPr id="1009" name="그룹 1009"/>
@@ -10595,108 +11951,30 @@
         </p:nvGrpSpPr>
         <p:grpSpPr>
           <a:xfrm>
-            <a:off x="7355650" y="7297098"/>
-            <a:ext cx="9691969" cy="2011383"/>
-            <a:chOff x="7355650" y="7297098"/>
-            <a:chExt cx="9691969" cy="2011383"/>
+            <a:off x="12627891" y="3770159"/>
+            <a:ext cx="3908346" cy="1092516"/>
+            <a:chOff x="12627891" y="3770159"/>
+            <a:chExt cx="3908346" cy="1092516"/>
           </a:xfrm>
         </p:grpSpPr>
         <p:pic>
           <p:nvPicPr>
-            <p:cNvPr id="33" name="Object 32"/>
-            <p:cNvPicPr>
-              <a:picLocks noChangeAspect="1"/>
-            </p:cNvPicPr>
-            <p:nvPr/>
-          </p:nvPicPr>
-          <p:blipFill>
-            <a:blip r:embed="rId6" cstate="print"/>
+            <p:cNvPr id="30" name="Object 29"/>
+            <p:cNvPicPr>
+              <a:picLocks noChangeAspect="1"/>
+            </p:cNvPicPr>
+            <p:nvPr/>
+          </p:nvPicPr>
+          <p:blipFill>
+            <a:blip r:embed="rId13" cstate="print"/>
             <a:stretch>
               <a:fillRect/>
             </a:stretch>
           </p:blipFill>
           <p:spPr>
             <a:xfrm>
-              <a:off x="7355650" y="7297098"/>
-              <a:ext cx="9691969" cy="2011383"/>
-            </a:xfrm>
-            <a:prstGeom prst="rect">
-              <a:avLst/>
-            </a:prstGeom>
-          </p:spPr>
-        </p:pic>
-      </p:grpSp>
-      <p:grpSp>
-        <p:nvGrpSpPr>
-          <p:cNvPr id="1010" name="그룹 1010"/>
-          <p:cNvGrpSpPr/>
-          <p:nvPr/>
-        </p:nvGrpSpPr>
-        <p:grpSpPr>
-          <a:xfrm>
-            <a:off x="10056833" y="8292526"/>
-            <a:ext cx="1144603" cy="20526"/>
-            <a:chOff x="10056833" y="8292526"/>
-            <a:chExt cx="1144603" cy="20526"/>
-          </a:xfrm>
-        </p:grpSpPr>
-        <p:pic>
-          <p:nvPicPr>
-            <p:cNvPr id="36" name="Object 35"/>
-            <p:cNvPicPr>
-              <a:picLocks noChangeAspect="1"/>
-            </p:cNvPicPr>
-            <p:nvPr/>
-          </p:nvPicPr>
-          <p:blipFill>
-            <a:blip r:embed="rId7" cstate="print"/>
-            <a:stretch>
-              <a:fillRect/>
-            </a:stretch>
-          </p:blipFill>
-          <p:spPr>
-            <a:xfrm rot="5400000">
-              <a:off x="10056833" y="8292526"/>
-              <a:ext cx="1144603" cy="20526"/>
-            </a:xfrm>
-            <a:prstGeom prst="rect">
-              <a:avLst/>
-            </a:prstGeom>
-          </p:spPr>
-        </p:pic>
-      </p:grpSp>
-      <p:grpSp>
-        <p:nvGrpSpPr>
-          <p:cNvPr id="1011" name="그룹 1011"/>
-          <p:cNvGrpSpPr/>
-          <p:nvPr/>
-        </p:nvGrpSpPr>
-        <p:grpSpPr>
-          <a:xfrm>
-            <a:off x="7783236" y="8098259"/>
-            <a:ext cx="428571" cy="409061"/>
-            <a:chOff x="7783236" y="8098259"/>
-            <a:chExt cx="428571" cy="409061"/>
-          </a:xfrm>
-        </p:grpSpPr>
-        <p:pic>
-          <p:nvPicPr>
-            <p:cNvPr id="39" name="Object 38"/>
-            <p:cNvPicPr>
-              <a:picLocks noChangeAspect="1"/>
-            </p:cNvPicPr>
-            <p:nvPr/>
-          </p:nvPicPr>
-          <p:blipFill>
-            <a:blip r:embed="rId8" cstate="print"/>
-            <a:stretch>
-              <a:fillRect/>
-            </a:stretch>
-          </p:blipFill>
-          <p:spPr>
-            <a:xfrm>
-              <a:off x="7783236" y="8098259"/>
-              <a:ext cx="428571" cy="409061"/>
+              <a:off x="12627891" y="3770159"/>
+              <a:ext cx="3908346" cy="1092516"/>
             </a:xfrm>
             <a:prstGeom prst="rect">
               <a:avLst/>
@@ -10706,31 +11984,7 @@
       </p:grpSp>
       <p:pic>
         <p:nvPicPr>
-          <p:cNvPr id="41" name="Object 40"/>
-          <p:cNvPicPr>
-            <a:picLocks noChangeAspect="1"/>
-          </p:cNvPicPr>
-          <p:nvPr/>
-        </p:nvPicPr>
-        <p:blipFill>
-          <a:blip r:embed="rId13" cstate="print"/>
-          <a:stretch>
-            <a:fillRect/>
-          </a:stretch>
-        </p:blipFill>
-        <p:spPr>
-          <a:xfrm>
-            <a:off x="10995143" y="7594265"/>
-            <a:ext cx="5893229" cy="2259762"/>
-          </a:xfrm>
-          <a:prstGeom prst="rect">
-            <a:avLst/>
-          </a:prstGeom>
-        </p:spPr>
-      </p:pic>
-      <p:pic>
-        <p:nvPicPr>
-          <p:cNvPr id="42" name="Object 41"/>
+          <p:cNvPr id="32" name="Object 31"/>
           <p:cNvPicPr>
             <a:picLocks noChangeAspect="1"/>
           </p:cNvPicPr>
@@ -10744,56 +11998,41 @@
         </p:blipFill>
         <p:spPr>
           <a:xfrm>
-            <a:off x="8356124" y="7664434"/>
-            <a:ext cx="1570019" cy="1394867"/>
+            <a:off x="12425224" y="2801949"/>
+            <a:ext cx="3567990" cy="730486"/>
           </a:xfrm>
           <a:prstGeom prst="rect">
             <a:avLst/>
           </a:prstGeom>
         </p:spPr>
       </p:pic>
-      <p:grpSp>
-        <p:nvGrpSpPr>
-          <p:cNvPr id="1012" name="그룹 1012"/>
-          <p:cNvGrpSpPr/>
-          <p:nvPr/>
-        </p:nvGrpSpPr>
-        <p:grpSpPr>
-          <a:xfrm>
-            <a:off x="1479236" y="3514286"/>
-            <a:ext cx="1123950" cy="21429"/>
-            <a:chOff x="1479236" y="3514286"/>
-            <a:chExt cx="1123950" cy="21429"/>
-          </a:xfrm>
-        </p:grpSpPr>
-        <p:pic>
-          <p:nvPicPr>
-            <p:cNvPr id="44" name="Object 43"/>
-            <p:cNvPicPr>
-              <a:picLocks noChangeAspect="1"/>
-            </p:cNvPicPr>
-            <p:nvPr/>
-          </p:nvPicPr>
-          <p:blipFill>
-            <a:blip r:embed="rId15" cstate="print"/>
-            <a:stretch>
-              <a:fillRect/>
-            </a:stretch>
-          </p:blipFill>
-          <p:spPr>
-            <a:xfrm>
-              <a:off x="1479236" y="3514286"/>
-              <a:ext cx="1123950" cy="21429"/>
-            </a:xfrm>
-            <a:prstGeom prst="rect">
-              <a:avLst/>
-            </a:prstGeom>
-          </p:spPr>
-        </p:pic>
-      </p:grpSp>
       <p:pic>
         <p:nvPicPr>
-          <p:cNvPr id="46" name="Object 45"/>
+          <p:cNvPr id="33" name="Object 32"/>
+          <p:cNvPicPr>
+            <a:picLocks noChangeAspect="1"/>
+          </p:cNvPicPr>
+          <p:nvPr/>
+        </p:nvPicPr>
+        <p:blipFill>
+          <a:blip r:embed="rId15" cstate="print"/>
+          <a:stretch>
+            <a:fillRect/>
+          </a:stretch>
+        </p:blipFill>
+        <p:spPr>
+          <a:xfrm>
+            <a:off x="995610" y="1800925"/>
+            <a:ext cx="2392438" cy="2401267"/>
+          </a:xfrm>
+          <a:prstGeom prst="rect">
+            <a:avLst/>
+          </a:prstGeom>
+        </p:spPr>
+      </p:pic>
+      <p:pic>
+        <p:nvPicPr>
+          <p:cNvPr id="34" name="Object 33"/>
           <p:cNvPicPr>
             <a:picLocks noChangeAspect="1"/>
           </p:cNvPicPr>
@@ -10807,8 +12046,8 @@
         </p:blipFill>
         <p:spPr>
           <a:xfrm>
-            <a:off x="1050724" y="1800925"/>
-            <a:ext cx="2227095" cy="2401267"/>
+            <a:off x="1197276" y="3772839"/>
+            <a:ext cx="4877429" cy="2367924"/>
           </a:xfrm>
           <a:prstGeom prst="rect">
             <a:avLst/>
@@ -10817,7 +12056,7 @@
       </p:pic>
       <p:pic>
         <p:nvPicPr>
-          <p:cNvPr id="47" name="Object 46"/>
+          <p:cNvPr id="35" name="Object 34"/>
           <p:cNvPicPr>
             <a:picLocks noChangeAspect="1"/>
           </p:cNvPicPr>
@@ -10831,8 +12070,32 @@
         </p:blipFill>
         <p:spPr>
           <a:xfrm>
-            <a:off x="1178229" y="3763277"/>
-            <a:ext cx="3920667" cy="2339467"/>
+            <a:off x="7816247" y="5050381"/>
+            <a:ext cx="4075276" cy="4771895"/>
+          </a:xfrm>
+          <a:prstGeom prst="rect">
+            <a:avLst/>
+          </a:prstGeom>
+        </p:spPr>
+      </p:pic>
+      <p:pic>
+        <p:nvPicPr>
+          <p:cNvPr id="36" name="Object 35"/>
+          <p:cNvPicPr>
+            <a:picLocks noChangeAspect="1"/>
+          </p:cNvPicPr>
+          <p:nvPr/>
+        </p:nvPicPr>
+        <p:blipFill>
+          <a:blip r:embed="rId18" cstate="print"/>
+          <a:stretch>
+            <a:fillRect/>
+          </a:stretch>
+        </p:blipFill>
+        <p:spPr>
+          <a:xfrm>
+            <a:off x="12668960" y="5049581"/>
+            <a:ext cx="4079943" cy="2506143"/>
           </a:xfrm>
           <a:prstGeom prst="rect">
             <a:avLst/>

--- a/발표자료/ToDoBest발표-자료.pptx
+++ b/발표자료/ToDoBest발표-자료.pptx
@@ -3820,8 +3820,8 @@
         </p:blipFill>
         <p:spPr>
           <a:xfrm>
-            <a:off x="1197276" y="3772839"/>
-            <a:ext cx="4853438" cy="2367924"/>
+            <a:off x="1197276" y="3772887"/>
+            <a:ext cx="4877429" cy="2367781"/>
           </a:xfrm>
           <a:prstGeom prst="rect">
             <a:avLst/>
@@ -12046,8 +12046,8 @@
         </p:blipFill>
         <p:spPr>
           <a:xfrm>
-            <a:off x="1197276" y="3772839"/>
-            <a:ext cx="4877429" cy="2367924"/>
+            <a:off x="1197276" y="3772887"/>
+            <a:ext cx="4853438" cy="2367781"/>
           </a:xfrm>
           <a:prstGeom prst="rect">
             <a:avLst/>
